--- a/ja/img/images.pptx
+++ b/ja/img/images.pptx
@@ -11,6 +11,8 @@
     <p:sldId id="259" r:id="rId5"/>
     <p:sldId id="260" r:id="rId6"/>
     <p:sldId id="261" r:id="rId7"/>
+    <p:sldId id="262" r:id="rId8"/>
+    <p:sldId id="263" r:id="rId9"/>
   </p:sldIdLst>
   <p:sldSz cx="12192000" cy="6858000"/>
   <p:notesSz cx="6858000" cy="9144000"/>
@@ -275,7 +277,7 @@
           <a:p>
             <a:fld id="{C5555A70-58FF-864E-B8B8-C8619D2B8DDF}" type="datetimeFigureOut">
               <a:rPr kumimoji="1" lang="ja-JP" altLang="en-US" smtClean="0"/>
-              <a:t>2020/2/19</a:t>
+              <a:t>2020/2/21</a:t>
             </a:fld>
             <a:endParaRPr kumimoji="1" lang="ja-JP" altLang="en-US"/>
           </a:p>
@@ -480,7 +482,7 @@
           <a:p>
             <a:fld id="{C5555A70-58FF-864E-B8B8-C8619D2B8DDF}" type="datetimeFigureOut">
               <a:rPr kumimoji="1" lang="ja-JP" altLang="en-US" smtClean="0"/>
-              <a:t>2020/2/19</a:t>
+              <a:t>2020/2/21</a:t>
             </a:fld>
             <a:endParaRPr kumimoji="1" lang="ja-JP" altLang="en-US"/>
           </a:p>
@@ -695,7 +697,7 @@
           <a:p>
             <a:fld id="{C5555A70-58FF-864E-B8B8-C8619D2B8DDF}" type="datetimeFigureOut">
               <a:rPr kumimoji="1" lang="ja-JP" altLang="en-US" smtClean="0"/>
-              <a:t>2020/2/19</a:t>
+              <a:t>2020/2/21</a:t>
             </a:fld>
             <a:endParaRPr kumimoji="1" lang="ja-JP" altLang="en-US"/>
           </a:p>
@@ -900,7 +902,7 @@
           <a:p>
             <a:fld id="{C5555A70-58FF-864E-B8B8-C8619D2B8DDF}" type="datetimeFigureOut">
               <a:rPr kumimoji="1" lang="ja-JP" altLang="en-US" smtClean="0"/>
-              <a:t>2020/2/19</a:t>
+              <a:t>2020/2/21</a:t>
             </a:fld>
             <a:endParaRPr kumimoji="1" lang="ja-JP" altLang="en-US"/>
           </a:p>
@@ -1210,7 +1212,7 @@
           <a:p>
             <a:fld id="{C5555A70-58FF-864E-B8B8-C8619D2B8DDF}" type="datetimeFigureOut">
               <a:rPr kumimoji="1" lang="ja-JP" altLang="en-US" smtClean="0"/>
-              <a:t>2020/2/19</a:t>
+              <a:t>2020/2/21</a:t>
             </a:fld>
             <a:endParaRPr kumimoji="1" lang="ja-JP" altLang="en-US"/>
           </a:p>
@@ -1489,7 +1491,7 @@
           <a:p>
             <a:fld id="{C5555A70-58FF-864E-B8B8-C8619D2B8DDF}" type="datetimeFigureOut">
               <a:rPr kumimoji="1" lang="ja-JP" altLang="en-US" smtClean="0"/>
-              <a:t>2020/2/19</a:t>
+              <a:t>2020/2/21</a:t>
             </a:fld>
             <a:endParaRPr kumimoji="1" lang="ja-JP" altLang="en-US"/>
           </a:p>
@@ -1985,7 +1987,7 @@
           <a:p>
             <a:fld id="{C5555A70-58FF-864E-B8B8-C8619D2B8DDF}" type="datetimeFigureOut">
               <a:rPr kumimoji="1" lang="ja-JP" altLang="en-US" smtClean="0"/>
-              <a:t>2020/2/19</a:t>
+              <a:t>2020/2/21</a:t>
             </a:fld>
             <a:endParaRPr kumimoji="1" lang="ja-JP" altLang="en-US"/>
           </a:p>
@@ -2126,7 +2128,7 @@
           <a:p>
             <a:fld id="{C5555A70-58FF-864E-B8B8-C8619D2B8DDF}" type="datetimeFigureOut">
               <a:rPr kumimoji="1" lang="ja-JP" altLang="en-US" smtClean="0"/>
-              <a:t>2020/2/19</a:t>
+              <a:t>2020/2/21</a:t>
             </a:fld>
             <a:endParaRPr kumimoji="1" lang="ja-JP" altLang="en-US"/>
           </a:p>
@@ -2239,7 +2241,7 @@
           <a:p>
             <a:fld id="{C5555A70-58FF-864E-B8B8-C8619D2B8DDF}" type="datetimeFigureOut">
               <a:rPr kumimoji="1" lang="ja-JP" altLang="en-US" smtClean="0"/>
-              <a:t>2020/2/19</a:t>
+              <a:t>2020/2/21</a:t>
             </a:fld>
             <a:endParaRPr kumimoji="1" lang="ja-JP" altLang="en-US"/>
           </a:p>
@@ -2592,7 +2594,7 @@
           <a:p>
             <a:fld id="{C5555A70-58FF-864E-B8B8-C8619D2B8DDF}" type="datetimeFigureOut">
               <a:rPr kumimoji="1" lang="ja-JP" altLang="en-US" smtClean="0"/>
-              <a:t>2020/2/19</a:t>
+              <a:t>2020/2/21</a:t>
             </a:fld>
             <a:endParaRPr kumimoji="1" lang="ja-JP" altLang="en-US"/>
           </a:p>
@@ -2915,7 +2917,7 @@
           <a:p>
             <a:fld id="{C5555A70-58FF-864E-B8B8-C8619D2B8DDF}" type="datetimeFigureOut">
               <a:rPr kumimoji="1" lang="ja-JP" altLang="en-US" smtClean="0"/>
-              <a:t>2020/2/19</a:t>
+              <a:t>2020/2/21</a:t>
             </a:fld>
             <a:endParaRPr kumimoji="1" lang="ja-JP" altLang="en-US"/>
           </a:p>
@@ -3163,7 +3165,7 @@
           <a:p>
             <a:fld id="{C5555A70-58FF-864E-B8B8-C8619D2B8DDF}" type="datetimeFigureOut">
               <a:rPr kumimoji="1" lang="ja-JP" altLang="en-US" smtClean="0"/>
-              <a:t>2020/2/19</a:t>
+              <a:t>2020/2/21</a:t>
             </a:fld>
             <a:endParaRPr kumimoji="1" lang="ja-JP" altLang="en-US"/>
           </a:p>
@@ -14829,12 +14831,7533 @@
           <a:chExt cx="0" cy="0"/>
         </a:xfrm>
       </p:grpSpPr>
+      <p:grpSp>
+        <p:nvGrpSpPr>
+          <p:cNvPr id="36" name="グループ化 35">
+            <a:extLst>
+              <a:ext uri="{FF2B5EF4-FFF2-40B4-BE49-F238E27FC236}">
+                <a16:creationId xmlns:a16="http://schemas.microsoft.com/office/drawing/2014/main" id="{009E6A35-4856-2344-8DCD-A0C53C669DCC}"/>
+              </a:ext>
+            </a:extLst>
+          </p:cNvPr>
+          <p:cNvGrpSpPr/>
+          <p:nvPr/>
+        </p:nvGrpSpPr>
+        <p:grpSpPr>
+          <a:xfrm>
+            <a:off x="865065" y="1136588"/>
+            <a:ext cx="3064678" cy="2899019"/>
+            <a:chOff x="865065" y="1136588"/>
+            <a:chExt cx="3064678" cy="2899019"/>
+          </a:xfrm>
+        </p:grpSpPr>
+        <p:grpSp>
+          <p:nvGrpSpPr>
+            <p:cNvPr id="26" name="グループ化 25">
+              <a:extLst>
+                <a:ext uri="{FF2B5EF4-FFF2-40B4-BE49-F238E27FC236}">
+                  <a16:creationId xmlns:a16="http://schemas.microsoft.com/office/drawing/2014/main" id="{912FD6E6-3F66-C747-A606-99BA8ACAD9AC}"/>
+                </a:ext>
+              </a:extLst>
+            </p:cNvPr>
+            <p:cNvGrpSpPr/>
+            <p:nvPr/>
+          </p:nvGrpSpPr>
+          <p:grpSpPr>
+            <a:xfrm>
+              <a:off x="865065" y="1136588"/>
+              <a:ext cx="3064678" cy="2899019"/>
+              <a:chOff x="865065" y="1136588"/>
+              <a:chExt cx="3064678" cy="2899019"/>
+            </a:xfrm>
+          </p:grpSpPr>
+          <p:pic>
+            <p:nvPicPr>
+              <p:cNvPr id="4" name="図 3">
+                <a:extLst>
+                  <a:ext uri="{FF2B5EF4-FFF2-40B4-BE49-F238E27FC236}">
+                    <a16:creationId xmlns:a16="http://schemas.microsoft.com/office/drawing/2014/main" id="{CB66CE68-FC53-6148-91D3-A52134B73C34}"/>
+                  </a:ext>
+                </a:extLst>
+              </p:cNvPr>
+              <p:cNvPicPr>
+                <a:picLocks noChangeAspect="1"/>
+              </p:cNvPicPr>
+              <p:nvPr/>
+            </p:nvPicPr>
+            <p:blipFill>
+              <a:blip r:embed="rId2"/>
+              <a:stretch>
+                <a:fillRect/>
+              </a:stretch>
+            </p:blipFill>
+            <p:spPr>
+              <a:xfrm>
+                <a:off x="865065" y="1136588"/>
+                <a:ext cx="3064678" cy="2899019"/>
+              </a:xfrm>
+              <a:prstGeom prst="rect">
+                <a:avLst/>
+              </a:prstGeom>
+              <a:ln>
+                <a:solidFill>
+                  <a:schemeClr val="bg1"/>
+                </a:solidFill>
+              </a:ln>
+            </p:spPr>
+          </p:pic>
+          <p:sp>
+            <p:nvSpPr>
+              <p:cNvPr id="5" name="正方形/長方形 4">
+                <a:extLst>
+                  <a:ext uri="{FF2B5EF4-FFF2-40B4-BE49-F238E27FC236}">
+                    <a16:creationId xmlns:a16="http://schemas.microsoft.com/office/drawing/2014/main" id="{D4E7D1E6-DFAC-8F41-AD09-1C39B77B6E95}"/>
+                  </a:ext>
+                </a:extLst>
+              </p:cNvPr>
+              <p:cNvSpPr/>
+              <p:nvPr/>
+            </p:nvSpPr>
+            <p:spPr>
+              <a:xfrm>
+                <a:off x="3178630" y="1850571"/>
+                <a:ext cx="341494" cy="381001"/>
+              </a:xfrm>
+              <a:prstGeom prst="rect">
+                <a:avLst/>
+              </a:prstGeom>
+              <a:ln>
+                <a:solidFill>
+                  <a:schemeClr val="bg1"/>
+                </a:solidFill>
+              </a:ln>
+            </p:spPr>
+            <p:style>
+              <a:lnRef idx="2">
+                <a:schemeClr val="dk1"/>
+              </a:lnRef>
+              <a:fillRef idx="1">
+                <a:schemeClr val="lt1"/>
+              </a:fillRef>
+              <a:effectRef idx="0">
+                <a:schemeClr val="dk1"/>
+              </a:effectRef>
+              <a:fontRef idx="minor">
+                <a:schemeClr val="dk1"/>
+              </a:fontRef>
+            </p:style>
+            <p:txBody>
+              <a:bodyPr rtlCol="0" anchor="ctr"/>
+              <a:lstStyle/>
+              <a:p>
+                <a:pPr algn="ctr"/>
+                <a:endParaRPr kumimoji="1" lang="ja-JP" altLang="en-US"/>
+              </a:p>
+            </p:txBody>
+          </p:sp>
+          <p:sp>
+            <p:nvSpPr>
+              <p:cNvPr id="6" name="正方形/長方形 5">
+                <a:extLst>
+                  <a:ext uri="{FF2B5EF4-FFF2-40B4-BE49-F238E27FC236}">
+                    <a16:creationId xmlns:a16="http://schemas.microsoft.com/office/drawing/2014/main" id="{F0B0E861-2D5A-054E-8DB5-4D3000DDA197}"/>
+                  </a:ext>
+                </a:extLst>
+              </p:cNvPr>
+              <p:cNvSpPr/>
+              <p:nvPr/>
+            </p:nvSpPr>
+            <p:spPr>
+              <a:xfrm>
+                <a:off x="2928260" y="2090057"/>
+                <a:ext cx="341494" cy="381001"/>
+              </a:xfrm>
+              <a:prstGeom prst="rect">
+                <a:avLst/>
+              </a:prstGeom>
+              <a:ln>
+                <a:solidFill>
+                  <a:schemeClr val="bg1"/>
+                </a:solidFill>
+              </a:ln>
+            </p:spPr>
+            <p:style>
+              <a:lnRef idx="2">
+                <a:schemeClr val="dk1"/>
+              </a:lnRef>
+              <a:fillRef idx="1">
+                <a:schemeClr val="lt1"/>
+              </a:fillRef>
+              <a:effectRef idx="0">
+                <a:schemeClr val="dk1"/>
+              </a:effectRef>
+              <a:fontRef idx="minor">
+                <a:schemeClr val="dk1"/>
+              </a:fontRef>
+            </p:style>
+            <p:txBody>
+              <a:bodyPr rtlCol="0" anchor="ctr"/>
+              <a:lstStyle/>
+              <a:p>
+                <a:pPr algn="ctr"/>
+                <a:endParaRPr kumimoji="1" lang="ja-JP" altLang="en-US"/>
+              </a:p>
+            </p:txBody>
+          </p:sp>
+          <p:sp>
+            <p:nvSpPr>
+              <p:cNvPr id="7" name="正方形/長方形 6">
+                <a:extLst>
+                  <a:ext uri="{FF2B5EF4-FFF2-40B4-BE49-F238E27FC236}">
+                    <a16:creationId xmlns:a16="http://schemas.microsoft.com/office/drawing/2014/main" id="{96BDE18A-B905-EC42-AFAA-E912FE368A3F}"/>
+                  </a:ext>
+                </a:extLst>
+              </p:cNvPr>
+              <p:cNvSpPr/>
+              <p:nvPr/>
+            </p:nvSpPr>
+            <p:spPr>
+              <a:xfrm>
+                <a:off x="3113318" y="2895599"/>
+                <a:ext cx="341494" cy="381001"/>
+              </a:xfrm>
+              <a:prstGeom prst="rect">
+                <a:avLst/>
+              </a:prstGeom>
+              <a:ln>
+                <a:solidFill>
+                  <a:schemeClr val="bg1"/>
+                </a:solidFill>
+              </a:ln>
+            </p:spPr>
+            <p:style>
+              <a:lnRef idx="2">
+                <a:schemeClr val="dk1"/>
+              </a:lnRef>
+              <a:fillRef idx="1">
+                <a:schemeClr val="lt1"/>
+              </a:fillRef>
+              <a:effectRef idx="0">
+                <a:schemeClr val="dk1"/>
+              </a:effectRef>
+              <a:fontRef idx="minor">
+                <a:schemeClr val="dk1"/>
+              </a:fontRef>
+            </p:style>
+            <p:txBody>
+              <a:bodyPr rtlCol="0" anchor="ctr"/>
+              <a:lstStyle/>
+              <a:p>
+                <a:pPr algn="ctr"/>
+                <a:endParaRPr kumimoji="1" lang="ja-JP" altLang="en-US"/>
+              </a:p>
+            </p:txBody>
+          </p:sp>
+          <p:sp>
+            <p:nvSpPr>
+              <p:cNvPr id="8" name="正方形/長方形 7">
+                <a:extLst>
+                  <a:ext uri="{FF2B5EF4-FFF2-40B4-BE49-F238E27FC236}">
+                    <a16:creationId xmlns:a16="http://schemas.microsoft.com/office/drawing/2014/main" id="{488B708D-40BB-C046-A9DD-5E3E12378EE3}"/>
+                  </a:ext>
+                </a:extLst>
+              </p:cNvPr>
+              <p:cNvSpPr/>
+              <p:nvPr/>
+            </p:nvSpPr>
+            <p:spPr>
+              <a:xfrm>
+                <a:off x="2939145" y="3091543"/>
+                <a:ext cx="341494" cy="381001"/>
+              </a:xfrm>
+              <a:prstGeom prst="rect">
+                <a:avLst/>
+              </a:prstGeom>
+              <a:ln>
+                <a:solidFill>
+                  <a:schemeClr val="bg1"/>
+                </a:solidFill>
+              </a:ln>
+            </p:spPr>
+            <p:style>
+              <a:lnRef idx="2">
+                <a:schemeClr val="dk1"/>
+              </a:lnRef>
+              <a:fillRef idx="1">
+                <a:schemeClr val="lt1"/>
+              </a:fillRef>
+              <a:effectRef idx="0">
+                <a:schemeClr val="dk1"/>
+              </a:effectRef>
+              <a:fontRef idx="minor">
+                <a:schemeClr val="dk1"/>
+              </a:fontRef>
+            </p:style>
+            <p:txBody>
+              <a:bodyPr rtlCol="0" anchor="ctr"/>
+              <a:lstStyle/>
+              <a:p>
+                <a:pPr algn="ctr"/>
+                <a:endParaRPr kumimoji="1" lang="ja-JP" altLang="en-US"/>
+              </a:p>
+            </p:txBody>
+          </p:sp>
+          <p:sp>
+            <p:nvSpPr>
+              <p:cNvPr id="9" name="正方形/長方形 8">
+                <a:extLst>
+                  <a:ext uri="{FF2B5EF4-FFF2-40B4-BE49-F238E27FC236}">
+                    <a16:creationId xmlns:a16="http://schemas.microsoft.com/office/drawing/2014/main" id="{F5985C02-E44B-B348-89F8-114C42EC0787}"/>
+                  </a:ext>
+                </a:extLst>
+              </p:cNvPr>
+              <p:cNvSpPr/>
+              <p:nvPr/>
+            </p:nvSpPr>
+            <p:spPr>
+              <a:xfrm>
+                <a:off x="1883231" y="3113314"/>
+                <a:ext cx="341494" cy="381001"/>
+              </a:xfrm>
+              <a:prstGeom prst="rect">
+                <a:avLst/>
+              </a:prstGeom>
+              <a:ln>
+                <a:solidFill>
+                  <a:schemeClr val="bg1"/>
+                </a:solidFill>
+              </a:ln>
+            </p:spPr>
+            <p:style>
+              <a:lnRef idx="2">
+                <a:schemeClr val="dk1"/>
+              </a:lnRef>
+              <a:fillRef idx="1">
+                <a:schemeClr val="lt1"/>
+              </a:fillRef>
+              <a:effectRef idx="0">
+                <a:schemeClr val="dk1"/>
+              </a:effectRef>
+              <a:fontRef idx="minor">
+                <a:schemeClr val="dk1"/>
+              </a:fontRef>
+            </p:style>
+            <p:txBody>
+              <a:bodyPr rtlCol="0" anchor="ctr"/>
+              <a:lstStyle/>
+              <a:p>
+                <a:pPr algn="ctr"/>
+                <a:endParaRPr kumimoji="1" lang="ja-JP" altLang="en-US"/>
+              </a:p>
+            </p:txBody>
+          </p:sp>
+          <p:sp>
+            <p:nvSpPr>
+              <p:cNvPr id="10" name="正方形/長方形 9">
+                <a:extLst>
+                  <a:ext uri="{FF2B5EF4-FFF2-40B4-BE49-F238E27FC236}">
+                    <a16:creationId xmlns:a16="http://schemas.microsoft.com/office/drawing/2014/main" id="{04D447BC-F470-514B-8473-7BB7B2B54980}"/>
+                  </a:ext>
+                </a:extLst>
+              </p:cNvPr>
+              <p:cNvSpPr/>
+              <p:nvPr/>
+            </p:nvSpPr>
+            <p:spPr>
+              <a:xfrm>
+                <a:off x="2100947" y="2917371"/>
+                <a:ext cx="341494" cy="381001"/>
+              </a:xfrm>
+              <a:prstGeom prst="rect">
+                <a:avLst/>
+              </a:prstGeom>
+              <a:ln>
+                <a:solidFill>
+                  <a:schemeClr val="bg1"/>
+                </a:solidFill>
+              </a:ln>
+            </p:spPr>
+            <p:style>
+              <a:lnRef idx="2">
+                <a:schemeClr val="dk1"/>
+              </a:lnRef>
+              <a:fillRef idx="1">
+                <a:schemeClr val="lt1"/>
+              </a:fillRef>
+              <a:effectRef idx="0">
+                <a:schemeClr val="dk1"/>
+              </a:effectRef>
+              <a:fontRef idx="minor">
+                <a:schemeClr val="dk1"/>
+              </a:fontRef>
+            </p:style>
+            <p:txBody>
+              <a:bodyPr rtlCol="0" anchor="ctr"/>
+              <a:lstStyle/>
+              <a:p>
+                <a:pPr algn="ctr"/>
+                <a:endParaRPr kumimoji="1" lang="ja-JP" altLang="en-US"/>
+              </a:p>
+            </p:txBody>
+          </p:sp>
+          <p:sp>
+            <p:nvSpPr>
+              <p:cNvPr id="11" name="正方形/長方形 10">
+                <a:extLst>
+                  <a:ext uri="{FF2B5EF4-FFF2-40B4-BE49-F238E27FC236}">
+                    <a16:creationId xmlns:a16="http://schemas.microsoft.com/office/drawing/2014/main" id="{26DBAFA1-43F7-8B48-B019-6ABBAA554E84}"/>
+                  </a:ext>
+                </a:extLst>
+              </p:cNvPr>
+              <p:cNvSpPr/>
+              <p:nvPr/>
+            </p:nvSpPr>
+            <p:spPr>
+              <a:xfrm>
+                <a:off x="1132118" y="2939140"/>
+                <a:ext cx="341494" cy="381001"/>
+              </a:xfrm>
+              <a:prstGeom prst="rect">
+                <a:avLst/>
+              </a:prstGeom>
+              <a:ln>
+                <a:solidFill>
+                  <a:schemeClr val="bg1"/>
+                </a:solidFill>
+              </a:ln>
+            </p:spPr>
+            <p:style>
+              <a:lnRef idx="2">
+                <a:schemeClr val="dk1"/>
+              </a:lnRef>
+              <a:fillRef idx="1">
+                <a:schemeClr val="lt1"/>
+              </a:fillRef>
+              <a:effectRef idx="0">
+                <a:schemeClr val="dk1"/>
+              </a:effectRef>
+              <a:fontRef idx="minor">
+                <a:schemeClr val="dk1"/>
+              </a:fontRef>
+            </p:style>
+            <p:txBody>
+              <a:bodyPr rtlCol="0" anchor="ctr"/>
+              <a:lstStyle/>
+              <a:p>
+                <a:pPr algn="ctr"/>
+                <a:endParaRPr kumimoji="1" lang="ja-JP" altLang="en-US"/>
+              </a:p>
+            </p:txBody>
+          </p:sp>
+          <p:sp>
+            <p:nvSpPr>
+              <p:cNvPr id="12" name="正方形/長方形 11">
+                <a:extLst>
+                  <a:ext uri="{FF2B5EF4-FFF2-40B4-BE49-F238E27FC236}">
+                    <a16:creationId xmlns:a16="http://schemas.microsoft.com/office/drawing/2014/main" id="{F2BB11C3-2B4E-DA44-BB3F-160FA4A121EF}"/>
+                  </a:ext>
+                </a:extLst>
+              </p:cNvPr>
+              <p:cNvSpPr/>
+              <p:nvPr/>
+            </p:nvSpPr>
+            <p:spPr>
+              <a:xfrm>
+                <a:off x="1121232" y="1872341"/>
+                <a:ext cx="341494" cy="381001"/>
+              </a:xfrm>
+              <a:prstGeom prst="rect">
+                <a:avLst/>
+              </a:prstGeom>
+              <a:ln>
+                <a:solidFill>
+                  <a:schemeClr val="bg1"/>
+                </a:solidFill>
+              </a:ln>
+            </p:spPr>
+            <p:style>
+              <a:lnRef idx="2">
+                <a:schemeClr val="dk1"/>
+              </a:lnRef>
+              <a:fillRef idx="1">
+                <a:schemeClr val="lt1"/>
+              </a:fillRef>
+              <a:effectRef idx="0">
+                <a:schemeClr val="dk1"/>
+              </a:effectRef>
+              <a:fontRef idx="minor">
+                <a:schemeClr val="dk1"/>
+              </a:fontRef>
+            </p:style>
+            <p:txBody>
+              <a:bodyPr rtlCol="0" anchor="ctr"/>
+              <a:lstStyle/>
+              <a:p>
+                <a:pPr algn="ctr"/>
+                <a:endParaRPr kumimoji="1" lang="ja-JP" altLang="en-US"/>
+              </a:p>
+            </p:txBody>
+          </p:sp>
+          <p:sp>
+            <p:nvSpPr>
+              <p:cNvPr id="13" name="正方形/長方形 12">
+                <a:extLst>
+                  <a:ext uri="{FF2B5EF4-FFF2-40B4-BE49-F238E27FC236}">
+                    <a16:creationId xmlns:a16="http://schemas.microsoft.com/office/drawing/2014/main" id="{7B9EBFD1-0785-9D4C-BC39-4AF9CB1B932C}"/>
+                  </a:ext>
+                </a:extLst>
+              </p:cNvPr>
+              <p:cNvSpPr/>
+              <p:nvPr/>
+            </p:nvSpPr>
+            <p:spPr>
+              <a:xfrm>
+                <a:off x="1894117" y="2111829"/>
+                <a:ext cx="341494" cy="381001"/>
+              </a:xfrm>
+              <a:prstGeom prst="rect">
+                <a:avLst/>
+              </a:prstGeom>
+              <a:ln>
+                <a:solidFill>
+                  <a:schemeClr val="bg1"/>
+                </a:solidFill>
+              </a:ln>
+            </p:spPr>
+            <p:style>
+              <a:lnRef idx="2">
+                <a:schemeClr val="dk1"/>
+              </a:lnRef>
+              <a:fillRef idx="1">
+                <a:schemeClr val="lt1"/>
+              </a:fillRef>
+              <a:effectRef idx="0">
+                <a:schemeClr val="dk1"/>
+              </a:effectRef>
+              <a:fontRef idx="minor">
+                <a:schemeClr val="dk1"/>
+              </a:fontRef>
+            </p:style>
+            <p:txBody>
+              <a:bodyPr rtlCol="0" anchor="ctr"/>
+              <a:lstStyle/>
+              <a:p>
+                <a:pPr algn="ctr"/>
+                <a:endParaRPr kumimoji="1" lang="ja-JP" altLang="en-US"/>
+              </a:p>
+            </p:txBody>
+          </p:sp>
+          <p:sp>
+            <p:nvSpPr>
+              <p:cNvPr id="14" name="正方形/長方形 13">
+                <a:extLst>
+                  <a:ext uri="{FF2B5EF4-FFF2-40B4-BE49-F238E27FC236}">
+                    <a16:creationId xmlns:a16="http://schemas.microsoft.com/office/drawing/2014/main" id="{DAF2F57B-8361-8544-AD85-5E71F59E4F61}"/>
+                  </a:ext>
+                </a:extLst>
+              </p:cNvPr>
+              <p:cNvSpPr/>
+              <p:nvPr/>
+            </p:nvSpPr>
+            <p:spPr>
+              <a:xfrm>
+                <a:off x="2144491" y="1894113"/>
+                <a:ext cx="341494" cy="381001"/>
+              </a:xfrm>
+              <a:prstGeom prst="rect">
+                <a:avLst/>
+              </a:prstGeom>
+              <a:ln>
+                <a:solidFill>
+                  <a:schemeClr val="bg1"/>
+                </a:solidFill>
+              </a:ln>
+            </p:spPr>
+            <p:style>
+              <a:lnRef idx="2">
+                <a:schemeClr val="dk1"/>
+              </a:lnRef>
+              <a:fillRef idx="1">
+                <a:schemeClr val="lt1"/>
+              </a:fillRef>
+              <a:effectRef idx="0">
+                <a:schemeClr val="dk1"/>
+              </a:effectRef>
+              <a:fontRef idx="minor">
+                <a:schemeClr val="dk1"/>
+              </a:fontRef>
+            </p:style>
+            <p:txBody>
+              <a:bodyPr rtlCol="0" anchor="ctr"/>
+              <a:lstStyle/>
+              <a:p>
+                <a:pPr algn="ctr"/>
+                <a:endParaRPr kumimoji="1" lang="ja-JP" altLang="en-US"/>
+              </a:p>
+            </p:txBody>
+          </p:sp>
+          <p:sp>
+            <p:nvSpPr>
+              <p:cNvPr id="15" name="正方形/長方形 14">
+                <a:extLst>
+                  <a:ext uri="{FF2B5EF4-FFF2-40B4-BE49-F238E27FC236}">
+                    <a16:creationId xmlns:a16="http://schemas.microsoft.com/office/drawing/2014/main" id="{EA10337C-B43D-0F4F-9D8D-99EBEF026240}"/>
+                  </a:ext>
+                </a:extLst>
+              </p:cNvPr>
+              <p:cNvSpPr/>
+              <p:nvPr/>
+            </p:nvSpPr>
+            <p:spPr>
+              <a:xfrm>
+                <a:off x="1915891" y="1251856"/>
+                <a:ext cx="341494" cy="228602"/>
+              </a:xfrm>
+              <a:prstGeom prst="rect">
+                <a:avLst/>
+              </a:prstGeom>
+              <a:ln>
+                <a:solidFill>
+                  <a:schemeClr val="bg1"/>
+                </a:solidFill>
+              </a:ln>
+            </p:spPr>
+            <p:style>
+              <a:lnRef idx="2">
+                <a:schemeClr val="dk1"/>
+              </a:lnRef>
+              <a:fillRef idx="1">
+                <a:schemeClr val="lt1"/>
+              </a:fillRef>
+              <a:effectRef idx="0">
+                <a:schemeClr val="dk1"/>
+              </a:effectRef>
+              <a:fontRef idx="minor">
+                <a:schemeClr val="dk1"/>
+              </a:fontRef>
+            </p:style>
+            <p:txBody>
+              <a:bodyPr rtlCol="0" anchor="ctr"/>
+              <a:lstStyle/>
+              <a:p>
+                <a:pPr algn="ctr"/>
+                <a:endParaRPr kumimoji="1" lang="ja-JP" altLang="en-US"/>
+              </a:p>
+            </p:txBody>
+          </p:sp>
+          <p:sp>
+            <p:nvSpPr>
+              <p:cNvPr id="16" name="正方形/長方形 15">
+                <a:extLst>
+                  <a:ext uri="{FF2B5EF4-FFF2-40B4-BE49-F238E27FC236}">
+                    <a16:creationId xmlns:a16="http://schemas.microsoft.com/office/drawing/2014/main" id="{CB642A3E-C774-D442-A53F-69BFAEC7D02D}"/>
+                  </a:ext>
+                </a:extLst>
+              </p:cNvPr>
+              <p:cNvSpPr/>
+              <p:nvPr/>
+            </p:nvSpPr>
+            <p:spPr>
+              <a:xfrm>
+                <a:off x="2928264" y="1262743"/>
+                <a:ext cx="341494" cy="228602"/>
+              </a:xfrm>
+              <a:prstGeom prst="rect">
+                <a:avLst/>
+              </a:prstGeom>
+              <a:ln>
+                <a:solidFill>
+                  <a:schemeClr val="bg1"/>
+                </a:solidFill>
+              </a:ln>
+            </p:spPr>
+            <p:style>
+              <a:lnRef idx="2">
+                <a:schemeClr val="dk1"/>
+              </a:lnRef>
+              <a:fillRef idx="1">
+                <a:schemeClr val="lt1"/>
+              </a:fillRef>
+              <a:effectRef idx="0">
+                <a:schemeClr val="dk1"/>
+              </a:effectRef>
+              <a:fontRef idx="minor">
+                <a:schemeClr val="dk1"/>
+              </a:fontRef>
+            </p:style>
+            <p:txBody>
+              <a:bodyPr rtlCol="0" anchor="ctr"/>
+              <a:lstStyle/>
+              <a:p>
+                <a:pPr algn="ctr"/>
+                <a:endParaRPr kumimoji="1" lang="ja-JP" altLang="en-US"/>
+              </a:p>
+            </p:txBody>
+          </p:sp>
+          <p:sp>
+            <p:nvSpPr>
+              <p:cNvPr id="17" name="正方形/長方形 16">
+                <a:extLst>
+                  <a:ext uri="{FF2B5EF4-FFF2-40B4-BE49-F238E27FC236}">
+                    <a16:creationId xmlns:a16="http://schemas.microsoft.com/office/drawing/2014/main" id="{97118905-6BF9-0945-A5E9-E186F88A1C94}"/>
+                  </a:ext>
+                </a:extLst>
+              </p:cNvPr>
+              <p:cNvSpPr/>
+              <p:nvPr/>
+            </p:nvSpPr>
+            <p:spPr>
+              <a:xfrm>
+                <a:off x="3407236" y="1447801"/>
+                <a:ext cx="341494" cy="228602"/>
+              </a:xfrm>
+              <a:prstGeom prst="rect">
+                <a:avLst/>
+              </a:prstGeom>
+              <a:ln>
+                <a:solidFill>
+                  <a:schemeClr val="bg1"/>
+                </a:solidFill>
+              </a:ln>
+            </p:spPr>
+            <p:style>
+              <a:lnRef idx="2">
+                <a:schemeClr val="dk1"/>
+              </a:lnRef>
+              <a:fillRef idx="1">
+                <a:schemeClr val="lt1"/>
+              </a:fillRef>
+              <a:effectRef idx="0">
+                <a:schemeClr val="dk1"/>
+              </a:effectRef>
+              <a:fontRef idx="minor">
+                <a:schemeClr val="dk1"/>
+              </a:fontRef>
+            </p:style>
+            <p:txBody>
+              <a:bodyPr rtlCol="0" anchor="ctr"/>
+              <a:lstStyle/>
+              <a:p>
+                <a:pPr algn="ctr"/>
+                <a:endParaRPr kumimoji="1" lang="ja-JP" altLang="en-US"/>
+              </a:p>
+            </p:txBody>
+          </p:sp>
+          <p:sp>
+            <p:nvSpPr>
+              <p:cNvPr id="18" name="正方形/長方形 17">
+                <a:extLst>
+                  <a:ext uri="{FF2B5EF4-FFF2-40B4-BE49-F238E27FC236}">
+                    <a16:creationId xmlns:a16="http://schemas.microsoft.com/office/drawing/2014/main" id="{E592CB71-5244-2F49-8A1B-6327530D2991}"/>
+                  </a:ext>
+                </a:extLst>
+              </p:cNvPr>
+              <p:cNvSpPr/>
+              <p:nvPr/>
+            </p:nvSpPr>
+            <p:spPr>
+              <a:xfrm>
+                <a:off x="3407236" y="2471061"/>
+                <a:ext cx="341494" cy="228602"/>
+              </a:xfrm>
+              <a:prstGeom prst="rect">
+                <a:avLst/>
+              </a:prstGeom>
+              <a:ln>
+                <a:solidFill>
+                  <a:schemeClr val="bg1"/>
+                </a:solidFill>
+              </a:ln>
+            </p:spPr>
+            <p:style>
+              <a:lnRef idx="2">
+                <a:schemeClr val="dk1"/>
+              </a:lnRef>
+              <a:fillRef idx="1">
+                <a:schemeClr val="lt1"/>
+              </a:fillRef>
+              <a:effectRef idx="0">
+                <a:schemeClr val="dk1"/>
+              </a:effectRef>
+              <a:fontRef idx="minor">
+                <a:schemeClr val="dk1"/>
+              </a:fontRef>
+            </p:style>
+            <p:txBody>
+              <a:bodyPr rtlCol="0" anchor="ctr"/>
+              <a:lstStyle/>
+              <a:p>
+                <a:pPr algn="ctr"/>
+                <a:endParaRPr kumimoji="1" lang="ja-JP" altLang="en-US"/>
+              </a:p>
+            </p:txBody>
+          </p:sp>
+          <p:sp>
+            <p:nvSpPr>
+              <p:cNvPr id="19" name="正方形/長方形 18">
+                <a:extLst>
+                  <a:ext uri="{FF2B5EF4-FFF2-40B4-BE49-F238E27FC236}">
+                    <a16:creationId xmlns:a16="http://schemas.microsoft.com/office/drawing/2014/main" id="{34EE1712-2649-2640-9A0A-ECC2E7C72F88}"/>
+                  </a:ext>
+                </a:extLst>
+              </p:cNvPr>
+              <p:cNvSpPr/>
+              <p:nvPr/>
+            </p:nvSpPr>
+            <p:spPr>
+              <a:xfrm>
+                <a:off x="3407235" y="3494316"/>
+                <a:ext cx="341494" cy="228602"/>
+              </a:xfrm>
+              <a:prstGeom prst="rect">
+                <a:avLst/>
+              </a:prstGeom>
+              <a:ln>
+                <a:solidFill>
+                  <a:schemeClr val="bg1"/>
+                </a:solidFill>
+              </a:ln>
+            </p:spPr>
+            <p:style>
+              <a:lnRef idx="2">
+                <a:schemeClr val="dk1"/>
+              </a:lnRef>
+              <a:fillRef idx="1">
+                <a:schemeClr val="lt1"/>
+              </a:fillRef>
+              <a:effectRef idx="0">
+                <a:schemeClr val="dk1"/>
+              </a:effectRef>
+              <a:fontRef idx="minor">
+                <a:schemeClr val="dk1"/>
+              </a:fontRef>
+            </p:style>
+            <p:txBody>
+              <a:bodyPr rtlCol="0" anchor="ctr"/>
+              <a:lstStyle/>
+              <a:p>
+                <a:pPr algn="ctr"/>
+                <a:endParaRPr kumimoji="1" lang="ja-JP" altLang="en-US"/>
+              </a:p>
+            </p:txBody>
+          </p:sp>
+          <p:sp>
+            <p:nvSpPr>
+              <p:cNvPr id="20" name="正方形/長方形 19">
+                <a:extLst>
+                  <a:ext uri="{FF2B5EF4-FFF2-40B4-BE49-F238E27FC236}">
+                    <a16:creationId xmlns:a16="http://schemas.microsoft.com/office/drawing/2014/main" id="{2C929BD5-6A6E-1E41-A21A-DE37BC59E996}"/>
+                  </a:ext>
+                </a:extLst>
+              </p:cNvPr>
+              <p:cNvSpPr/>
+              <p:nvPr/>
+            </p:nvSpPr>
+            <p:spPr>
+              <a:xfrm>
+                <a:off x="2362208" y="3505198"/>
+                <a:ext cx="341494" cy="228602"/>
+              </a:xfrm>
+              <a:prstGeom prst="rect">
+                <a:avLst/>
+              </a:prstGeom>
+              <a:ln>
+                <a:solidFill>
+                  <a:schemeClr val="bg1"/>
+                </a:solidFill>
+              </a:ln>
+            </p:spPr>
+            <p:style>
+              <a:lnRef idx="2">
+                <a:schemeClr val="dk1"/>
+              </a:lnRef>
+              <a:fillRef idx="1">
+                <a:schemeClr val="lt1"/>
+              </a:fillRef>
+              <a:effectRef idx="0">
+                <a:schemeClr val="dk1"/>
+              </a:effectRef>
+              <a:fontRef idx="minor">
+                <a:schemeClr val="dk1"/>
+              </a:fontRef>
+            </p:style>
+            <p:txBody>
+              <a:bodyPr rtlCol="0" anchor="ctr"/>
+              <a:lstStyle/>
+              <a:p>
+                <a:pPr algn="ctr"/>
+                <a:endParaRPr kumimoji="1" lang="ja-JP" altLang="en-US"/>
+              </a:p>
+            </p:txBody>
+          </p:sp>
+          <p:sp>
+            <p:nvSpPr>
+              <p:cNvPr id="21" name="正方形/長方形 20">
+                <a:extLst>
+                  <a:ext uri="{FF2B5EF4-FFF2-40B4-BE49-F238E27FC236}">
+                    <a16:creationId xmlns:a16="http://schemas.microsoft.com/office/drawing/2014/main" id="{372C471B-0929-DB4F-886B-ABCF2FA73DC8}"/>
+                  </a:ext>
+                </a:extLst>
+              </p:cNvPr>
+              <p:cNvSpPr/>
+              <p:nvPr/>
+            </p:nvSpPr>
+            <p:spPr>
+              <a:xfrm>
+                <a:off x="1328066" y="3516084"/>
+                <a:ext cx="341494" cy="228602"/>
+              </a:xfrm>
+              <a:prstGeom prst="rect">
+                <a:avLst/>
+              </a:prstGeom>
+              <a:ln>
+                <a:solidFill>
+                  <a:schemeClr val="bg1"/>
+                </a:solidFill>
+              </a:ln>
+            </p:spPr>
+            <p:style>
+              <a:lnRef idx="2">
+                <a:schemeClr val="dk1"/>
+              </a:lnRef>
+              <a:fillRef idx="1">
+                <a:schemeClr val="lt1"/>
+              </a:fillRef>
+              <a:effectRef idx="0">
+                <a:schemeClr val="dk1"/>
+              </a:effectRef>
+              <a:fontRef idx="minor">
+                <a:schemeClr val="dk1"/>
+              </a:fontRef>
+            </p:style>
+            <p:txBody>
+              <a:bodyPr rtlCol="0" anchor="ctr"/>
+              <a:lstStyle/>
+              <a:p>
+                <a:pPr algn="ctr"/>
+                <a:endParaRPr kumimoji="1" lang="ja-JP" altLang="en-US"/>
+              </a:p>
+            </p:txBody>
+          </p:sp>
+          <p:sp>
+            <p:nvSpPr>
+              <p:cNvPr id="22" name="正方形/長方形 21">
+                <a:extLst>
+                  <a:ext uri="{FF2B5EF4-FFF2-40B4-BE49-F238E27FC236}">
+                    <a16:creationId xmlns:a16="http://schemas.microsoft.com/office/drawing/2014/main" id="{594C6FB9-A8E5-8F4B-ACF3-DC95ED0D7FA2}"/>
+                  </a:ext>
+                </a:extLst>
+              </p:cNvPr>
+              <p:cNvSpPr/>
+              <p:nvPr/>
+            </p:nvSpPr>
+            <p:spPr>
+              <a:xfrm>
+                <a:off x="1338950" y="2481941"/>
+                <a:ext cx="341494" cy="228602"/>
+              </a:xfrm>
+              <a:prstGeom prst="rect">
+                <a:avLst/>
+              </a:prstGeom>
+              <a:ln>
+                <a:solidFill>
+                  <a:schemeClr val="bg1"/>
+                </a:solidFill>
+              </a:ln>
+            </p:spPr>
+            <p:style>
+              <a:lnRef idx="2">
+                <a:schemeClr val="dk1"/>
+              </a:lnRef>
+              <a:fillRef idx="1">
+                <a:schemeClr val="lt1"/>
+              </a:fillRef>
+              <a:effectRef idx="0">
+                <a:schemeClr val="dk1"/>
+              </a:effectRef>
+              <a:fontRef idx="minor">
+                <a:schemeClr val="dk1"/>
+              </a:fontRef>
+            </p:style>
+            <p:txBody>
+              <a:bodyPr rtlCol="0" anchor="ctr"/>
+              <a:lstStyle/>
+              <a:p>
+                <a:pPr algn="ctr"/>
+                <a:endParaRPr kumimoji="1" lang="ja-JP" altLang="en-US"/>
+              </a:p>
+            </p:txBody>
+          </p:sp>
+          <p:sp>
+            <p:nvSpPr>
+              <p:cNvPr id="23" name="正方形/長方形 22">
+                <a:extLst>
+                  <a:ext uri="{FF2B5EF4-FFF2-40B4-BE49-F238E27FC236}">
+                    <a16:creationId xmlns:a16="http://schemas.microsoft.com/office/drawing/2014/main" id="{34D27F45-6360-3243-A0BF-611E5EB61857}"/>
+                  </a:ext>
+                </a:extLst>
+              </p:cNvPr>
+              <p:cNvSpPr/>
+              <p:nvPr/>
+            </p:nvSpPr>
+            <p:spPr>
+              <a:xfrm>
+                <a:off x="2373092" y="2481940"/>
+                <a:ext cx="341494" cy="228602"/>
+              </a:xfrm>
+              <a:prstGeom prst="rect">
+                <a:avLst/>
+              </a:prstGeom>
+              <a:ln>
+                <a:solidFill>
+                  <a:schemeClr val="bg1"/>
+                </a:solidFill>
+              </a:ln>
+            </p:spPr>
+            <p:style>
+              <a:lnRef idx="2">
+                <a:schemeClr val="dk1"/>
+              </a:lnRef>
+              <a:fillRef idx="1">
+                <a:schemeClr val="lt1"/>
+              </a:fillRef>
+              <a:effectRef idx="0">
+                <a:schemeClr val="dk1"/>
+              </a:effectRef>
+              <a:fontRef idx="minor">
+                <a:schemeClr val="dk1"/>
+              </a:fontRef>
+            </p:style>
+            <p:txBody>
+              <a:bodyPr rtlCol="0" anchor="ctr"/>
+              <a:lstStyle/>
+              <a:p>
+                <a:pPr algn="ctr"/>
+                <a:endParaRPr kumimoji="1" lang="ja-JP" altLang="en-US"/>
+              </a:p>
+            </p:txBody>
+          </p:sp>
+          <p:sp>
+            <p:nvSpPr>
+              <p:cNvPr id="24" name="正方形/長方形 23">
+                <a:extLst>
+                  <a:ext uri="{FF2B5EF4-FFF2-40B4-BE49-F238E27FC236}">
+                    <a16:creationId xmlns:a16="http://schemas.microsoft.com/office/drawing/2014/main" id="{D7F7CA8C-9614-DD4A-AB07-30090412F3C6}"/>
+                  </a:ext>
+                </a:extLst>
+              </p:cNvPr>
+              <p:cNvSpPr/>
+              <p:nvPr/>
+            </p:nvSpPr>
+            <p:spPr>
+              <a:xfrm>
+                <a:off x="2373091" y="1458683"/>
+                <a:ext cx="341494" cy="228602"/>
+              </a:xfrm>
+              <a:prstGeom prst="rect">
+                <a:avLst/>
+              </a:prstGeom>
+              <a:ln>
+                <a:solidFill>
+                  <a:schemeClr val="bg1"/>
+                </a:solidFill>
+              </a:ln>
+            </p:spPr>
+            <p:style>
+              <a:lnRef idx="2">
+                <a:schemeClr val="dk1"/>
+              </a:lnRef>
+              <a:fillRef idx="1">
+                <a:schemeClr val="lt1"/>
+              </a:fillRef>
+              <a:effectRef idx="0">
+                <a:schemeClr val="dk1"/>
+              </a:effectRef>
+              <a:fontRef idx="minor">
+                <a:schemeClr val="dk1"/>
+              </a:fontRef>
+            </p:style>
+            <p:txBody>
+              <a:bodyPr rtlCol="0" anchor="ctr"/>
+              <a:lstStyle/>
+              <a:p>
+                <a:pPr algn="ctr"/>
+                <a:endParaRPr kumimoji="1" lang="ja-JP" altLang="en-US"/>
+              </a:p>
+            </p:txBody>
+          </p:sp>
+          <p:sp>
+            <p:nvSpPr>
+              <p:cNvPr id="25" name="正方形/長方形 24">
+                <a:extLst>
+                  <a:ext uri="{FF2B5EF4-FFF2-40B4-BE49-F238E27FC236}">
+                    <a16:creationId xmlns:a16="http://schemas.microsoft.com/office/drawing/2014/main" id="{04632BE6-AA55-7045-BC8F-29B8824D47FB}"/>
+                  </a:ext>
+                </a:extLst>
+              </p:cNvPr>
+              <p:cNvSpPr/>
+              <p:nvPr/>
+            </p:nvSpPr>
+            <p:spPr>
+              <a:xfrm>
+                <a:off x="1349835" y="1469565"/>
+                <a:ext cx="341494" cy="228602"/>
+              </a:xfrm>
+              <a:prstGeom prst="rect">
+                <a:avLst/>
+              </a:prstGeom>
+              <a:ln>
+                <a:solidFill>
+                  <a:schemeClr val="bg1"/>
+                </a:solidFill>
+              </a:ln>
+            </p:spPr>
+            <p:style>
+              <a:lnRef idx="2">
+                <a:schemeClr val="dk1"/>
+              </a:lnRef>
+              <a:fillRef idx="1">
+                <a:schemeClr val="lt1"/>
+              </a:fillRef>
+              <a:effectRef idx="0">
+                <a:schemeClr val="dk1"/>
+              </a:effectRef>
+              <a:fontRef idx="minor">
+                <a:schemeClr val="dk1"/>
+              </a:fontRef>
+            </p:style>
+            <p:txBody>
+              <a:bodyPr rtlCol="0" anchor="ctr"/>
+              <a:lstStyle/>
+              <a:p>
+                <a:pPr algn="ctr"/>
+                <a:endParaRPr kumimoji="1" lang="ja-JP" altLang="en-US"/>
+              </a:p>
+            </p:txBody>
+          </p:sp>
+        </p:grpSp>
+        <p:sp>
+          <p:nvSpPr>
+            <p:cNvPr id="27" name="テキスト ボックス 26">
+              <a:extLst>
+                <a:ext uri="{FF2B5EF4-FFF2-40B4-BE49-F238E27FC236}">
+                  <a16:creationId xmlns:a16="http://schemas.microsoft.com/office/drawing/2014/main" id="{A4BE4E65-6277-164E-9F15-AFAA396D537C}"/>
+                </a:ext>
+              </a:extLst>
+            </p:cNvPr>
+            <p:cNvSpPr txBox="1"/>
+            <p:nvPr/>
+          </p:nvSpPr>
+          <p:spPr>
+            <a:xfrm>
+              <a:off x="1371610" y="1366548"/>
+              <a:ext cx="312906" cy="369332"/>
+            </a:xfrm>
+            <a:prstGeom prst="rect">
+              <a:avLst/>
+            </a:prstGeom>
+            <a:noFill/>
+          </p:spPr>
+          <p:txBody>
+            <a:bodyPr wrap="none" rtlCol="0">
+              <a:spAutoFit/>
+            </a:bodyPr>
+            <a:lstStyle/>
+            <a:p>
+              <a:r>
+                <a:rPr kumimoji="1" lang="en-US" altLang="ja-JP" dirty="0">
+                  <a:latin typeface="Helvetica Neue" panose="02000503000000020004" pitchFamily="2" charset="0"/>
+                  <a:cs typeface="Helvetica Neue" panose="02000503000000020004" pitchFamily="2" charset="0"/>
+                </a:rPr>
+                <a:t>1</a:t>
+              </a:r>
+              <a:endParaRPr kumimoji="1" lang="ja-JP" altLang="en-US">
+                <a:latin typeface="Helvetica Neue" panose="02000503000000020004" pitchFamily="2" charset="0"/>
+                <a:cs typeface="Helvetica Neue" panose="02000503000000020004" pitchFamily="2" charset="0"/>
+              </a:endParaRPr>
+            </a:p>
+          </p:txBody>
+        </p:sp>
+        <p:sp>
+          <p:nvSpPr>
+            <p:cNvPr id="28" name="テキスト ボックス 27">
+              <a:extLst>
+                <a:ext uri="{FF2B5EF4-FFF2-40B4-BE49-F238E27FC236}">
+                  <a16:creationId xmlns:a16="http://schemas.microsoft.com/office/drawing/2014/main" id="{076B4038-17E7-9847-8620-BAB96B4917EF}"/>
+                </a:ext>
+              </a:extLst>
+            </p:cNvPr>
+            <p:cNvSpPr txBox="1"/>
+            <p:nvPr/>
+          </p:nvSpPr>
+          <p:spPr>
+            <a:xfrm>
+              <a:off x="2400309" y="1366548"/>
+              <a:ext cx="312906" cy="369332"/>
+            </a:xfrm>
+            <a:prstGeom prst="rect">
+              <a:avLst/>
+            </a:prstGeom>
+            <a:noFill/>
+          </p:spPr>
+          <p:txBody>
+            <a:bodyPr wrap="none" rtlCol="0">
+              <a:spAutoFit/>
+            </a:bodyPr>
+            <a:lstStyle/>
+            <a:p>
+              <a:r>
+                <a:rPr lang="en-US" altLang="ja-JP" dirty="0">
+                  <a:latin typeface="Helvetica Neue" panose="02000503000000020004" pitchFamily="2" charset="0"/>
+                  <a:cs typeface="Helvetica Neue" panose="02000503000000020004" pitchFamily="2" charset="0"/>
+                </a:rPr>
+                <a:t>2</a:t>
+              </a:r>
+              <a:endParaRPr kumimoji="1" lang="ja-JP" altLang="en-US">
+                <a:latin typeface="Helvetica Neue" panose="02000503000000020004" pitchFamily="2" charset="0"/>
+                <a:cs typeface="Helvetica Neue" panose="02000503000000020004" pitchFamily="2" charset="0"/>
+              </a:endParaRPr>
+            </a:p>
+          </p:txBody>
+        </p:sp>
+        <p:sp>
+          <p:nvSpPr>
+            <p:cNvPr id="29" name="テキスト ボックス 28">
+              <a:extLst>
+                <a:ext uri="{FF2B5EF4-FFF2-40B4-BE49-F238E27FC236}">
+                  <a16:creationId xmlns:a16="http://schemas.microsoft.com/office/drawing/2014/main" id="{0D079DF9-2A48-8442-8CCB-37735461143A}"/>
+                </a:ext>
+              </a:extLst>
+            </p:cNvPr>
+            <p:cNvSpPr txBox="1"/>
+            <p:nvPr/>
+          </p:nvSpPr>
+          <p:spPr>
+            <a:xfrm>
+              <a:off x="3429009" y="1366548"/>
+              <a:ext cx="312906" cy="369332"/>
+            </a:xfrm>
+            <a:prstGeom prst="rect">
+              <a:avLst/>
+            </a:prstGeom>
+            <a:noFill/>
+          </p:spPr>
+          <p:txBody>
+            <a:bodyPr wrap="none" rtlCol="0">
+              <a:spAutoFit/>
+            </a:bodyPr>
+            <a:lstStyle/>
+            <a:p>
+              <a:r>
+                <a:rPr kumimoji="1" lang="en-US" altLang="ja-JP" dirty="0">
+                  <a:latin typeface="Helvetica Neue" panose="02000503000000020004" pitchFamily="2" charset="0"/>
+                  <a:cs typeface="Helvetica Neue" panose="02000503000000020004" pitchFamily="2" charset="0"/>
+                </a:rPr>
+                <a:t>3</a:t>
+              </a:r>
+              <a:endParaRPr kumimoji="1" lang="ja-JP" altLang="en-US">
+                <a:latin typeface="Helvetica Neue" panose="02000503000000020004" pitchFamily="2" charset="0"/>
+                <a:cs typeface="Helvetica Neue" panose="02000503000000020004" pitchFamily="2" charset="0"/>
+              </a:endParaRPr>
+            </a:p>
+          </p:txBody>
+        </p:sp>
+        <p:sp>
+          <p:nvSpPr>
+            <p:cNvPr id="30" name="テキスト ボックス 29">
+              <a:extLst>
+                <a:ext uri="{FF2B5EF4-FFF2-40B4-BE49-F238E27FC236}">
+                  <a16:creationId xmlns:a16="http://schemas.microsoft.com/office/drawing/2014/main" id="{A162D766-B8E7-C441-8EA1-73CEACBF2DEB}"/>
+                </a:ext>
+              </a:extLst>
+            </p:cNvPr>
+            <p:cNvSpPr txBox="1"/>
+            <p:nvPr/>
+          </p:nvSpPr>
+          <p:spPr>
+            <a:xfrm>
+              <a:off x="1371608" y="2411574"/>
+              <a:ext cx="312906" cy="369332"/>
+            </a:xfrm>
+            <a:prstGeom prst="rect">
+              <a:avLst/>
+            </a:prstGeom>
+            <a:noFill/>
+          </p:spPr>
+          <p:txBody>
+            <a:bodyPr wrap="none" rtlCol="0">
+              <a:spAutoFit/>
+            </a:bodyPr>
+            <a:lstStyle/>
+            <a:p>
+              <a:r>
+                <a:rPr lang="en-US" altLang="ja-JP" dirty="0">
+                  <a:latin typeface="Helvetica Neue" panose="02000503000000020004" pitchFamily="2" charset="0"/>
+                  <a:cs typeface="Helvetica Neue" panose="02000503000000020004" pitchFamily="2" charset="0"/>
+                </a:rPr>
+                <a:t>4</a:t>
+              </a:r>
+              <a:endParaRPr kumimoji="1" lang="ja-JP" altLang="en-US">
+                <a:latin typeface="Helvetica Neue" panose="02000503000000020004" pitchFamily="2" charset="0"/>
+                <a:cs typeface="Helvetica Neue" panose="02000503000000020004" pitchFamily="2" charset="0"/>
+              </a:endParaRPr>
+            </a:p>
+          </p:txBody>
+        </p:sp>
+        <p:sp>
+          <p:nvSpPr>
+            <p:cNvPr id="31" name="テキスト ボックス 30">
+              <a:extLst>
+                <a:ext uri="{FF2B5EF4-FFF2-40B4-BE49-F238E27FC236}">
+                  <a16:creationId xmlns:a16="http://schemas.microsoft.com/office/drawing/2014/main" id="{A9B5BE7B-E087-574B-AA09-45AE27E970A5}"/>
+                </a:ext>
+              </a:extLst>
+            </p:cNvPr>
+            <p:cNvSpPr txBox="1"/>
+            <p:nvPr/>
+          </p:nvSpPr>
+          <p:spPr>
+            <a:xfrm>
+              <a:off x="2400307" y="2411574"/>
+              <a:ext cx="312906" cy="369332"/>
+            </a:xfrm>
+            <a:prstGeom prst="rect">
+              <a:avLst/>
+            </a:prstGeom>
+            <a:noFill/>
+          </p:spPr>
+          <p:txBody>
+            <a:bodyPr wrap="none" rtlCol="0">
+              <a:spAutoFit/>
+            </a:bodyPr>
+            <a:lstStyle/>
+            <a:p>
+              <a:r>
+                <a:rPr kumimoji="1" lang="en-US" altLang="ja-JP" dirty="0">
+                  <a:latin typeface="Helvetica Neue" panose="02000503000000020004" pitchFamily="2" charset="0"/>
+                  <a:cs typeface="Helvetica Neue" panose="02000503000000020004" pitchFamily="2" charset="0"/>
+                </a:rPr>
+                <a:t>5</a:t>
+              </a:r>
+              <a:endParaRPr kumimoji="1" lang="ja-JP" altLang="en-US">
+                <a:latin typeface="Helvetica Neue" panose="02000503000000020004" pitchFamily="2" charset="0"/>
+                <a:cs typeface="Helvetica Neue" panose="02000503000000020004" pitchFamily="2" charset="0"/>
+              </a:endParaRPr>
+            </a:p>
+          </p:txBody>
+        </p:sp>
+        <p:sp>
+          <p:nvSpPr>
+            <p:cNvPr id="32" name="テキスト ボックス 31">
+              <a:extLst>
+                <a:ext uri="{FF2B5EF4-FFF2-40B4-BE49-F238E27FC236}">
+                  <a16:creationId xmlns:a16="http://schemas.microsoft.com/office/drawing/2014/main" id="{0642005A-5AE3-314B-837B-4D3F2F59E982}"/>
+                </a:ext>
+              </a:extLst>
+            </p:cNvPr>
+            <p:cNvSpPr txBox="1"/>
+            <p:nvPr/>
+          </p:nvSpPr>
+          <p:spPr>
+            <a:xfrm>
+              <a:off x="3429007" y="2411574"/>
+              <a:ext cx="312906" cy="369332"/>
+            </a:xfrm>
+            <a:prstGeom prst="rect">
+              <a:avLst/>
+            </a:prstGeom>
+            <a:noFill/>
+          </p:spPr>
+          <p:txBody>
+            <a:bodyPr wrap="none" rtlCol="0">
+              <a:spAutoFit/>
+            </a:bodyPr>
+            <a:lstStyle/>
+            <a:p>
+              <a:r>
+                <a:rPr lang="en-US" altLang="ja-JP" dirty="0">
+                  <a:latin typeface="Helvetica Neue" panose="02000503000000020004" pitchFamily="2" charset="0"/>
+                  <a:cs typeface="Helvetica Neue" panose="02000503000000020004" pitchFamily="2" charset="0"/>
+                </a:rPr>
+                <a:t>6</a:t>
+              </a:r>
+              <a:endParaRPr kumimoji="1" lang="ja-JP" altLang="en-US">
+                <a:latin typeface="Helvetica Neue" panose="02000503000000020004" pitchFamily="2" charset="0"/>
+                <a:cs typeface="Helvetica Neue" panose="02000503000000020004" pitchFamily="2" charset="0"/>
+              </a:endParaRPr>
+            </a:p>
+          </p:txBody>
+        </p:sp>
+        <p:sp>
+          <p:nvSpPr>
+            <p:cNvPr id="33" name="テキスト ボックス 32">
+              <a:extLst>
+                <a:ext uri="{FF2B5EF4-FFF2-40B4-BE49-F238E27FC236}">
+                  <a16:creationId xmlns:a16="http://schemas.microsoft.com/office/drawing/2014/main" id="{B4359485-138E-DD46-925C-B16F16674581}"/>
+                </a:ext>
+              </a:extLst>
+            </p:cNvPr>
+            <p:cNvSpPr txBox="1"/>
+            <p:nvPr/>
+          </p:nvSpPr>
+          <p:spPr>
+            <a:xfrm>
+              <a:off x="1371609" y="3423947"/>
+              <a:ext cx="312906" cy="369332"/>
+            </a:xfrm>
+            <a:prstGeom prst="rect">
+              <a:avLst/>
+            </a:prstGeom>
+            <a:noFill/>
+          </p:spPr>
+          <p:txBody>
+            <a:bodyPr wrap="none" rtlCol="0">
+              <a:spAutoFit/>
+            </a:bodyPr>
+            <a:lstStyle/>
+            <a:p>
+              <a:r>
+                <a:rPr lang="en-US" altLang="ja-JP" dirty="0">
+                  <a:latin typeface="Helvetica Neue" panose="02000503000000020004" pitchFamily="2" charset="0"/>
+                  <a:cs typeface="Helvetica Neue" panose="02000503000000020004" pitchFamily="2" charset="0"/>
+                </a:rPr>
+                <a:t>7</a:t>
+              </a:r>
+              <a:endParaRPr kumimoji="1" lang="ja-JP" altLang="en-US">
+                <a:latin typeface="Helvetica Neue" panose="02000503000000020004" pitchFamily="2" charset="0"/>
+                <a:cs typeface="Helvetica Neue" panose="02000503000000020004" pitchFamily="2" charset="0"/>
+              </a:endParaRPr>
+            </a:p>
+          </p:txBody>
+        </p:sp>
+        <p:sp>
+          <p:nvSpPr>
+            <p:cNvPr id="34" name="テキスト ボックス 33">
+              <a:extLst>
+                <a:ext uri="{FF2B5EF4-FFF2-40B4-BE49-F238E27FC236}">
+                  <a16:creationId xmlns:a16="http://schemas.microsoft.com/office/drawing/2014/main" id="{82C38F7F-A592-424F-932B-CD9C8F4CCBC0}"/>
+                </a:ext>
+              </a:extLst>
+            </p:cNvPr>
+            <p:cNvSpPr txBox="1"/>
+            <p:nvPr/>
+          </p:nvSpPr>
+          <p:spPr>
+            <a:xfrm>
+              <a:off x="2400308" y="3423947"/>
+              <a:ext cx="312906" cy="369332"/>
+            </a:xfrm>
+            <a:prstGeom prst="rect">
+              <a:avLst/>
+            </a:prstGeom>
+            <a:noFill/>
+          </p:spPr>
+          <p:txBody>
+            <a:bodyPr wrap="none" rtlCol="0">
+              <a:spAutoFit/>
+            </a:bodyPr>
+            <a:lstStyle/>
+            <a:p>
+              <a:r>
+                <a:rPr lang="en-US" altLang="ja-JP" dirty="0">
+                  <a:latin typeface="Helvetica Neue" panose="02000503000000020004" pitchFamily="2" charset="0"/>
+                  <a:cs typeface="Helvetica Neue" panose="02000503000000020004" pitchFamily="2" charset="0"/>
+                </a:rPr>
+                <a:t>8</a:t>
+              </a:r>
+              <a:endParaRPr kumimoji="1" lang="ja-JP" altLang="en-US">
+                <a:latin typeface="Helvetica Neue" panose="02000503000000020004" pitchFamily="2" charset="0"/>
+                <a:cs typeface="Helvetica Neue" panose="02000503000000020004" pitchFamily="2" charset="0"/>
+              </a:endParaRPr>
+            </a:p>
+          </p:txBody>
+        </p:sp>
+        <p:sp>
+          <p:nvSpPr>
+            <p:cNvPr id="35" name="テキスト ボックス 34">
+              <a:extLst>
+                <a:ext uri="{FF2B5EF4-FFF2-40B4-BE49-F238E27FC236}">
+                  <a16:creationId xmlns:a16="http://schemas.microsoft.com/office/drawing/2014/main" id="{927C358F-32B2-9749-A18C-F30F84698008}"/>
+                </a:ext>
+              </a:extLst>
+            </p:cNvPr>
+            <p:cNvSpPr txBox="1"/>
+            <p:nvPr/>
+          </p:nvSpPr>
+          <p:spPr>
+            <a:xfrm>
+              <a:off x="3429008" y="3423947"/>
+              <a:ext cx="312906" cy="369332"/>
+            </a:xfrm>
+            <a:prstGeom prst="rect">
+              <a:avLst/>
+            </a:prstGeom>
+            <a:noFill/>
+          </p:spPr>
+          <p:txBody>
+            <a:bodyPr wrap="none" rtlCol="0">
+              <a:spAutoFit/>
+            </a:bodyPr>
+            <a:lstStyle/>
+            <a:p>
+              <a:r>
+                <a:rPr lang="en-US" altLang="ja-JP" dirty="0">
+                  <a:latin typeface="Helvetica Neue" panose="02000503000000020004" pitchFamily="2" charset="0"/>
+                  <a:cs typeface="Helvetica Neue" panose="02000503000000020004" pitchFamily="2" charset="0"/>
+                </a:rPr>
+                <a:t>9</a:t>
+              </a:r>
+              <a:endParaRPr kumimoji="1" lang="ja-JP" altLang="en-US">
+                <a:latin typeface="Helvetica Neue" panose="02000503000000020004" pitchFamily="2" charset="0"/>
+                <a:cs typeface="Helvetica Neue" panose="02000503000000020004" pitchFamily="2" charset="0"/>
+              </a:endParaRPr>
+            </a:p>
+          </p:txBody>
+        </p:sp>
+      </p:grpSp>
+      <p:grpSp>
+        <p:nvGrpSpPr>
+          <p:cNvPr id="37" name="図形グループ 2">
+            <a:extLst>
+              <a:ext uri="{FF2B5EF4-FFF2-40B4-BE49-F238E27FC236}">
+                <a16:creationId xmlns:a16="http://schemas.microsoft.com/office/drawing/2014/main" id="{A8A696EA-17F6-3540-80FD-969ED468E028}"/>
+              </a:ext>
+            </a:extLst>
+          </p:cNvPr>
+          <p:cNvGrpSpPr/>
+          <p:nvPr/>
+        </p:nvGrpSpPr>
+        <p:grpSpPr>
+          <a:xfrm>
+            <a:off x="3732750" y="1065741"/>
+            <a:ext cx="7207743" cy="4421717"/>
+            <a:chOff x="4791182" y="2698928"/>
+            <a:chExt cx="3556421" cy="2181749"/>
+          </a:xfrm>
+        </p:grpSpPr>
+        <p:pic>
+          <p:nvPicPr>
+            <p:cNvPr id="38" name="図 37">
+              <a:extLst>
+                <a:ext uri="{FF2B5EF4-FFF2-40B4-BE49-F238E27FC236}">
+                  <a16:creationId xmlns:a16="http://schemas.microsoft.com/office/drawing/2014/main" id="{85532F12-A959-4546-A3CE-E67FA3C4F2F5}"/>
+                </a:ext>
+              </a:extLst>
+            </p:cNvPr>
+            <p:cNvPicPr>
+              <a:picLocks noChangeAspect="1"/>
+            </p:cNvPicPr>
+            <p:nvPr/>
+          </p:nvPicPr>
+          <p:blipFill rotWithShape="1">
+            <a:blip r:embed="rId3"/>
+            <a:srcRect r="67015"/>
+            <a:stretch/>
+          </p:blipFill>
+          <p:spPr>
+            <a:xfrm>
+              <a:off x="4791182" y="2698928"/>
+              <a:ext cx="3367496" cy="800100"/>
+            </a:xfrm>
+            <a:prstGeom prst="rect">
+              <a:avLst/>
+            </a:prstGeom>
+          </p:spPr>
+        </p:pic>
+        <p:pic>
+          <p:nvPicPr>
+            <p:cNvPr id="39" name="図 38">
+              <a:extLst>
+                <a:ext uri="{FF2B5EF4-FFF2-40B4-BE49-F238E27FC236}">
+                  <a16:creationId xmlns:a16="http://schemas.microsoft.com/office/drawing/2014/main" id="{3565C72D-63AB-E740-9B7F-58767E551BA0}"/>
+                </a:ext>
+              </a:extLst>
+            </p:cNvPr>
+            <p:cNvPicPr>
+              <a:picLocks noChangeAspect="1"/>
+            </p:cNvPicPr>
+            <p:nvPr/>
+          </p:nvPicPr>
+          <p:blipFill rotWithShape="1">
+            <a:blip r:embed="rId3"/>
+            <a:srcRect l="33115" r="34974"/>
+            <a:stretch/>
+          </p:blipFill>
+          <p:spPr>
+            <a:xfrm>
+              <a:off x="4845509" y="3375947"/>
+              <a:ext cx="3257949" cy="800100"/>
+            </a:xfrm>
+            <a:prstGeom prst="rect">
+              <a:avLst/>
+            </a:prstGeom>
+          </p:spPr>
+        </p:pic>
+        <p:pic>
+          <p:nvPicPr>
+            <p:cNvPr id="40" name="図 39">
+              <a:extLst>
+                <a:ext uri="{FF2B5EF4-FFF2-40B4-BE49-F238E27FC236}">
+                  <a16:creationId xmlns:a16="http://schemas.microsoft.com/office/drawing/2014/main" id="{09C8B442-A396-B545-813B-53FDF4FB087B}"/>
+                </a:ext>
+              </a:extLst>
+            </p:cNvPr>
+            <p:cNvPicPr>
+              <a:picLocks noChangeAspect="1"/>
+            </p:cNvPicPr>
+            <p:nvPr/>
+          </p:nvPicPr>
+          <p:blipFill rotWithShape="1">
+            <a:blip r:embed="rId3"/>
+            <a:srcRect l="66508"/>
+            <a:stretch/>
+          </p:blipFill>
+          <p:spPr>
+            <a:xfrm>
+              <a:off x="4928338" y="4080577"/>
+              <a:ext cx="3419265" cy="800100"/>
+            </a:xfrm>
+            <a:prstGeom prst="rect">
+              <a:avLst/>
+            </a:prstGeom>
+          </p:spPr>
+        </p:pic>
+      </p:grpSp>
+    </p:spTree>
+    <p:extLst>
+      <p:ext uri="{BB962C8B-B14F-4D97-AF65-F5344CB8AC3E}">
+        <p14:creationId xmlns:p14="http://schemas.microsoft.com/office/powerpoint/2010/main" val="2254092849"/>
+      </p:ext>
+    </p:extLst>
+  </p:cSld>
+  <p:clrMapOvr>
+    <a:masterClrMapping/>
+  </p:clrMapOvr>
+</p:sld>
+</file>
+
+<file path=ppt/slides/slide7.xml><?xml version="1.0" encoding="utf-8"?>
+<p:sld xmlns:a="http://schemas.openxmlformats.org/drawingml/2006/main" xmlns:r="http://schemas.openxmlformats.org/officeDocument/2006/relationships" xmlns:p="http://schemas.openxmlformats.org/presentationml/2006/main">
+  <p:cSld>
+    <p:spTree>
+      <p:nvGrpSpPr>
+        <p:cNvPr id="1" name=""/>
+        <p:cNvGrpSpPr/>
+        <p:nvPr/>
+      </p:nvGrpSpPr>
+      <p:grpSpPr>
+        <a:xfrm>
+          <a:off x="0" y="0"/>
+          <a:ext cx="0" cy="0"/>
+          <a:chOff x="0" y="0"/>
+          <a:chExt cx="0" cy="0"/>
+        </a:xfrm>
+      </p:grpSpPr>
+      <p:grpSp>
+        <p:nvGrpSpPr>
+          <p:cNvPr id="36" name="グループ化 35">
+            <a:extLst>
+              <a:ext uri="{FF2B5EF4-FFF2-40B4-BE49-F238E27FC236}">
+                <a16:creationId xmlns:a16="http://schemas.microsoft.com/office/drawing/2014/main" id="{009E6A35-4856-2344-8DCD-A0C53C669DCC}"/>
+              </a:ext>
+            </a:extLst>
+          </p:cNvPr>
+          <p:cNvGrpSpPr/>
+          <p:nvPr/>
+        </p:nvGrpSpPr>
+        <p:grpSpPr>
+          <a:xfrm>
+            <a:off x="865065" y="1136588"/>
+            <a:ext cx="3064678" cy="2899019"/>
+            <a:chOff x="865065" y="1136588"/>
+            <a:chExt cx="3064678" cy="2899019"/>
+          </a:xfrm>
+        </p:grpSpPr>
+        <p:grpSp>
+          <p:nvGrpSpPr>
+            <p:cNvPr id="26" name="グループ化 25">
+              <a:extLst>
+                <a:ext uri="{FF2B5EF4-FFF2-40B4-BE49-F238E27FC236}">
+                  <a16:creationId xmlns:a16="http://schemas.microsoft.com/office/drawing/2014/main" id="{912FD6E6-3F66-C747-A606-99BA8ACAD9AC}"/>
+                </a:ext>
+              </a:extLst>
+            </p:cNvPr>
+            <p:cNvGrpSpPr/>
+            <p:nvPr/>
+          </p:nvGrpSpPr>
+          <p:grpSpPr>
+            <a:xfrm>
+              <a:off x="865065" y="1136588"/>
+              <a:ext cx="3064678" cy="2899019"/>
+              <a:chOff x="865065" y="1136588"/>
+              <a:chExt cx="3064678" cy="2899019"/>
+            </a:xfrm>
+          </p:grpSpPr>
+          <p:pic>
+            <p:nvPicPr>
+              <p:cNvPr id="4" name="図 3">
+                <a:extLst>
+                  <a:ext uri="{FF2B5EF4-FFF2-40B4-BE49-F238E27FC236}">
+                    <a16:creationId xmlns:a16="http://schemas.microsoft.com/office/drawing/2014/main" id="{CB66CE68-FC53-6148-91D3-A52134B73C34}"/>
+                  </a:ext>
+                </a:extLst>
+              </p:cNvPr>
+              <p:cNvPicPr>
+                <a:picLocks noChangeAspect="1"/>
+              </p:cNvPicPr>
+              <p:nvPr/>
+            </p:nvPicPr>
+            <p:blipFill>
+              <a:blip r:embed="rId2"/>
+              <a:stretch>
+                <a:fillRect/>
+              </a:stretch>
+            </p:blipFill>
+            <p:spPr>
+              <a:xfrm>
+                <a:off x="865065" y="1136588"/>
+                <a:ext cx="3064678" cy="2899019"/>
+              </a:xfrm>
+              <a:prstGeom prst="rect">
+                <a:avLst/>
+              </a:prstGeom>
+              <a:ln>
+                <a:noFill/>
+              </a:ln>
+            </p:spPr>
+          </p:pic>
+          <p:sp>
+            <p:nvSpPr>
+              <p:cNvPr id="5" name="正方形/長方形 4">
+                <a:extLst>
+                  <a:ext uri="{FF2B5EF4-FFF2-40B4-BE49-F238E27FC236}">
+                    <a16:creationId xmlns:a16="http://schemas.microsoft.com/office/drawing/2014/main" id="{D4E7D1E6-DFAC-8F41-AD09-1C39B77B6E95}"/>
+                  </a:ext>
+                </a:extLst>
+              </p:cNvPr>
+              <p:cNvSpPr/>
+              <p:nvPr/>
+            </p:nvSpPr>
+            <p:spPr>
+              <a:xfrm>
+                <a:off x="3178630" y="1850571"/>
+                <a:ext cx="341494" cy="381001"/>
+              </a:xfrm>
+              <a:prstGeom prst="rect">
+                <a:avLst/>
+              </a:prstGeom>
+              <a:ln>
+                <a:noFill/>
+              </a:ln>
+            </p:spPr>
+            <p:style>
+              <a:lnRef idx="2">
+                <a:schemeClr val="dk1"/>
+              </a:lnRef>
+              <a:fillRef idx="1">
+                <a:schemeClr val="lt1"/>
+              </a:fillRef>
+              <a:effectRef idx="0">
+                <a:schemeClr val="dk1"/>
+              </a:effectRef>
+              <a:fontRef idx="minor">
+                <a:schemeClr val="dk1"/>
+              </a:fontRef>
+            </p:style>
+            <p:txBody>
+              <a:bodyPr rtlCol="0" anchor="ctr"/>
+              <a:lstStyle/>
+              <a:p>
+                <a:pPr algn="ctr"/>
+                <a:endParaRPr kumimoji="1" lang="ja-JP" altLang="en-US"/>
+              </a:p>
+            </p:txBody>
+          </p:sp>
+          <p:sp>
+            <p:nvSpPr>
+              <p:cNvPr id="6" name="正方形/長方形 5">
+                <a:extLst>
+                  <a:ext uri="{FF2B5EF4-FFF2-40B4-BE49-F238E27FC236}">
+                    <a16:creationId xmlns:a16="http://schemas.microsoft.com/office/drawing/2014/main" id="{F0B0E861-2D5A-054E-8DB5-4D3000DDA197}"/>
+                  </a:ext>
+                </a:extLst>
+              </p:cNvPr>
+              <p:cNvSpPr/>
+              <p:nvPr/>
+            </p:nvSpPr>
+            <p:spPr>
+              <a:xfrm>
+                <a:off x="2928260" y="2090057"/>
+                <a:ext cx="341494" cy="381001"/>
+              </a:xfrm>
+              <a:prstGeom prst="rect">
+                <a:avLst/>
+              </a:prstGeom>
+              <a:ln>
+                <a:noFill/>
+              </a:ln>
+            </p:spPr>
+            <p:style>
+              <a:lnRef idx="2">
+                <a:schemeClr val="dk1"/>
+              </a:lnRef>
+              <a:fillRef idx="1">
+                <a:schemeClr val="lt1"/>
+              </a:fillRef>
+              <a:effectRef idx="0">
+                <a:schemeClr val="dk1"/>
+              </a:effectRef>
+              <a:fontRef idx="minor">
+                <a:schemeClr val="dk1"/>
+              </a:fontRef>
+            </p:style>
+            <p:txBody>
+              <a:bodyPr rtlCol="0" anchor="ctr"/>
+              <a:lstStyle/>
+              <a:p>
+                <a:pPr algn="ctr"/>
+                <a:endParaRPr kumimoji="1" lang="ja-JP" altLang="en-US"/>
+              </a:p>
+            </p:txBody>
+          </p:sp>
+          <p:sp>
+            <p:nvSpPr>
+              <p:cNvPr id="7" name="正方形/長方形 6">
+                <a:extLst>
+                  <a:ext uri="{FF2B5EF4-FFF2-40B4-BE49-F238E27FC236}">
+                    <a16:creationId xmlns:a16="http://schemas.microsoft.com/office/drawing/2014/main" id="{96BDE18A-B905-EC42-AFAA-E912FE368A3F}"/>
+                  </a:ext>
+                </a:extLst>
+              </p:cNvPr>
+              <p:cNvSpPr/>
+              <p:nvPr/>
+            </p:nvSpPr>
+            <p:spPr>
+              <a:xfrm>
+                <a:off x="3113318" y="2895599"/>
+                <a:ext cx="341494" cy="381001"/>
+              </a:xfrm>
+              <a:prstGeom prst="rect">
+                <a:avLst/>
+              </a:prstGeom>
+              <a:ln>
+                <a:noFill/>
+              </a:ln>
+            </p:spPr>
+            <p:style>
+              <a:lnRef idx="2">
+                <a:schemeClr val="dk1"/>
+              </a:lnRef>
+              <a:fillRef idx="1">
+                <a:schemeClr val="lt1"/>
+              </a:fillRef>
+              <a:effectRef idx="0">
+                <a:schemeClr val="dk1"/>
+              </a:effectRef>
+              <a:fontRef idx="minor">
+                <a:schemeClr val="dk1"/>
+              </a:fontRef>
+            </p:style>
+            <p:txBody>
+              <a:bodyPr rtlCol="0" anchor="ctr"/>
+              <a:lstStyle/>
+              <a:p>
+                <a:pPr algn="ctr"/>
+                <a:endParaRPr kumimoji="1" lang="ja-JP" altLang="en-US"/>
+              </a:p>
+            </p:txBody>
+          </p:sp>
+          <p:sp>
+            <p:nvSpPr>
+              <p:cNvPr id="8" name="正方形/長方形 7">
+                <a:extLst>
+                  <a:ext uri="{FF2B5EF4-FFF2-40B4-BE49-F238E27FC236}">
+                    <a16:creationId xmlns:a16="http://schemas.microsoft.com/office/drawing/2014/main" id="{488B708D-40BB-C046-A9DD-5E3E12378EE3}"/>
+                  </a:ext>
+                </a:extLst>
+              </p:cNvPr>
+              <p:cNvSpPr/>
+              <p:nvPr/>
+            </p:nvSpPr>
+            <p:spPr>
+              <a:xfrm>
+                <a:off x="2939145" y="3091543"/>
+                <a:ext cx="341494" cy="381001"/>
+              </a:xfrm>
+              <a:prstGeom prst="rect">
+                <a:avLst/>
+              </a:prstGeom>
+              <a:ln>
+                <a:noFill/>
+              </a:ln>
+            </p:spPr>
+            <p:style>
+              <a:lnRef idx="2">
+                <a:schemeClr val="dk1"/>
+              </a:lnRef>
+              <a:fillRef idx="1">
+                <a:schemeClr val="lt1"/>
+              </a:fillRef>
+              <a:effectRef idx="0">
+                <a:schemeClr val="dk1"/>
+              </a:effectRef>
+              <a:fontRef idx="minor">
+                <a:schemeClr val="dk1"/>
+              </a:fontRef>
+            </p:style>
+            <p:txBody>
+              <a:bodyPr rtlCol="0" anchor="ctr"/>
+              <a:lstStyle/>
+              <a:p>
+                <a:pPr algn="ctr"/>
+                <a:endParaRPr kumimoji="1" lang="ja-JP" altLang="en-US"/>
+              </a:p>
+            </p:txBody>
+          </p:sp>
+          <p:sp>
+            <p:nvSpPr>
+              <p:cNvPr id="9" name="正方形/長方形 8">
+                <a:extLst>
+                  <a:ext uri="{FF2B5EF4-FFF2-40B4-BE49-F238E27FC236}">
+                    <a16:creationId xmlns:a16="http://schemas.microsoft.com/office/drawing/2014/main" id="{F5985C02-E44B-B348-89F8-114C42EC0787}"/>
+                  </a:ext>
+                </a:extLst>
+              </p:cNvPr>
+              <p:cNvSpPr/>
+              <p:nvPr/>
+            </p:nvSpPr>
+            <p:spPr>
+              <a:xfrm>
+                <a:off x="1883231" y="3113314"/>
+                <a:ext cx="341494" cy="381001"/>
+              </a:xfrm>
+              <a:prstGeom prst="rect">
+                <a:avLst/>
+              </a:prstGeom>
+              <a:ln>
+                <a:noFill/>
+              </a:ln>
+            </p:spPr>
+            <p:style>
+              <a:lnRef idx="2">
+                <a:schemeClr val="dk1"/>
+              </a:lnRef>
+              <a:fillRef idx="1">
+                <a:schemeClr val="lt1"/>
+              </a:fillRef>
+              <a:effectRef idx="0">
+                <a:schemeClr val="dk1"/>
+              </a:effectRef>
+              <a:fontRef idx="minor">
+                <a:schemeClr val="dk1"/>
+              </a:fontRef>
+            </p:style>
+            <p:txBody>
+              <a:bodyPr rtlCol="0" anchor="ctr"/>
+              <a:lstStyle/>
+              <a:p>
+                <a:pPr algn="ctr"/>
+                <a:endParaRPr kumimoji="1" lang="ja-JP" altLang="en-US"/>
+              </a:p>
+            </p:txBody>
+          </p:sp>
+          <p:sp>
+            <p:nvSpPr>
+              <p:cNvPr id="10" name="正方形/長方形 9">
+                <a:extLst>
+                  <a:ext uri="{FF2B5EF4-FFF2-40B4-BE49-F238E27FC236}">
+                    <a16:creationId xmlns:a16="http://schemas.microsoft.com/office/drawing/2014/main" id="{04D447BC-F470-514B-8473-7BB7B2B54980}"/>
+                  </a:ext>
+                </a:extLst>
+              </p:cNvPr>
+              <p:cNvSpPr/>
+              <p:nvPr/>
+            </p:nvSpPr>
+            <p:spPr>
+              <a:xfrm>
+                <a:off x="2100947" y="2917371"/>
+                <a:ext cx="341494" cy="381001"/>
+              </a:xfrm>
+              <a:prstGeom prst="rect">
+                <a:avLst/>
+              </a:prstGeom>
+              <a:ln>
+                <a:noFill/>
+              </a:ln>
+            </p:spPr>
+            <p:style>
+              <a:lnRef idx="2">
+                <a:schemeClr val="dk1"/>
+              </a:lnRef>
+              <a:fillRef idx="1">
+                <a:schemeClr val="lt1"/>
+              </a:fillRef>
+              <a:effectRef idx="0">
+                <a:schemeClr val="dk1"/>
+              </a:effectRef>
+              <a:fontRef idx="minor">
+                <a:schemeClr val="dk1"/>
+              </a:fontRef>
+            </p:style>
+            <p:txBody>
+              <a:bodyPr rtlCol="0" anchor="ctr"/>
+              <a:lstStyle/>
+              <a:p>
+                <a:pPr algn="ctr"/>
+                <a:endParaRPr kumimoji="1" lang="ja-JP" altLang="en-US"/>
+              </a:p>
+            </p:txBody>
+          </p:sp>
+          <p:sp>
+            <p:nvSpPr>
+              <p:cNvPr id="11" name="正方形/長方形 10">
+                <a:extLst>
+                  <a:ext uri="{FF2B5EF4-FFF2-40B4-BE49-F238E27FC236}">
+                    <a16:creationId xmlns:a16="http://schemas.microsoft.com/office/drawing/2014/main" id="{26DBAFA1-43F7-8B48-B019-6ABBAA554E84}"/>
+                  </a:ext>
+                </a:extLst>
+              </p:cNvPr>
+              <p:cNvSpPr/>
+              <p:nvPr/>
+            </p:nvSpPr>
+            <p:spPr>
+              <a:xfrm>
+                <a:off x="1132118" y="2939140"/>
+                <a:ext cx="341494" cy="381001"/>
+              </a:xfrm>
+              <a:prstGeom prst="rect">
+                <a:avLst/>
+              </a:prstGeom>
+              <a:ln>
+                <a:noFill/>
+              </a:ln>
+            </p:spPr>
+            <p:style>
+              <a:lnRef idx="2">
+                <a:schemeClr val="dk1"/>
+              </a:lnRef>
+              <a:fillRef idx="1">
+                <a:schemeClr val="lt1"/>
+              </a:fillRef>
+              <a:effectRef idx="0">
+                <a:schemeClr val="dk1"/>
+              </a:effectRef>
+              <a:fontRef idx="minor">
+                <a:schemeClr val="dk1"/>
+              </a:fontRef>
+            </p:style>
+            <p:txBody>
+              <a:bodyPr rtlCol="0" anchor="ctr"/>
+              <a:lstStyle/>
+              <a:p>
+                <a:pPr algn="ctr"/>
+                <a:endParaRPr kumimoji="1" lang="ja-JP" altLang="en-US"/>
+              </a:p>
+            </p:txBody>
+          </p:sp>
+          <p:sp>
+            <p:nvSpPr>
+              <p:cNvPr id="12" name="正方形/長方形 11">
+                <a:extLst>
+                  <a:ext uri="{FF2B5EF4-FFF2-40B4-BE49-F238E27FC236}">
+                    <a16:creationId xmlns:a16="http://schemas.microsoft.com/office/drawing/2014/main" id="{F2BB11C3-2B4E-DA44-BB3F-160FA4A121EF}"/>
+                  </a:ext>
+                </a:extLst>
+              </p:cNvPr>
+              <p:cNvSpPr/>
+              <p:nvPr/>
+            </p:nvSpPr>
+            <p:spPr>
+              <a:xfrm>
+                <a:off x="1121232" y="1872341"/>
+                <a:ext cx="341494" cy="381001"/>
+              </a:xfrm>
+              <a:prstGeom prst="rect">
+                <a:avLst/>
+              </a:prstGeom>
+              <a:ln>
+                <a:noFill/>
+              </a:ln>
+            </p:spPr>
+            <p:style>
+              <a:lnRef idx="2">
+                <a:schemeClr val="dk1"/>
+              </a:lnRef>
+              <a:fillRef idx="1">
+                <a:schemeClr val="lt1"/>
+              </a:fillRef>
+              <a:effectRef idx="0">
+                <a:schemeClr val="dk1"/>
+              </a:effectRef>
+              <a:fontRef idx="minor">
+                <a:schemeClr val="dk1"/>
+              </a:fontRef>
+            </p:style>
+            <p:txBody>
+              <a:bodyPr rtlCol="0" anchor="ctr"/>
+              <a:lstStyle/>
+              <a:p>
+                <a:pPr algn="ctr"/>
+                <a:endParaRPr kumimoji="1" lang="ja-JP" altLang="en-US"/>
+              </a:p>
+            </p:txBody>
+          </p:sp>
+          <p:sp>
+            <p:nvSpPr>
+              <p:cNvPr id="13" name="正方形/長方形 12">
+                <a:extLst>
+                  <a:ext uri="{FF2B5EF4-FFF2-40B4-BE49-F238E27FC236}">
+                    <a16:creationId xmlns:a16="http://schemas.microsoft.com/office/drawing/2014/main" id="{7B9EBFD1-0785-9D4C-BC39-4AF9CB1B932C}"/>
+                  </a:ext>
+                </a:extLst>
+              </p:cNvPr>
+              <p:cNvSpPr/>
+              <p:nvPr/>
+            </p:nvSpPr>
+            <p:spPr>
+              <a:xfrm>
+                <a:off x="1894117" y="2111829"/>
+                <a:ext cx="341494" cy="381001"/>
+              </a:xfrm>
+              <a:prstGeom prst="rect">
+                <a:avLst/>
+              </a:prstGeom>
+              <a:ln>
+                <a:noFill/>
+              </a:ln>
+            </p:spPr>
+            <p:style>
+              <a:lnRef idx="2">
+                <a:schemeClr val="dk1"/>
+              </a:lnRef>
+              <a:fillRef idx="1">
+                <a:schemeClr val="lt1"/>
+              </a:fillRef>
+              <a:effectRef idx="0">
+                <a:schemeClr val="dk1"/>
+              </a:effectRef>
+              <a:fontRef idx="minor">
+                <a:schemeClr val="dk1"/>
+              </a:fontRef>
+            </p:style>
+            <p:txBody>
+              <a:bodyPr rtlCol="0" anchor="ctr"/>
+              <a:lstStyle/>
+              <a:p>
+                <a:pPr algn="ctr"/>
+                <a:endParaRPr kumimoji="1" lang="ja-JP" altLang="en-US"/>
+              </a:p>
+            </p:txBody>
+          </p:sp>
+          <p:sp>
+            <p:nvSpPr>
+              <p:cNvPr id="14" name="正方形/長方形 13">
+                <a:extLst>
+                  <a:ext uri="{FF2B5EF4-FFF2-40B4-BE49-F238E27FC236}">
+                    <a16:creationId xmlns:a16="http://schemas.microsoft.com/office/drawing/2014/main" id="{DAF2F57B-8361-8544-AD85-5E71F59E4F61}"/>
+                  </a:ext>
+                </a:extLst>
+              </p:cNvPr>
+              <p:cNvSpPr/>
+              <p:nvPr/>
+            </p:nvSpPr>
+            <p:spPr>
+              <a:xfrm>
+                <a:off x="2144491" y="1894113"/>
+                <a:ext cx="341494" cy="381001"/>
+              </a:xfrm>
+              <a:prstGeom prst="rect">
+                <a:avLst/>
+              </a:prstGeom>
+              <a:ln>
+                <a:noFill/>
+              </a:ln>
+            </p:spPr>
+            <p:style>
+              <a:lnRef idx="2">
+                <a:schemeClr val="dk1"/>
+              </a:lnRef>
+              <a:fillRef idx="1">
+                <a:schemeClr val="lt1"/>
+              </a:fillRef>
+              <a:effectRef idx="0">
+                <a:schemeClr val="dk1"/>
+              </a:effectRef>
+              <a:fontRef idx="minor">
+                <a:schemeClr val="dk1"/>
+              </a:fontRef>
+            </p:style>
+            <p:txBody>
+              <a:bodyPr rtlCol="0" anchor="ctr"/>
+              <a:lstStyle/>
+              <a:p>
+                <a:pPr algn="ctr"/>
+                <a:endParaRPr kumimoji="1" lang="ja-JP" altLang="en-US"/>
+              </a:p>
+            </p:txBody>
+          </p:sp>
+          <p:sp>
+            <p:nvSpPr>
+              <p:cNvPr id="15" name="正方形/長方形 14">
+                <a:extLst>
+                  <a:ext uri="{FF2B5EF4-FFF2-40B4-BE49-F238E27FC236}">
+                    <a16:creationId xmlns:a16="http://schemas.microsoft.com/office/drawing/2014/main" id="{EA10337C-B43D-0F4F-9D8D-99EBEF026240}"/>
+                  </a:ext>
+                </a:extLst>
+              </p:cNvPr>
+              <p:cNvSpPr/>
+              <p:nvPr/>
+            </p:nvSpPr>
+            <p:spPr>
+              <a:xfrm>
+                <a:off x="1915891" y="1251856"/>
+                <a:ext cx="341494" cy="228602"/>
+              </a:xfrm>
+              <a:prstGeom prst="rect">
+                <a:avLst/>
+              </a:prstGeom>
+              <a:ln>
+                <a:noFill/>
+              </a:ln>
+            </p:spPr>
+            <p:style>
+              <a:lnRef idx="2">
+                <a:schemeClr val="dk1"/>
+              </a:lnRef>
+              <a:fillRef idx="1">
+                <a:schemeClr val="lt1"/>
+              </a:fillRef>
+              <a:effectRef idx="0">
+                <a:schemeClr val="dk1"/>
+              </a:effectRef>
+              <a:fontRef idx="minor">
+                <a:schemeClr val="dk1"/>
+              </a:fontRef>
+            </p:style>
+            <p:txBody>
+              <a:bodyPr rtlCol="0" anchor="ctr"/>
+              <a:lstStyle/>
+              <a:p>
+                <a:pPr algn="ctr"/>
+                <a:endParaRPr kumimoji="1" lang="ja-JP" altLang="en-US"/>
+              </a:p>
+            </p:txBody>
+          </p:sp>
+          <p:sp>
+            <p:nvSpPr>
+              <p:cNvPr id="16" name="正方形/長方形 15">
+                <a:extLst>
+                  <a:ext uri="{FF2B5EF4-FFF2-40B4-BE49-F238E27FC236}">
+                    <a16:creationId xmlns:a16="http://schemas.microsoft.com/office/drawing/2014/main" id="{CB642A3E-C774-D442-A53F-69BFAEC7D02D}"/>
+                  </a:ext>
+                </a:extLst>
+              </p:cNvPr>
+              <p:cNvSpPr/>
+              <p:nvPr/>
+            </p:nvSpPr>
+            <p:spPr>
+              <a:xfrm>
+                <a:off x="2928264" y="1262743"/>
+                <a:ext cx="341494" cy="228602"/>
+              </a:xfrm>
+              <a:prstGeom prst="rect">
+                <a:avLst/>
+              </a:prstGeom>
+              <a:ln>
+                <a:noFill/>
+              </a:ln>
+            </p:spPr>
+            <p:style>
+              <a:lnRef idx="2">
+                <a:schemeClr val="dk1"/>
+              </a:lnRef>
+              <a:fillRef idx="1">
+                <a:schemeClr val="lt1"/>
+              </a:fillRef>
+              <a:effectRef idx="0">
+                <a:schemeClr val="dk1"/>
+              </a:effectRef>
+              <a:fontRef idx="minor">
+                <a:schemeClr val="dk1"/>
+              </a:fontRef>
+            </p:style>
+            <p:txBody>
+              <a:bodyPr rtlCol="0" anchor="ctr"/>
+              <a:lstStyle/>
+              <a:p>
+                <a:pPr algn="ctr"/>
+                <a:endParaRPr kumimoji="1" lang="ja-JP" altLang="en-US"/>
+              </a:p>
+            </p:txBody>
+          </p:sp>
+          <p:sp>
+            <p:nvSpPr>
+              <p:cNvPr id="17" name="正方形/長方形 16">
+                <a:extLst>
+                  <a:ext uri="{FF2B5EF4-FFF2-40B4-BE49-F238E27FC236}">
+                    <a16:creationId xmlns:a16="http://schemas.microsoft.com/office/drawing/2014/main" id="{97118905-6BF9-0945-A5E9-E186F88A1C94}"/>
+                  </a:ext>
+                </a:extLst>
+              </p:cNvPr>
+              <p:cNvSpPr/>
+              <p:nvPr/>
+            </p:nvSpPr>
+            <p:spPr>
+              <a:xfrm>
+                <a:off x="3407236" y="1447801"/>
+                <a:ext cx="341494" cy="228602"/>
+              </a:xfrm>
+              <a:prstGeom prst="rect">
+                <a:avLst/>
+              </a:prstGeom>
+              <a:ln>
+                <a:noFill/>
+              </a:ln>
+            </p:spPr>
+            <p:style>
+              <a:lnRef idx="2">
+                <a:schemeClr val="dk1"/>
+              </a:lnRef>
+              <a:fillRef idx="1">
+                <a:schemeClr val="lt1"/>
+              </a:fillRef>
+              <a:effectRef idx="0">
+                <a:schemeClr val="dk1"/>
+              </a:effectRef>
+              <a:fontRef idx="minor">
+                <a:schemeClr val="dk1"/>
+              </a:fontRef>
+            </p:style>
+            <p:txBody>
+              <a:bodyPr rtlCol="0" anchor="ctr"/>
+              <a:lstStyle/>
+              <a:p>
+                <a:pPr algn="ctr"/>
+                <a:endParaRPr kumimoji="1" lang="ja-JP" altLang="en-US"/>
+              </a:p>
+            </p:txBody>
+          </p:sp>
+          <p:sp>
+            <p:nvSpPr>
+              <p:cNvPr id="18" name="正方形/長方形 17">
+                <a:extLst>
+                  <a:ext uri="{FF2B5EF4-FFF2-40B4-BE49-F238E27FC236}">
+                    <a16:creationId xmlns:a16="http://schemas.microsoft.com/office/drawing/2014/main" id="{E592CB71-5244-2F49-8A1B-6327530D2991}"/>
+                  </a:ext>
+                </a:extLst>
+              </p:cNvPr>
+              <p:cNvSpPr/>
+              <p:nvPr/>
+            </p:nvSpPr>
+            <p:spPr>
+              <a:xfrm>
+                <a:off x="3407236" y="2471061"/>
+                <a:ext cx="341494" cy="228602"/>
+              </a:xfrm>
+              <a:prstGeom prst="rect">
+                <a:avLst/>
+              </a:prstGeom>
+              <a:ln>
+                <a:noFill/>
+              </a:ln>
+            </p:spPr>
+            <p:style>
+              <a:lnRef idx="2">
+                <a:schemeClr val="dk1"/>
+              </a:lnRef>
+              <a:fillRef idx="1">
+                <a:schemeClr val="lt1"/>
+              </a:fillRef>
+              <a:effectRef idx="0">
+                <a:schemeClr val="dk1"/>
+              </a:effectRef>
+              <a:fontRef idx="minor">
+                <a:schemeClr val="dk1"/>
+              </a:fontRef>
+            </p:style>
+            <p:txBody>
+              <a:bodyPr rtlCol="0" anchor="ctr"/>
+              <a:lstStyle/>
+              <a:p>
+                <a:pPr algn="ctr"/>
+                <a:endParaRPr kumimoji="1" lang="ja-JP" altLang="en-US"/>
+              </a:p>
+            </p:txBody>
+          </p:sp>
+          <p:sp>
+            <p:nvSpPr>
+              <p:cNvPr id="19" name="正方形/長方形 18">
+                <a:extLst>
+                  <a:ext uri="{FF2B5EF4-FFF2-40B4-BE49-F238E27FC236}">
+                    <a16:creationId xmlns:a16="http://schemas.microsoft.com/office/drawing/2014/main" id="{34EE1712-2649-2640-9A0A-ECC2E7C72F88}"/>
+                  </a:ext>
+                </a:extLst>
+              </p:cNvPr>
+              <p:cNvSpPr/>
+              <p:nvPr/>
+            </p:nvSpPr>
+            <p:spPr>
+              <a:xfrm>
+                <a:off x="3407235" y="3494316"/>
+                <a:ext cx="341494" cy="228602"/>
+              </a:xfrm>
+              <a:prstGeom prst="rect">
+                <a:avLst/>
+              </a:prstGeom>
+              <a:ln>
+                <a:noFill/>
+              </a:ln>
+            </p:spPr>
+            <p:style>
+              <a:lnRef idx="2">
+                <a:schemeClr val="dk1"/>
+              </a:lnRef>
+              <a:fillRef idx="1">
+                <a:schemeClr val="lt1"/>
+              </a:fillRef>
+              <a:effectRef idx="0">
+                <a:schemeClr val="dk1"/>
+              </a:effectRef>
+              <a:fontRef idx="minor">
+                <a:schemeClr val="dk1"/>
+              </a:fontRef>
+            </p:style>
+            <p:txBody>
+              <a:bodyPr rtlCol="0" anchor="ctr"/>
+              <a:lstStyle/>
+              <a:p>
+                <a:pPr algn="ctr"/>
+                <a:endParaRPr kumimoji="1" lang="ja-JP" altLang="en-US"/>
+              </a:p>
+            </p:txBody>
+          </p:sp>
+          <p:sp>
+            <p:nvSpPr>
+              <p:cNvPr id="20" name="正方形/長方形 19">
+                <a:extLst>
+                  <a:ext uri="{FF2B5EF4-FFF2-40B4-BE49-F238E27FC236}">
+                    <a16:creationId xmlns:a16="http://schemas.microsoft.com/office/drawing/2014/main" id="{2C929BD5-6A6E-1E41-A21A-DE37BC59E996}"/>
+                  </a:ext>
+                </a:extLst>
+              </p:cNvPr>
+              <p:cNvSpPr/>
+              <p:nvPr/>
+            </p:nvSpPr>
+            <p:spPr>
+              <a:xfrm>
+                <a:off x="2362208" y="3505198"/>
+                <a:ext cx="341494" cy="228602"/>
+              </a:xfrm>
+              <a:prstGeom prst="rect">
+                <a:avLst/>
+              </a:prstGeom>
+              <a:ln>
+                <a:noFill/>
+              </a:ln>
+            </p:spPr>
+            <p:style>
+              <a:lnRef idx="2">
+                <a:schemeClr val="dk1"/>
+              </a:lnRef>
+              <a:fillRef idx="1">
+                <a:schemeClr val="lt1"/>
+              </a:fillRef>
+              <a:effectRef idx="0">
+                <a:schemeClr val="dk1"/>
+              </a:effectRef>
+              <a:fontRef idx="minor">
+                <a:schemeClr val="dk1"/>
+              </a:fontRef>
+            </p:style>
+            <p:txBody>
+              <a:bodyPr rtlCol="0" anchor="ctr"/>
+              <a:lstStyle/>
+              <a:p>
+                <a:pPr algn="ctr"/>
+                <a:endParaRPr kumimoji="1" lang="ja-JP" altLang="en-US"/>
+              </a:p>
+            </p:txBody>
+          </p:sp>
+          <p:sp>
+            <p:nvSpPr>
+              <p:cNvPr id="21" name="正方形/長方形 20">
+                <a:extLst>
+                  <a:ext uri="{FF2B5EF4-FFF2-40B4-BE49-F238E27FC236}">
+                    <a16:creationId xmlns:a16="http://schemas.microsoft.com/office/drawing/2014/main" id="{372C471B-0929-DB4F-886B-ABCF2FA73DC8}"/>
+                  </a:ext>
+                </a:extLst>
+              </p:cNvPr>
+              <p:cNvSpPr/>
+              <p:nvPr/>
+            </p:nvSpPr>
+            <p:spPr>
+              <a:xfrm>
+                <a:off x="1328066" y="3516084"/>
+                <a:ext cx="341494" cy="228602"/>
+              </a:xfrm>
+              <a:prstGeom prst="rect">
+                <a:avLst/>
+              </a:prstGeom>
+              <a:ln>
+                <a:noFill/>
+              </a:ln>
+            </p:spPr>
+            <p:style>
+              <a:lnRef idx="2">
+                <a:schemeClr val="dk1"/>
+              </a:lnRef>
+              <a:fillRef idx="1">
+                <a:schemeClr val="lt1"/>
+              </a:fillRef>
+              <a:effectRef idx="0">
+                <a:schemeClr val="dk1"/>
+              </a:effectRef>
+              <a:fontRef idx="minor">
+                <a:schemeClr val="dk1"/>
+              </a:fontRef>
+            </p:style>
+            <p:txBody>
+              <a:bodyPr rtlCol="0" anchor="ctr"/>
+              <a:lstStyle/>
+              <a:p>
+                <a:pPr algn="ctr"/>
+                <a:endParaRPr kumimoji="1" lang="ja-JP" altLang="en-US"/>
+              </a:p>
+            </p:txBody>
+          </p:sp>
+          <p:sp>
+            <p:nvSpPr>
+              <p:cNvPr id="22" name="正方形/長方形 21">
+                <a:extLst>
+                  <a:ext uri="{FF2B5EF4-FFF2-40B4-BE49-F238E27FC236}">
+                    <a16:creationId xmlns:a16="http://schemas.microsoft.com/office/drawing/2014/main" id="{594C6FB9-A8E5-8F4B-ACF3-DC95ED0D7FA2}"/>
+                  </a:ext>
+                </a:extLst>
+              </p:cNvPr>
+              <p:cNvSpPr/>
+              <p:nvPr/>
+            </p:nvSpPr>
+            <p:spPr>
+              <a:xfrm>
+                <a:off x="1338950" y="2481941"/>
+                <a:ext cx="341494" cy="228602"/>
+              </a:xfrm>
+              <a:prstGeom prst="rect">
+                <a:avLst/>
+              </a:prstGeom>
+              <a:ln>
+                <a:noFill/>
+              </a:ln>
+            </p:spPr>
+            <p:style>
+              <a:lnRef idx="2">
+                <a:schemeClr val="dk1"/>
+              </a:lnRef>
+              <a:fillRef idx="1">
+                <a:schemeClr val="lt1"/>
+              </a:fillRef>
+              <a:effectRef idx="0">
+                <a:schemeClr val="dk1"/>
+              </a:effectRef>
+              <a:fontRef idx="minor">
+                <a:schemeClr val="dk1"/>
+              </a:fontRef>
+            </p:style>
+            <p:txBody>
+              <a:bodyPr rtlCol="0" anchor="ctr"/>
+              <a:lstStyle/>
+              <a:p>
+                <a:pPr algn="ctr"/>
+                <a:endParaRPr kumimoji="1" lang="ja-JP" altLang="en-US"/>
+              </a:p>
+            </p:txBody>
+          </p:sp>
+          <p:sp>
+            <p:nvSpPr>
+              <p:cNvPr id="23" name="正方形/長方形 22">
+                <a:extLst>
+                  <a:ext uri="{FF2B5EF4-FFF2-40B4-BE49-F238E27FC236}">
+                    <a16:creationId xmlns:a16="http://schemas.microsoft.com/office/drawing/2014/main" id="{34D27F45-6360-3243-A0BF-611E5EB61857}"/>
+                  </a:ext>
+                </a:extLst>
+              </p:cNvPr>
+              <p:cNvSpPr/>
+              <p:nvPr/>
+            </p:nvSpPr>
+            <p:spPr>
+              <a:xfrm>
+                <a:off x="2373092" y="2481940"/>
+                <a:ext cx="341494" cy="228602"/>
+              </a:xfrm>
+              <a:prstGeom prst="rect">
+                <a:avLst/>
+              </a:prstGeom>
+              <a:ln>
+                <a:noFill/>
+              </a:ln>
+            </p:spPr>
+            <p:style>
+              <a:lnRef idx="2">
+                <a:schemeClr val="dk1"/>
+              </a:lnRef>
+              <a:fillRef idx="1">
+                <a:schemeClr val="lt1"/>
+              </a:fillRef>
+              <a:effectRef idx="0">
+                <a:schemeClr val="dk1"/>
+              </a:effectRef>
+              <a:fontRef idx="minor">
+                <a:schemeClr val="dk1"/>
+              </a:fontRef>
+            </p:style>
+            <p:txBody>
+              <a:bodyPr rtlCol="0" anchor="ctr"/>
+              <a:lstStyle/>
+              <a:p>
+                <a:pPr algn="ctr"/>
+                <a:endParaRPr kumimoji="1" lang="ja-JP" altLang="en-US"/>
+              </a:p>
+            </p:txBody>
+          </p:sp>
+          <p:sp>
+            <p:nvSpPr>
+              <p:cNvPr id="24" name="正方形/長方形 23">
+                <a:extLst>
+                  <a:ext uri="{FF2B5EF4-FFF2-40B4-BE49-F238E27FC236}">
+                    <a16:creationId xmlns:a16="http://schemas.microsoft.com/office/drawing/2014/main" id="{D7F7CA8C-9614-DD4A-AB07-30090412F3C6}"/>
+                  </a:ext>
+                </a:extLst>
+              </p:cNvPr>
+              <p:cNvSpPr/>
+              <p:nvPr/>
+            </p:nvSpPr>
+            <p:spPr>
+              <a:xfrm>
+                <a:off x="2373091" y="1458683"/>
+                <a:ext cx="341494" cy="228602"/>
+              </a:xfrm>
+              <a:prstGeom prst="rect">
+                <a:avLst/>
+              </a:prstGeom>
+              <a:ln>
+                <a:noFill/>
+              </a:ln>
+            </p:spPr>
+            <p:style>
+              <a:lnRef idx="2">
+                <a:schemeClr val="dk1"/>
+              </a:lnRef>
+              <a:fillRef idx="1">
+                <a:schemeClr val="lt1"/>
+              </a:fillRef>
+              <a:effectRef idx="0">
+                <a:schemeClr val="dk1"/>
+              </a:effectRef>
+              <a:fontRef idx="minor">
+                <a:schemeClr val="dk1"/>
+              </a:fontRef>
+            </p:style>
+            <p:txBody>
+              <a:bodyPr rtlCol="0" anchor="ctr"/>
+              <a:lstStyle/>
+              <a:p>
+                <a:pPr algn="ctr"/>
+                <a:endParaRPr kumimoji="1" lang="ja-JP" altLang="en-US"/>
+              </a:p>
+            </p:txBody>
+          </p:sp>
+          <p:sp>
+            <p:nvSpPr>
+              <p:cNvPr id="25" name="正方形/長方形 24">
+                <a:extLst>
+                  <a:ext uri="{FF2B5EF4-FFF2-40B4-BE49-F238E27FC236}">
+                    <a16:creationId xmlns:a16="http://schemas.microsoft.com/office/drawing/2014/main" id="{04632BE6-AA55-7045-BC8F-29B8824D47FB}"/>
+                  </a:ext>
+                </a:extLst>
+              </p:cNvPr>
+              <p:cNvSpPr/>
+              <p:nvPr/>
+            </p:nvSpPr>
+            <p:spPr>
+              <a:xfrm>
+                <a:off x="1349835" y="1469565"/>
+                <a:ext cx="341494" cy="228602"/>
+              </a:xfrm>
+              <a:prstGeom prst="rect">
+                <a:avLst/>
+              </a:prstGeom>
+              <a:ln>
+                <a:noFill/>
+              </a:ln>
+            </p:spPr>
+            <p:style>
+              <a:lnRef idx="2">
+                <a:schemeClr val="dk1"/>
+              </a:lnRef>
+              <a:fillRef idx="1">
+                <a:schemeClr val="lt1"/>
+              </a:fillRef>
+              <a:effectRef idx="0">
+                <a:schemeClr val="dk1"/>
+              </a:effectRef>
+              <a:fontRef idx="minor">
+                <a:schemeClr val="dk1"/>
+              </a:fontRef>
+            </p:style>
+            <p:txBody>
+              <a:bodyPr rtlCol="0" anchor="ctr"/>
+              <a:lstStyle/>
+              <a:p>
+                <a:pPr algn="ctr"/>
+                <a:endParaRPr kumimoji="1" lang="ja-JP" altLang="en-US"/>
+              </a:p>
+            </p:txBody>
+          </p:sp>
+        </p:grpSp>
+        <p:sp>
+          <p:nvSpPr>
+            <p:cNvPr id="27" name="テキスト ボックス 26">
+              <a:extLst>
+                <a:ext uri="{FF2B5EF4-FFF2-40B4-BE49-F238E27FC236}">
+                  <a16:creationId xmlns:a16="http://schemas.microsoft.com/office/drawing/2014/main" id="{A4BE4E65-6277-164E-9F15-AFAA396D537C}"/>
+                </a:ext>
+              </a:extLst>
+            </p:cNvPr>
+            <p:cNvSpPr txBox="1"/>
+            <p:nvPr/>
+          </p:nvSpPr>
+          <p:spPr>
+            <a:xfrm>
+              <a:off x="1371610" y="1366548"/>
+              <a:ext cx="312906" cy="369332"/>
+            </a:xfrm>
+            <a:prstGeom prst="rect">
+              <a:avLst/>
+            </a:prstGeom>
+            <a:noFill/>
+            <a:ln>
+              <a:noFill/>
+            </a:ln>
+          </p:spPr>
+          <p:txBody>
+            <a:bodyPr wrap="none" rtlCol="0">
+              <a:spAutoFit/>
+            </a:bodyPr>
+            <a:lstStyle/>
+            <a:p>
+              <a:r>
+                <a:rPr kumimoji="1" lang="en-US" altLang="ja-JP" dirty="0">
+                  <a:latin typeface="Helvetica Neue" panose="02000503000000020004" pitchFamily="2" charset="0"/>
+                  <a:cs typeface="Helvetica Neue" panose="02000503000000020004" pitchFamily="2" charset="0"/>
+                </a:rPr>
+                <a:t>1</a:t>
+              </a:r>
+              <a:endParaRPr kumimoji="1" lang="ja-JP" altLang="en-US">
+                <a:latin typeface="Helvetica Neue" panose="02000503000000020004" pitchFamily="2" charset="0"/>
+                <a:cs typeface="Helvetica Neue" panose="02000503000000020004" pitchFamily="2" charset="0"/>
+              </a:endParaRPr>
+            </a:p>
+          </p:txBody>
+        </p:sp>
+        <p:sp>
+          <p:nvSpPr>
+            <p:cNvPr id="28" name="テキスト ボックス 27">
+              <a:extLst>
+                <a:ext uri="{FF2B5EF4-FFF2-40B4-BE49-F238E27FC236}">
+                  <a16:creationId xmlns:a16="http://schemas.microsoft.com/office/drawing/2014/main" id="{076B4038-17E7-9847-8620-BAB96B4917EF}"/>
+                </a:ext>
+              </a:extLst>
+            </p:cNvPr>
+            <p:cNvSpPr txBox="1"/>
+            <p:nvPr/>
+          </p:nvSpPr>
+          <p:spPr>
+            <a:xfrm>
+              <a:off x="2400309" y="1366548"/>
+              <a:ext cx="312906" cy="369332"/>
+            </a:xfrm>
+            <a:prstGeom prst="rect">
+              <a:avLst/>
+            </a:prstGeom>
+            <a:noFill/>
+            <a:ln>
+              <a:noFill/>
+            </a:ln>
+          </p:spPr>
+          <p:txBody>
+            <a:bodyPr wrap="none" rtlCol="0">
+              <a:spAutoFit/>
+            </a:bodyPr>
+            <a:lstStyle/>
+            <a:p>
+              <a:r>
+                <a:rPr lang="en-US" altLang="ja-JP" dirty="0">
+                  <a:latin typeface="Helvetica Neue" panose="02000503000000020004" pitchFamily="2" charset="0"/>
+                  <a:cs typeface="Helvetica Neue" panose="02000503000000020004" pitchFamily="2" charset="0"/>
+                </a:rPr>
+                <a:t>2</a:t>
+              </a:r>
+              <a:endParaRPr kumimoji="1" lang="ja-JP" altLang="en-US">
+                <a:latin typeface="Helvetica Neue" panose="02000503000000020004" pitchFamily="2" charset="0"/>
+                <a:cs typeface="Helvetica Neue" panose="02000503000000020004" pitchFamily="2" charset="0"/>
+              </a:endParaRPr>
+            </a:p>
+          </p:txBody>
+        </p:sp>
+        <p:sp>
+          <p:nvSpPr>
+            <p:cNvPr id="29" name="テキスト ボックス 28">
+              <a:extLst>
+                <a:ext uri="{FF2B5EF4-FFF2-40B4-BE49-F238E27FC236}">
+                  <a16:creationId xmlns:a16="http://schemas.microsoft.com/office/drawing/2014/main" id="{0D079DF9-2A48-8442-8CCB-37735461143A}"/>
+                </a:ext>
+              </a:extLst>
+            </p:cNvPr>
+            <p:cNvSpPr txBox="1"/>
+            <p:nvPr/>
+          </p:nvSpPr>
+          <p:spPr>
+            <a:xfrm>
+              <a:off x="3429009" y="1366548"/>
+              <a:ext cx="312906" cy="369332"/>
+            </a:xfrm>
+            <a:prstGeom prst="rect">
+              <a:avLst/>
+            </a:prstGeom>
+            <a:noFill/>
+            <a:ln>
+              <a:noFill/>
+            </a:ln>
+          </p:spPr>
+          <p:txBody>
+            <a:bodyPr wrap="none" rtlCol="0">
+              <a:spAutoFit/>
+            </a:bodyPr>
+            <a:lstStyle/>
+            <a:p>
+              <a:r>
+                <a:rPr kumimoji="1" lang="en-US" altLang="ja-JP" dirty="0">
+                  <a:latin typeface="Helvetica Neue" panose="02000503000000020004" pitchFamily="2" charset="0"/>
+                  <a:cs typeface="Helvetica Neue" panose="02000503000000020004" pitchFamily="2" charset="0"/>
+                </a:rPr>
+                <a:t>3</a:t>
+              </a:r>
+              <a:endParaRPr kumimoji="1" lang="ja-JP" altLang="en-US">
+                <a:latin typeface="Helvetica Neue" panose="02000503000000020004" pitchFamily="2" charset="0"/>
+                <a:cs typeface="Helvetica Neue" panose="02000503000000020004" pitchFamily="2" charset="0"/>
+              </a:endParaRPr>
+            </a:p>
+          </p:txBody>
+        </p:sp>
+        <p:sp>
+          <p:nvSpPr>
+            <p:cNvPr id="30" name="テキスト ボックス 29">
+              <a:extLst>
+                <a:ext uri="{FF2B5EF4-FFF2-40B4-BE49-F238E27FC236}">
+                  <a16:creationId xmlns:a16="http://schemas.microsoft.com/office/drawing/2014/main" id="{A162D766-B8E7-C441-8EA1-73CEACBF2DEB}"/>
+                </a:ext>
+              </a:extLst>
+            </p:cNvPr>
+            <p:cNvSpPr txBox="1"/>
+            <p:nvPr/>
+          </p:nvSpPr>
+          <p:spPr>
+            <a:xfrm>
+              <a:off x="1371608" y="2411574"/>
+              <a:ext cx="312906" cy="369332"/>
+            </a:xfrm>
+            <a:prstGeom prst="rect">
+              <a:avLst/>
+            </a:prstGeom>
+            <a:noFill/>
+            <a:ln>
+              <a:noFill/>
+            </a:ln>
+          </p:spPr>
+          <p:txBody>
+            <a:bodyPr wrap="none" rtlCol="0">
+              <a:spAutoFit/>
+            </a:bodyPr>
+            <a:lstStyle/>
+            <a:p>
+              <a:r>
+                <a:rPr lang="en-US" altLang="ja-JP" dirty="0">
+                  <a:latin typeface="Helvetica Neue" panose="02000503000000020004" pitchFamily="2" charset="0"/>
+                  <a:cs typeface="Helvetica Neue" panose="02000503000000020004" pitchFamily="2" charset="0"/>
+                </a:rPr>
+                <a:t>4</a:t>
+              </a:r>
+              <a:endParaRPr kumimoji="1" lang="ja-JP" altLang="en-US">
+                <a:latin typeface="Helvetica Neue" panose="02000503000000020004" pitchFamily="2" charset="0"/>
+                <a:cs typeface="Helvetica Neue" panose="02000503000000020004" pitchFamily="2" charset="0"/>
+              </a:endParaRPr>
+            </a:p>
+          </p:txBody>
+        </p:sp>
+        <p:sp>
+          <p:nvSpPr>
+            <p:cNvPr id="31" name="テキスト ボックス 30">
+              <a:extLst>
+                <a:ext uri="{FF2B5EF4-FFF2-40B4-BE49-F238E27FC236}">
+                  <a16:creationId xmlns:a16="http://schemas.microsoft.com/office/drawing/2014/main" id="{A9B5BE7B-E087-574B-AA09-45AE27E970A5}"/>
+                </a:ext>
+              </a:extLst>
+            </p:cNvPr>
+            <p:cNvSpPr txBox="1"/>
+            <p:nvPr/>
+          </p:nvSpPr>
+          <p:spPr>
+            <a:xfrm>
+              <a:off x="2400307" y="2411574"/>
+              <a:ext cx="312906" cy="369332"/>
+            </a:xfrm>
+            <a:prstGeom prst="rect">
+              <a:avLst/>
+            </a:prstGeom>
+            <a:noFill/>
+            <a:ln>
+              <a:noFill/>
+            </a:ln>
+          </p:spPr>
+          <p:txBody>
+            <a:bodyPr wrap="none" rtlCol="0">
+              <a:spAutoFit/>
+            </a:bodyPr>
+            <a:lstStyle/>
+            <a:p>
+              <a:r>
+                <a:rPr kumimoji="1" lang="en-US" altLang="ja-JP" dirty="0">
+                  <a:latin typeface="Helvetica Neue" panose="02000503000000020004" pitchFamily="2" charset="0"/>
+                  <a:cs typeface="Helvetica Neue" panose="02000503000000020004" pitchFamily="2" charset="0"/>
+                </a:rPr>
+                <a:t>5</a:t>
+              </a:r>
+              <a:endParaRPr kumimoji="1" lang="ja-JP" altLang="en-US">
+                <a:latin typeface="Helvetica Neue" panose="02000503000000020004" pitchFamily="2" charset="0"/>
+                <a:cs typeface="Helvetica Neue" panose="02000503000000020004" pitchFamily="2" charset="0"/>
+              </a:endParaRPr>
+            </a:p>
+          </p:txBody>
+        </p:sp>
+        <p:sp>
+          <p:nvSpPr>
+            <p:cNvPr id="32" name="テキスト ボックス 31">
+              <a:extLst>
+                <a:ext uri="{FF2B5EF4-FFF2-40B4-BE49-F238E27FC236}">
+                  <a16:creationId xmlns:a16="http://schemas.microsoft.com/office/drawing/2014/main" id="{0642005A-5AE3-314B-837B-4D3F2F59E982}"/>
+                </a:ext>
+              </a:extLst>
+            </p:cNvPr>
+            <p:cNvSpPr txBox="1"/>
+            <p:nvPr/>
+          </p:nvSpPr>
+          <p:spPr>
+            <a:xfrm>
+              <a:off x="3429007" y="2411574"/>
+              <a:ext cx="312906" cy="369332"/>
+            </a:xfrm>
+            <a:prstGeom prst="rect">
+              <a:avLst/>
+            </a:prstGeom>
+            <a:noFill/>
+            <a:ln>
+              <a:noFill/>
+            </a:ln>
+          </p:spPr>
+          <p:txBody>
+            <a:bodyPr wrap="none" rtlCol="0">
+              <a:spAutoFit/>
+            </a:bodyPr>
+            <a:lstStyle/>
+            <a:p>
+              <a:r>
+                <a:rPr lang="en-US" altLang="ja-JP" dirty="0">
+                  <a:latin typeface="Helvetica Neue" panose="02000503000000020004" pitchFamily="2" charset="0"/>
+                  <a:cs typeface="Helvetica Neue" panose="02000503000000020004" pitchFamily="2" charset="0"/>
+                </a:rPr>
+                <a:t>6</a:t>
+              </a:r>
+              <a:endParaRPr kumimoji="1" lang="ja-JP" altLang="en-US">
+                <a:latin typeface="Helvetica Neue" panose="02000503000000020004" pitchFamily="2" charset="0"/>
+                <a:cs typeface="Helvetica Neue" panose="02000503000000020004" pitchFamily="2" charset="0"/>
+              </a:endParaRPr>
+            </a:p>
+          </p:txBody>
+        </p:sp>
+        <p:sp>
+          <p:nvSpPr>
+            <p:cNvPr id="33" name="テキスト ボックス 32">
+              <a:extLst>
+                <a:ext uri="{FF2B5EF4-FFF2-40B4-BE49-F238E27FC236}">
+                  <a16:creationId xmlns:a16="http://schemas.microsoft.com/office/drawing/2014/main" id="{B4359485-138E-DD46-925C-B16F16674581}"/>
+                </a:ext>
+              </a:extLst>
+            </p:cNvPr>
+            <p:cNvSpPr txBox="1"/>
+            <p:nvPr/>
+          </p:nvSpPr>
+          <p:spPr>
+            <a:xfrm>
+              <a:off x="1371609" y="3423947"/>
+              <a:ext cx="312906" cy="369332"/>
+            </a:xfrm>
+            <a:prstGeom prst="rect">
+              <a:avLst/>
+            </a:prstGeom>
+            <a:noFill/>
+            <a:ln>
+              <a:noFill/>
+            </a:ln>
+          </p:spPr>
+          <p:txBody>
+            <a:bodyPr wrap="none" rtlCol="0">
+              <a:spAutoFit/>
+            </a:bodyPr>
+            <a:lstStyle/>
+            <a:p>
+              <a:r>
+                <a:rPr lang="en-US" altLang="ja-JP" dirty="0">
+                  <a:latin typeface="Helvetica Neue" panose="02000503000000020004" pitchFamily="2" charset="0"/>
+                  <a:cs typeface="Helvetica Neue" panose="02000503000000020004" pitchFamily="2" charset="0"/>
+                </a:rPr>
+                <a:t>7</a:t>
+              </a:r>
+              <a:endParaRPr kumimoji="1" lang="ja-JP" altLang="en-US">
+                <a:latin typeface="Helvetica Neue" panose="02000503000000020004" pitchFamily="2" charset="0"/>
+                <a:cs typeface="Helvetica Neue" panose="02000503000000020004" pitchFamily="2" charset="0"/>
+              </a:endParaRPr>
+            </a:p>
+          </p:txBody>
+        </p:sp>
+        <p:sp>
+          <p:nvSpPr>
+            <p:cNvPr id="34" name="テキスト ボックス 33">
+              <a:extLst>
+                <a:ext uri="{FF2B5EF4-FFF2-40B4-BE49-F238E27FC236}">
+                  <a16:creationId xmlns:a16="http://schemas.microsoft.com/office/drawing/2014/main" id="{82C38F7F-A592-424F-932B-CD9C8F4CCBC0}"/>
+                </a:ext>
+              </a:extLst>
+            </p:cNvPr>
+            <p:cNvSpPr txBox="1"/>
+            <p:nvPr/>
+          </p:nvSpPr>
+          <p:spPr>
+            <a:xfrm>
+              <a:off x="2400308" y="3423947"/>
+              <a:ext cx="312906" cy="369332"/>
+            </a:xfrm>
+            <a:prstGeom prst="rect">
+              <a:avLst/>
+            </a:prstGeom>
+            <a:noFill/>
+            <a:ln>
+              <a:noFill/>
+            </a:ln>
+          </p:spPr>
+          <p:txBody>
+            <a:bodyPr wrap="none" rtlCol="0">
+              <a:spAutoFit/>
+            </a:bodyPr>
+            <a:lstStyle/>
+            <a:p>
+              <a:r>
+                <a:rPr lang="en-US" altLang="ja-JP" dirty="0">
+                  <a:latin typeface="Helvetica Neue" panose="02000503000000020004" pitchFamily="2" charset="0"/>
+                  <a:cs typeface="Helvetica Neue" panose="02000503000000020004" pitchFamily="2" charset="0"/>
+                </a:rPr>
+                <a:t>8</a:t>
+              </a:r>
+              <a:endParaRPr kumimoji="1" lang="ja-JP" altLang="en-US">
+                <a:latin typeface="Helvetica Neue" panose="02000503000000020004" pitchFamily="2" charset="0"/>
+                <a:cs typeface="Helvetica Neue" panose="02000503000000020004" pitchFamily="2" charset="0"/>
+              </a:endParaRPr>
+            </a:p>
+          </p:txBody>
+        </p:sp>
+        <p:sp>
+          <p:nvSpPr>
+            <p:cNvPr id="35" name="テキスト ボックス 34">
+              <a:extLst>
+                <a:ext uri="{FF2B5EF4-FFF2-40B4-BE49-F238E27FC236}">
+                  <a16:creationId xmlns:a16="http://schemas.microsoft.com/office/drawing/2014/main" id="{927C358F-32B2-9749-A18C-F30F84698008}"/>
+                </a:ext>
+              </a:extLst>
+            </p:cNvPr>
+            <p:cNvSpPr txBox="1"/>
+            <p:nvPr/>
+          </p:nvSpPr>
+          <p:spPr>
+            <a:xfrm>
+              <a:off x="3429008" y="3423947"/>
+              <a:ext cx="312906" cy="369332"/>
+            </a:xfrm>
+            <a:prstGeom prst="rect">
+              <a:avLst/>
+            </a:prstGeom>
+            <a:noFill/>
+            <a:ln>
+              <a:noFill/>
+            </a:ln>
+          </p:spPr>
+          <p:txBody>
+            <a:bodyPr wrap="none" rtlCol="0">
+              <a:spAutoFit/>
+            </a:bodyPr>
+            <a:lstStyle/>
+            <a:p>
+              <a:r>
+                <a:rPr lang="en-US" altLang="ja-JP" dirty="0">
+                  <a:latin typeface="Helvetica Neue" panose="02000503000000020004" pitchFamily="2" charset="0"/>
+                  <a:cs typeface="Helvetica Neue" panose="02000503000000020004" pitchFamily="2" charset="0"/>
+                </a:rPr>
+                <a:t>9</a:t>
+              </a:r>
+              <a:endParaRPr kumimoji="1" lang="ja-JP" altLang="en-US">
+                <a:latin typeface="Helvetica Neue" panose="02000503000000020004" pitchFamily="2" charset="0"/>
+                <a:cs typeface="Helvetica Neue" panose="02000503000000020004" pitchFamily="2" charset="0"/>
+              </a:endParaRPr>
+            </a:p>
+          </p:txBody>
+        </p:sp>
+      </p:grpSp>
+      <p:grpSp>
+        <p:nvGrpSpPr>
+          <p:cNvPr id="41" name="グループ化 40">
+            <a:extLst>
+              <a:ext uri="{FF2B5EF4-FFF2-40B4-BE49-F238E27FC236}">
+                <a16:creationId xmlns:a16="http://schemas.microsoft.com/office/drawing/2014/main" id="{F94BEE84-CDFE-1649-B37B-303817CC9BAB}"/>
+              </a:ext>
+            </a:extLst>
+          </p:cNvPr>
+          <p:cNvGrpSpPr/>
+          <p:nvPr/>
+        </p:nvGrpSpPr>
+        <p:grpSpPr>
+          <a:xfrm>
+            <a:off x="1888320" y="1136584"/>
+            <a:ext cx="3064678" cy="2899019"/>
+            <a:chOff x="865065" y="1136588"/>
+            <a:chExt cx="3064678" cy="2899019"/>
+          </a:xfrm>
+        </p:grpSpPr>
+        <p:grpSp>
+          <p:nvGrpSpPr>
+            <p:cNvPr id="42" name="グループ化 41">
+              <a:extLst>
+                <a:ext uri="{FF2B5EF4-FFF2-40B4-BE49-F238E27FC236}">
+                  <a16:creationId xmlns:a16="http://schemas.microsoft.com/office/drawing/2014/main" id="{261FB462-0865-D042-8B52-06D60767A835}"/>
+                </a:ext>
+              </a:extLst>
+            </p:cNvPr>
+            <p:cNvGrpSpPr/>
+            <p:nvPr/>
+          </p:nvGrpSpPr>
+          <p:grpSpPr>
+            <a:xfrm>
+              <a:off x="865065" y="1136588"/>
+              <a:ext cx="3064678" cy="2899019"/>
+              <a:chOff x="865065" y="1136588"/>
+              <a:chExt cx="3064678" cy="2899019"/>
+            </a:xfrm>
+          </p:grpSpPr>
+          <p:pic>
+            <p:nvPicPr>
+              <p:cNvPr id="52" name="図 51">
+                <a:extLst>
+                  <a:ext uri="{FF2B5EF4-FFF2-40B4-BE49-F238E27FC236}">
+                    <a16:creationId xmlns:a16="http://schemas.microsoft.com/office/drawing/2014/main" id="{D3518564-5094-2249-853E-01BE0B5A4589}"/>
+                  </a:ext>
+                </a:extLst>
+              </p:cNvPr>
+              <p:cNvPicPr>
+                <a:picLocks noChangeAspect="1"/>
+              </p:cNvPicPr>
+              <p:nvPr/>
+            </p:nvPicPr>
+            <p:blipFill>
+              <a:blip r:embed="rId2"/>
+              <a:stretch>
+                <a:fillRect/>
+              </a:stretch>
+            </p:blipFill>
+            <p:spPr>
+              <a:xfrm>
+                <a:off x="865065" y="1136588"/>
+                <a:ext cx="3064678" cy="2899019"/>
+              </a:xfrm>
+              <a:prstGeom prst="rect">
+                <a:avLst/>
+              </a:prstGeom>
+              <a:ln>
+                <a:noFill/>
+              </a:ln>
+            </p:spPr>
+          </p:pic>
+          <p:sp>
+            <p:nvSpPr>
+              <p:cNvPr id="53" name="正方形/長方形 52">
+                <a:extLst>
+                  <a:ext uri="{FF2B5EF4-FFF2-40B4-BE49-F238E27FC236}">
+                    <a16:creationId xmlns:a16="http://schemas.microsoft.com/office/drawing/2014/main" id="{A492BD56-6CE6-8542-A2F0-8D3D7405A675}"/>
+                  </a:ext>
+                </a:extLst>
+              </p:cNvPr>
+              <p:cNvSpPr/>
+              <p:nvPr/>
+            </p:nvSpPr>
+            <p:spPr>
+              <a:xfrm>
+                <a:off x="3178630" y="1850571"/>
+                <a:ext cx="341494" cy="381001"/>
+              </a:xfrm>
+              <a:prstGeom prst="rect">
+                <a:avLst/>
+              </a:prstGeom>
+              <a:ln>
+                <a:noFill/>
+              </a:ln>
+            </p:spPr>
+            <p:style>
+              <a:lnRef idx="2">
+                <a:schemeClr val="dk1"/>
+              </a:lnRef>
+              <a:fillRef idx="1">
+                <a:schemeClr val="lt1"/>
+              </a:fillRef>
+              <a:effectRef idx="0">
+                <a:schemeClr val="dk1"/>
+              </a:effectRef>
+              <a:fontRef idx="minor">
+                <a:schemeClr val="dk1"/>
+              </a:fontRef>
+            </p:style>
+            <p:txBody>
+              <a:bodyPr rtlCol="0" anchor="ctr"/>
+              <a:lstStyle/>
+              <a:p>
+                <a:pPr algn="ctr"/>
+                <a:endParaRPr kumimoji="1" lang="ja-JP" altLang="en-US"/>
+              </a:p>
+            </p:txBody>
+          </p:sp>
+          <p:sp>
+            <p:nvSpPr>
+              <p:cNvPr id="54" name="正方形/長方形 53">
+                <a:extLst>
+                  <a:ext uri="{FF2B5EF4-FFF2-40B4-BE49-F238E27FC236}">
+                    <a16:creationId xmlns:a16="http://schemas.microsoft.com/office/drawing/2014/main" id="{D6261515-C60B-BC49-9D5D-3868DE223939}"/>
+                  </a:ext>
+                </a:extLst>
+              </p:cNvPr>
+              <p:cNvSpPr/>
+              <p:nvPr/>
+            </p:nvSpPr>
+            <p:spPr>
+              <a:xfrm>
+                <a:off x="2928260" y="2090057"/>
+                <a:ext cx="341494" cy="381001"/>
+              </a:xfrm>
+              <a:prstGeom prst="rect">
+                <a:avLst/>
+              </a:prstGeom>
+              <a:ln>
+                <a:noFill/>
+              </a:ln>
+            </p:spPr>
+            <p:style>
+              <a:lnRef idx="2">
+                <a:schemeClr val="dk1"/>
+              </a:lnRef>
+              <a:fillRef idx="1">
+                <a:schemeClr val="lt1"/>
+              </a:fillRef>
+              <a:effectRef idx="0">
+                <a:schemeClr val="dk1"/>
+              </a:effectRef>
+              <a:fontRef idx="minor">
+                <a:schemeClr val="dk1"/>
+              </a:fontRef>
+            </p:style>
+            <p:txBody>
+              <a:bodyPr rtlCol="0" anchor="ctr"/>
+              <a:lstStyle/>
+              <a:p>
+                <a:pPr algn="ctr"/>
+                <a:endParaRPr kumimoji="1" lang="ja-JP" altLang="en-US"/>
+              </a:p>
+            </p:txBody>
+          </p:sp>
+          <p:sp>
+            <p:nvSpPr>
+              <p:cNvPr id="55" name="正方形/長方形 54">
+                <a:extLst>
+                  <a:ext uri="{FF2B5EF4-FFF2-40B4-BE49-F238E27FC236}">
+                    <a16:creationId xmlns:a16="http://schemas.microsoft.com/office/drawing/2014/main" id="{6038F9E8-2AEC-F244-B1E0-DFCC6AB0EFF8}"/>
+                  </a:ext>
+                </a:extLst>
+              </p:cNvPr>
+              <p:cNvSpPr/>
+              <p:nvPr/>
+            </p:nvSpPr>
+            <p:spPr>
+              <a:xfrm>
+                <a:off x="3113318" y="2895599"/>
+                <a:ext cx="341494" cy="381001"/>
+              </a:xfrm>
+              <a:prstGeom prst="rect">
+                <a:avLst/>
+              </a:prstGeom>
+              <a:ln>
+                <a:noFill/>
+              </a:ln>
+            </p:spPr>
+            <p:style>
+              <a:lnRef idx="2">
+                <a:schemeClr val="dk1"/>
+              </a:lnRef>
+              <a:fillRef idx="1">
+                <a:schemeClr val="lt1"/>
+              </a:fillRef>
+              <a:effectRef idx="0">
+                <a:schemeClr val="dk1"/>
+              </a:effectRef>
+              <a:fontRef idx="minor">
+                <a:schemeClr val="dk1"/>
+              </a:fontRef>
+            </p:style>
+            <p:txBody>
+              <a:bodyPr rtlCol="0" anchor="ctr"/>
+              <a:lstStyle/>
+              <a:p>
+                <a:pPr algn="ctr"/>
+                <a:endParaRPr kumimoji="1" lang="ja-JP" altLang="en-US"/>
+              </a:p>
+            </p:txBody>
+          </p:sp>
+          <p:sp>
+            <p:nvSpPr>
+              <p:cNvPr id="56" name="正方形/長方形 55">
+                <a:extLst>
+                  <a:ext uri="{FF2B5EF4-FFF2-40B4-BE49-F238E27FC236}">
+                    <a16:creationId xmlns:a16="http://schemas.microsoft.com/office/drawing/2014/main" id="{56193896-7376-184B-BB89-05A079189BFB}"/>
+                  </a:ext>
+                </a:extLst>
+              </p:cNvPr>
+              <p:cNvSpPr/>
+              <p:nvPr/>
+            </p:nvSpPr>
+            <p:spPr>
+              <a:xfrm>
+                <a:off x="2939145" y="3091543"/>
+                <a:ext cx="341494" cy="381001"/>
+              </a:xfrm>
+              <a:prstGeom prst="rect">
+                <a:avLst/>
+              </a:prstGeom>
+              <a:ln>
+                <a:noFill/>
+              </a:ln>
+            </p:spPr>
+            <p:style>
+              <a:lnRef idx="2">
+                <a:schemeClr val="dk1"/>
+              </a:lnRef>
+              <a:fillRef idx="1">
+                <a:schemeClr val="lt1"/>
+              </a:fillRef>
+              <a:effectRef idx="0">
+                <a:schemeClr val="dk1"/>
+              </a:effectRef>
+              <a:fontRef idx="minor">
+                <a:schemeClr val="dk1"/>
+              </a:fontRef>
+            </p:style>
+            <p:txBody>
+              <a:bodyPr rtlCol="0" anchor="ctr"/>
+              <a:lstStyle/>
+              <a:p>
+                <a:pPr algn="ctr"/>
+                <a:endParaRPr kumimoji="1" lang="ja-JP" altLang="en-US"/>
+              </a:p>
+            </p:txBody>
+          </p:sp>
+          <p:sp>
+            <p:nvSpPr>
+              <p:cNvPr id="57" name="正方形/長方形 56">
+                <a:extLst>
+                  <a:ext uri="{FF2B5EF4-FFF2-40B4-BE49-F238E27FC236}">
+                    <a16:creationId xmlns:a16="http://schemas.microsoft.com/office/drawing/2014/main" id="{45CA9F67-C69B-B641-9D6F-6F30602698B5}"/>
+                  </a:ext>
+                </a:extLst>
+              </p:cNvPr>
+              <p:cNvSpPr/>
+              <p:nvPr/>
+            </p:nvSpPr>
+            <p:spPr>
+              <a:xfrm>
+                <a:off x="1883231" y="3113314"/>
+                <a:ext cx="341494" cy="381001"/>
+              </a:xfrm>
+              <a:prstGeom prst="rect">
+                <a:avLst/>
+              </a:prstGeom>
+              <a:ln>
+                <a:noFill/>
+              </a:ln>
+            </p:spPr>
+            <p:style>
+              <a:lnRef idx="2">
+                <a:schemeClr val="dk1"/>
+              </a:lnRef>
+              <a:fillRef idx="1">
+                <a:schemeClr val="lt1"/>
+              </a:fillRef>
+              <a:effectRef idx="0">
+                <a:schemeClr val="dk1"/>
+              </a:effectRef>
+              <a:fontRef idx="minor">
+                <a:schemeClr val="dk1"/>
+              </a:fontRef>
+            </p:style>
+            <p:txBody>
+              <a:bodyPr rtlCol="0" anchor="ctr"/>
+              <a:lstStyle/>
+              <a:p>
+                <a:pPr algn="ctr"/>
+                <a:endParaRPr kumimoji="1" lang="ja-JP" altLang="en-US"/>
+              </a:p>
+            </p:txBody>
+          </p:sp>
+          <p:sp>
+            <p:nvSpPr>
+              <p:cNvPr id="58" name="正方形/長方形 57">
+                <a:extLst>
+                  <a:ext uri="{FF2B5EF4-FFF2-40B4-BE49-F238E27FC236}">
+                    <a16:creationId xmlns:a16="http://schemas.microsoft.com/office/drawing/2014/main" id="{F1721EC4-E5E2-4C45-9E58-1E2FBE817A18}"/>
+                  </a:ext>
+                </a:extLst>
+              </p:cNvPr>
+              <p:cNvSpPr/>
+              <p:nvPr/>
+            </p:nvSpPr>
+            <p:spPr>
+              <a:xfrm>
+                <a:off x="2100947" y="2917371"/>
+                <a:ext cx="341494" cy="381001"/>
+              </a:xfrm>
+              <a:prstGeom prst="rect">
+                <a:avLst/>
+              </a:prstGeom>
+              <a:ln>
+                <a:noFill/>
+              </a:ln>
+            </p:spPr>
+            <p:style>
+              <a:lnRef idx="2">
+                <a:schemeClr val="dk1"/>
+              </a:lnRef>
+              <a:fillRef idx="1">
+                <a:schemeClr val="lt1"/>
+              </a:fillRef>
+              <a:effectRef idx="0">
+                <a:schemeClr val="dk1"/>
+              </a:effectRef>
+              <a:fontRef idx="minor">
+                <a:schemeClr val="dk1"/>
+              </a:fontRef>
+            </p:style>
+            <p:txBody>
+              <a:bodyPr rtlCol="0" anchor="ctr"/>
+              <a:lstStyle/>
+              <a:p>
+                <a:pPr algn="ctr"/>
+                <a:endParaRPr kumimoji="1" lang="ja-JP" altLang="en-US"/>
+              </a:p>
+            </p:txBody>
+          </p:sp>
+          <p:sp>
+            <p:nvSpPr>
+              <p:cNvPr id="59" name="正方形/長方形 58">
+                <a:extLst>
+                  <a:ext uri="{FF2B5EF4-FFF2-40B4-BE49-F238E27FC236}">
+                    <a16:creationId xmlns:a16="http://schemas.microsoft.com/office/drawing/2014/main" id="{0B05B713-7035-E04B-B821-015F5C5C83EF}"/>
+                  </a:ext>
+                </a:extLst>
+              </p:cNvPr>
+              <p:cNvSpPr/>
+              <p:nvPr/>
+            </p:nvSpPr>
+            <p:spPr>
+              <a:xfrm>
+                <a:off x="1132118" y="2939140"/>
+                <a:ext cx="341494" cy="381001"/>
+              </a:xfrm>
+              <a:prstGeom prst="rect">
+                <a:avLst/>
+              </a:prstGeom>
+              <a:ln>
+                <a:noFill/>
+              </a:ln>
+            </p:spPr>
+            <p:style>
+              <a:lnRef idx="2">
+                <a:schemeClr val="dk1"/>
+              </a:lnRef>
+              <a:fillRef idx="1">
+                <a:schemeClr val="lt1"/>
+              </a:fillRef>
+              <a:effectRef idx="0">
+                <a:schemeClr val="dk1"/>
+              </a:effectRef>
+              <a:fontRef idx="minor">
+                <a:schemeClr val="dk1"/>
+              </a:fontRef>
+            </p:style>
+            <p:txBody>
+              <a:bodyPr rtlCol="0" anchor="ctr"/>
+              <a:lstStyle/>
+              <a:p>
+                <a:pPr algn="ctr"/>
+                <a:endParaRPr kumimoji="1" lang="ja-JP" altLang="en-US"/>
+              </a:p>
+            </p:txBody>
+          </p:sp>
+          <p:sp>
+            <p:nvSpPr>
+              <p:cNvPr id="60" name="正方形/長方形 59">
+                <a:extLst>
+                  <a:ext uri="{FF2B5EF4-FFF2-40B4-BE49-F238E27FC236}">
+                    <a16:creationId xmlns:a16="http://schemas.microsoft.com/office/drawing/2014/main" id="{F6169CAD-E1DE-F244-96CD-7A9861466EC8}"/>
+                  </a:ext>
+                </a:extLst>
+              </p:cNvPr>
+              <p:cNvSpPr/>
+              <p:nvPr/>
+            </p:nvSpPr>
+            <p:spPr>
+              <a:xfrm>
+                <a:off x="1121232" y="1872341"/>
+                <a:ext cx="341494" cy="381001"/>
+              </a:xfrm>
+              <a:prstGeom prst="rect">
+                <a:avLst/>
+              </a:prstGeom>
+              <a:ln>
+                <a:noFill/>
+              </a:ln>
+            </p:spPr>
+            <p:style>
+              <a:lnRef idx="2">
+                <a:schemeClr val="dk1"/>
+              </a:lnRef>
+              <a:fillRef idx="1">
+                <a:schemeClr val="lt1"/>
+              </a:fillRef>
+              <a:effectRef idx="0">
+                <a:schemeClr val="dk1"/>
+              </a:effectRef>
+              <a:fontRef idx="minor">
+                <a:schemeClr val="dk1"/>
+              </a:fontRef>
+            </p:style>
+            <p:txBody>
+              <a:bodyPr rtlCol="0" anchor="ctr"/>
+              <a:lstStyle/>
+              <a:p>
+                <a:pPr algn="ctr"/>
+                <a:endParaRPr kumimoji="1" lang="ja-JP" altLang="en-US"/>
+              </a:p>
+            </p:txBody>
+          </p:sp>
+          <p:sp>
+            <p:nvSpPr>
+              <p:cNvPr id="61" name="正方形/長方形 60">
+                <a:extLst>
+                  <a:ext uri="{FF2B5EF4-FFF2-40B4-BE49-F238E27FC236}">
+                    <a16:creationId xmlns:a16="http://schemas.microsoft.com/office/drawing/2014/main" id="{BC41F90F-A629-4D4E-A9DB-74262EF3DEA6}"/>
+                  </a:ext>
+                </a:extLst>
+              </p:cNvPr>
+              <p:cNvSpPr/>
+              <p:nvPr/>
+            </p:nvSpPr>
+            <p:spPr>
+              <a:xfrm>
+                <a:off x="1894117" y="2111829"/>
+                <a:ext cx="341494" cy="381001"/>
+              </a:xfrm>
+              <a:prstGeom prst="rect">
+                <a:avLst/>
+              </a:prstGeom>
+              <a:ln>
+                <a:noFill/>
+              </a:ln>
+            </p:spPr>
+            <p:style>
+              <a:lnRef idx="2">
+                <a:schemeClr val="dk1"/>
+              </a:lnRef>
+              <a:fillRef idx="1">
+                <a:schemeClr val="lt1"/>
+              </a:fillRef>
+              <a:effectRef idx="0">
+                <a:schemeClr val="dk1"/>
+              </a:effectRef>
+              <a:fontRef idx="minor">
+                <a:schemeClr val="dk1"/>
+              </a:fontRef>
+            </p:style>
+            <p:txBody>
+              <a:bodyPr rtlCol="0" anchor="ctr"/>
+              <a:lstStyle/>
+              <a:p>
+                <a:pPr algn="ctr"/>
+                <a:endParaRPr kumimoji="1" lang="ja-JP" altLang="en-US"/>
+              </a:p>
+            </p:txBody>
+          </p:sp>
+          <p:sp>
+            <p:nvSpPr>
+              <p:cNvPr id="62" name="正方形/長方形 61">
+                <a:extLst>
+                  <a:ext uri="{FF2B5EF4-FFF2-40B4-BE49-F238E27FC236}">
+                    <a16:creationId xmlns:a16="http://schemas.microsoft.com/office/drawing/2014/main" id="{C531D28F-9D79-E54C-A36B-DF09A9D0894D}"/>
+                  </a:ext>
+                </a:extLst>
+              </p:cNvPr>
+              <p:cNvSpPr/>
+              <p:nvPr/>
+            </p:nvSpPr>
+            <p:spPr>
+              <a:xfrm>
+                <a:off x="2144491" y="1894113"/>
+                <a:ext cx="341494" cy="381001"/>
+              </a:xfrm>
+              <a:prstGeom prst="rect">
+                <a:avLst/>
+              </a:prstGeom>
+              <a:ln>
+                <a:noFill/>
+              </a:ln>
+            </p:spPr>
+            <p:style>
+              <a:lnRef idx="2">
+                <a:schemeClr val="dk1"/>
+              </a:lnRef>
+              <a:fillRef idx="1">
+                <a:schemeClr val="lt1"/>
+              </a:fillRef>
+              <a:effectRef idx="0">
+                <a:schemeClr val="dk1"/>
+              </a:effectRef>
+              <a:fontRef idx="minor">
+                <a:schemeClr val="dk1"/>
+              </a:fontRef>
+            </p:style>
+            <p:txBody>
+              <a:bodyPr rtlCol="0" anchor="ctr"/>
+              <a:lstStyle/>
+              <a:p>
+                <a:pPr algn="ctr"/>
+                <a:endParaRPr kumimoji="1" lang="ja-JP" altLang="en-US"/>
+              </a:p>
+            </p:txBody>
+          </p:sp>
+          <p:sp>
+            <p:nvSpPr>
+              <p:cNvPr id="63" name="正方形/長方形 62">
+                <a:extLst>
+                  <a:ext uri="{FF2B5EF4-FFF2-40B4-BE49-F238E27FC236}">
+                    <a16:creationId xmlns:a16="http://schemas.microsoft.com/office/drawing/2014/main" id="{7D1F8157-187F-2F4C-8781-916F4B9829AD}"/>
+                  </a:ext>
+                </a:extLst>
+              </p:cNvPr>
+              <p:cNvSpPr/>
+              <p:nvPr/>
+            </p:nvSpPr>
+            <p:spPr>
+              <a:xfrm>
+                <a:off x="1915891" y="1251856"/>
+                <a:ext cx="341494" cy="228602"/>
+              </a:xfrm>
+              <a:prstGeom prst="rect">
+                <a:avLst/>
+              </a:prstGeom>
+              <a:ln>
+                <a:noFill/>
+              </a:ln>
+            </p:spPr>
+            <p:style>
+              <a:lnRef idx="2">
+                <a:schemeClr val="dk1"/>
+              </a:lnRef>
+              <a:fillRef idx="1">
+                <a:schemeClr val="lt1"/>
+              </a:fillRef>
+              <a:effectRef idx="0">
+                <a:schemeClr val="dk1"/>
+              </a:effectRef>
+              <a:fontRef idx="minor">
+                <a:schemeClr val="dk1"/>
+              </a:fontRef>
+            </p:style>
+            <p:txBody>
+              <a:bodyPr rtlCol="0" anchor="ctr"/>
+              <a:lstStyle/>
+              <a:p>
+                <a:pPr algn="ctr"/>
+                <a:endParaRPr kumimoji="1" lang="ja-JP" altLang="en-US"/>
+              </a:p>
+            </p:txBody>
+          </p:sp>
+          <p:sp>
+            <p:nvSpPr>
+              <p:cNvPr id="64" name="正方形/長方形 63">
+                <a:extLst>
+                  <a:ext uri="{FF2B5EF4-FFF2-40B4-BE49-F238E27FC236}">
+                    <a16:creationId xmlns:a16="http://schemas.microsoft.com/office/drawing/2014/main" id="{AF4CCBC6-3508-2343-8C81-364E8D79AB0B}"/>
+                  </a:ext>
+                </a:extLst>
+              </p:cNvPr>
+              <p:cNvSpPr/>
+              <p:nvPr/>
+            </p:nvSpPr>
+            <p:spPr>
+              <a:xfrm>
+                <a:off x="2928264" y="1262743"/>
+                <a:ext cx="341494" cy="228602"/>
+              </a:xfrm>
+              <a:prstGeom prst="rect">
+                <a:avLst/>
+              </a:prstGeom>
+              <a:ln>
+                <a:noFill/>
+              </a:ln>
+            </p:spPr>
+            <p:style>
+              <a:lnRef idx="2">
+                <a:schemeClr val="dk1"/>
+              </a:lnRef>
+              <a:fillRef idx="1">
+                <a:schemeClr val="lt1"/>
+              </a:fillRef>
+              <a:effectRef idx="0">
+                <a:schemeClr val="dk1"/>
+              </a:effectRef>
+              <a:fontRef idx="minor">
+                <a:schemeClr val="dk1"/>
+              </a:fontRef>
+            </p:style>
+            <p:txBody>
+              <a:bodyPr rtlCol="0" anchor="ctr"/>
+              <a:lstStyle/>
+              <a:p>
+                <a:pPr algn="ctr"/>
+                <a:endParaRPr kumimoji="1" lang="ja-JP" altLang="en-US"/>
+              </a:p>
+            </p:txBody>
+          </p:sp>
+          <p:sp>
+            <p:nvSpPr>
+              <p:cNvPr id="65" name="正方形/長方形 64">
+                <a:extLst>
+                  <a:ext uri="{FF2B5EF4-FFF2-40B4-BE49-F238E27FC236}">
+                    <a16:creationId xmlns:a16="http://schemas.microsoft.com/office/drawing/2014/main" id="{1DD7C9C5-4656-5E40-9B2B-30EA0BFFAB38}"/>
+                  </a:ext>
+                </a:extLst>
+              </p:cNvPr>
+              <p:cNvSpPr/>
+              <p:nvPr/>
+            </p:nvSpPr>
+            <p:spPr>
+              <a:xfrm>
+                <a:off x="3407236" y="1447801"/>
+                <a:ext cx="341494" cy="228602"/>
+              </a:xfrm>
+              <a:prstGeom prst="rect">
+                <a:avLst/>
+              </a:prstGeom>
+              <a:ln>
+                <a:noFill/>
+              </a:ln>
+            </p:spPr>
+            <p:style>
+              <a:lnRef idx="2">
+                <a:schemeClr val="dk1"/>
+              </a:lnRef>
+              <a:fillRef idx="1">
+                <a:schemeClr val="lt1"/>
+              </a:fillRef>
+              <a:effectRef idx="0">
+                <a:schemeClr val="dk1"/>
+              </a:effectRef>
+              <a:fontRef idx="minor">
+                <a:schemeClr val="dk1"/>
+              </a:fontRef>
+            </p:style>
+            <p:txBody>
+              <a:bodyPr rtlCol="0" anchor="ctr"/>
+              <a:lstStyle/>
+              <a:p>
+                <a:pPr algn="ctr"/>
+                <a:endParaRPr kumimoji="1" lang="ja-JP" altLang="en-US"/>
+              </a:p>
+            </p:txBody>
+          </p:sp>
+          <p:sp>
+            <p:nvSpPr>
+              <p:cNvPr id="66" name="正方形/長方形 65">
+                <a:extLst>
+                  <a:ext uri="{FF2B5EF4-FFF2-40B4-BE49-F238E27FC236}">
+                    <a16:creationId xmlns:a16="http://schemas.microsoft.com/office/drawing/2014/main" id="{05176103-7F86-B54C-B027-F2087FC2341F}"/>
+                  </a:ext>
+                </a:extLst>
+              </p:cNvPr>
+              <p:cNvSpPr/>
+              <p:nvPr/>
+            </p:nvSpPr>
+            <p:spPr>
+              <a:xfrm>
+                <a:off x="3407236" y="2471061"/>
+                <a:ext cx="341494" cy="228602"/>
+              </a:xfrm>
+              <a:prstGeom prst="rect">
+                <a:avLst/>
+              </a:prstGeom>
+              <a:ln>
+                <a:noFill/>
+              </a:ln>
+            </p:spPr>
+            <p:style>
+              <a:lnRef idx="2">
+                <a:schemeClr val="dk1"/>
+              </a:lnRef>
+              <a:fillRef idx="1">
+                <a:schemeClr val="lt1"/>
+              </a:fillRef>
+              <a:effectRef idx="0">
+                <a:schemeClr val="dk1"/>
+              </a:effectRef>
+              <a:fontRef idx="minor">
+                <a:schemeClr val="dk1"/>
+              </a:fontRef>
+            </p:style>
+            <p:txBody>
+              <a:bodyPr rtlCol="0" anchor="ctr"/>
+              <a:lstStyle/>
+              <a:p>
+                <a:pPr algn="ctr"/>
+                <a:endParaRPr kumimoji="1" lang="ja-JP" altLang="en-US"/>
+              </a:p>
+            </p:txBody>
+          </p:sp>
+          <p:sp>
+            <p:nvSpPr>
+              <p:cNvPr id="67" name="正方形/長方形 66">
+                <a:extLst>
+                  <a:ext uri="{FF2B5EF4-FFF2-40B4-BE49-F238E27FC236}">
+                    <a16:creationId xmlns:a16="http://schemas.microsoft.com/office/drawing/2014/main" id="{995FCFA4-CD64-694A-8B49-20552FDA2DCB}"/>
+                  </a:ext>
+                </a:extLst>
+              </p:cNvPr>
+              <p:cNvSpPr/>
+              <p:nvPr/>
+            </p:nvSpPr>
+            <p:spPr>
+              <a:xfrm>
+                <a:off x="3407235" y="3494316"/>
+                <a:ext cx="341494" cy="228602"/>
+              </a:xfrm>
+              <a:prstGeom prst="rect">
+                <a:avLst/>
+              </a:prstGeom>
+              <a:ln>
+                <a:noFill/>
+              </a:ln>
+            </p:spPr>
+            <p:style>
+              <a:lnRef idx="2">
+                <a:schemeClr val="dk1"/>
+              </a:lnRef>
+              <a:fillRef idx="1">
+                <a:schemeClr val="lt1"/>
+              </a:fillRef>
+              <a:effectRef idx="0">
+                <a:schemeClr val="dk1"/>
+              </a:effectRef>
+              <a:fontRef idx="minor">
+                <a:schemeClr val="dk1"/>
+              </a:fontRef>
+            </p:style>
+            <p:txBody>
+              <a:bodyPr rtlCol="0" anchor="ctr"/>
+              <a:lstStyle/>
+              <a:p>
+                <a:pPr algn="ctr"/>
+                <a:endParaRPr kumimoji="1" lang="ja-JP" altLang="en-US"/>
+              </a:p>
+            </p:txBody>
+          </p:sp>
+          <p:sp>
+            <p:nvSpPr>
+              <p:cNvPr id="68" name="正方形/長方形 67">
+                <a:extLst>
+                  <a:ext uri="{FF2B5EF4-FFF2-40B4-BE49-F238E27FC236}">
+                    <a16:creationId xmlns:a16="http://schemas.microsoft.com/office/drawing/2014/main" id="{089CEF65-6DF5-4447-BB70-0D5251DE1F08}"/>
+                  </a:ext>
+                </a:extLst>
+              </p:cNvPr>
+              <p:cNvSpPr/>
+              <p:nvPr/>
+            </p:nvSpPr>
+            <p:spPr>
+              <a:xfrm>
+                <a:off x="2362208" y="3505198"/>
+                <a:ext cx="341494" cy="228602"/>
+              </a:xfrm>
+              <a:prstGeom prst="rect">
+                <a:avLst/>
+              </a:prstGeom>
+              <a:ln>
+                <a:noFill/>
+              </a:ln>
+            </p:spPr>
+            <p:style>
+              <a:lnRef idx="2">
+                <a:schemeClr val="dk1"/>
+              </a:lnRef>
+              <a:fillRef idx="1">
+                <a:schemeClr val="lt1"/>
+              </a:fillRef>
+              <a:effectRef idx="0">
+                <a:schemeClr val="dk1"/>
+              </a:effectRef>
+              <a:fontRef idx="minor">
+                <a:schemeClr val="dk1"/>
+              </a:fontRef>
+            </p:style>
+            <p:txBody>
+              <a:bodyPr rtlCol="0" anchor="ctr"/>
+              <a:lstStyle/>
+              <a:p>
+                <a:pPr algn="ctr"/>
+                <a:endParaRPr kumimoji="1" lang="ja-JP" altLang="en-US"/>
+              </a:p>
+            </p:txBody>
+          </p:sp>
+          <p:sp>
+            <p:nvSpPr>
+              <p:cNvPr id="69" name="正方形/長方形 68">
+                <a:extLst>
+                  <a:ext uri="{FF2B5EF4-FFF2-40B4-BE49-F238E27FC236}">
+                    <a16:creationId xmlns:a16="http://schemas.microsoft.com/office/drawing/2014/main" id="{07444ED8-2C7C-104C-9266-3FD4C5482DDE}"/>
+                  </a:ext>
+                </a:extLst>
+              </p:cNvPr>
+              <p:cNvSpPr/>
+              <p:nvPr/>
+            </p:nvSpPr>
+            <p:spPr>
+              <a:xfrm>
+                <a:off x="1328066" y="3516084"/>
+                <a:ext cx="341494" cy="228602"/>
+              </a:xfrm>
+              <a:prstGeom prst="rect">
+                <a:avLst/>
+              </a:prstGeom>
+              <a:ln>
+                <a:noFill/>
+              </a:ln>
+            </p:spPr>
+            <p:style>
+              <a:lnRef idx="2">
+                <a:schemeClr val="dk1"/>
+              </a:lnRef>
+              <a:fillRef idx="1">
+                <a:schemeClr val="lt1"/>
+              </a:fillRef>
+              <a:effectRef idx="0">
+                <a:schemeClr val="dk1"/>
+              </a:effectRef>
+              <a:fontRef idx="minor">
+                <a:schemeClr val="dk1"/>
+              </a:fontRef>
+            </p:style>
+            <p:txBody>
+              <a:bodyPr rtlCol="0" anchor="ctr"/>
+              <a:lstStyle/>
+              <a:p>
+                <a:pPr algn="ctr"/>
+                <a:endParaRPr kumimoji="1" lang="ja-JP" altLang="en-US"/>
+              </a:p>
+            </p:txBody>
+          </p:sp>
+          <p:sp>
+            <p:nvSpPr>
+              <p:cNvPr id="70" name="正方形/長方形 69">
+                <a:extLst>
+                  <a:ext uri="{FF2B5EF4-FFF2-40B4-BE49-F238E27FC236}">
+                    <a16:creationId xmlns:a16="http://schemas.microsoft.com/office/drawing/2014/main" id="{74197E5B-6902-2B46-ABC2-D8774F8264AA}"/>
+                  </a:ext>
+                </a:extLst>
+              </p:cNvPr>
+              <p:cNvSpPr/>
+              <p:nvPr/>
+            </p:nvSpPr>
+            <p:spPr>
+              <a:xfrm>
+                <a:off x="1338950" y="2481941"/>
+                <a:ext cx="341494" cy="228602"/>
+              </a:xfrm>
+              <a:prstGeom prst="rect">
+                <a:avLst/>
+              </a:prstGeom>
+              <a:ln>
+                <a:noFill/>
+              </a:ln>
+            </p:spPr>
+            <p:style>
+              <a:lnRef idx="2">
+                <a:schemeClr val="dk1"/>
+              </a:lnRef>
+              <a:fillRef idx="1">
+                <a:schemeClr val="lt1"/>
+              </a:fillRef>
+              <a:effectRef idx="0">
+                <a:schemeClr val="dk1"/>
+              </a:effectRef>
+              <a:fontRef idx="minor">
+                <a:schemeClr val="dk1"/>
+              </a:fontRef>
+            </p:style>
+            <p:txBody>
+              <a:bodyPr rtlCol="0" anchor="ctr"/>
+              <a:lstStyle/>
+              <a:p>
+                <a:pPr algn="ctr"/>
+                <a:endParaRPr kumimoji="1" lang="ja-JP" altLang="en-US"/>
+              </a:p>
+            </p:txBody>
+          </p:sp>
+          <p:sp>
+            <p:nvSpPr>
+              <p:cNvPr id="71" name="正方形/長方形 70">
+                <a:extLst>
+                  <a:ext uri="{FF2B5EF4-FFF2-40B4-BE49-F238E27FC236}">
+                    <a16:creationId xmlns:a16="http://schemas.microsoft.com/office/drawing/2014/main" id="{2934F0E5-941F-8B4D-ACD0-AF696BDBB850}"/>
+                  </a:ext>
+                </a:extLst>
+              </p:cNvPr>
+              <p:cNvSpPr/>
+              <p:nvPr/>
+            </p:nvSpPr>
+            <p:spPr>
+              <a:xfrm>
+                <a:off x="2373092" y="2481940"/>
+                <a:ext cx="341494" cy="228602"/>
+              </a:xfrm>
+              <a:prstGeom prst="rect">
+                <a:avLst/>
+              </a:prstGeom>
+              <a:ln>
+                <a:noFill/>
+              </a:ln>
+            </p:spPr>
+            <p:style>
+              <a:lnRef idx="2">
+                <a:schemeClr val="dk1"/>
+              </a:lnRef>
+              <a:fillRef idx="1">
+                <a:schemeClr val="lt1"/>
+              </a:fillRef>
+              <a:effectRef idx="0">
+                <a:schemeClr val="dk1"/>
+              </a:effectRef>
+              <a:fontRef idx="minor">
+                <a:schemeClr val="dk1"/>
+              </a:fontRef>
+            </p:style>
+            <p:txBody>
+              <a:bodyPr rtlCol="0" anchor="ctr"/>
+              <a:lstStyle/>
+              <a:p>
+                <a:pPr algn="ctr"/>
+                <a:endParaRPr kumimoji="1" lang="ja-JP" altLang="en-US"/>
+              </a:p>
+            </p:txBody>
+          </p:sp>
+          <p:sp>
+            <p:nvSpPr>
+              <p:cNvPr id="72" name="正方形/長方形 71">
+                <a:extLst>
+                  <a:ext uri="{FF2B5EF4-FFF2-40B4-BE49-F238E27FC236}">
+                    <a16:creationId xmlns:a16="http://schemas.microsoft.com/office/drawing/2014/main" id="{2F2EB8B4-30A6-2042-9E9F-AA5A190A6905}"/>
+                  </a:ext>
+                </a:extLst>
+              </p:cNvPr>
+              <p:cNvSpPr/>
+              <p:nvPr/>
+            </p:nvSpPr>
+            <p:spPr>
+              <a:xfrm>
+                <a:off x="2373091" y="1458683"/>
+                <a:ext cx="341494" cy="228602"/>
+              </a:xfrm>
+              <a:prstGeom prst="rect">
+                <a:avLst/>
+              </a:prstGeom>
+              <a:ln>
+                <a:noFill/>
+              </a:ln>
+            </p:spPr>
+            <p:style>
+              <a:lnRef idx="2">
+                <a:schemeClr val="dk1"/>
+              </a:lnRef>
+              <a:fillRef idx="1">
+                <a:schemeClr val="lt1"/>
+              </a:fillRef>
+              <a:effectRef idx="0">
+                <a:schemeClr val="dk1"/>
+              </a:effectRef>
+              <a:fontRef idx="minor">
+                <a:schemeClr val="dk1"/>
+              </a:fontRef>
+            </p:style>
+            <p:txBody>
+              <a:bodyPr rtlCol="0" anchor="ctr"/>
+              <a:lstStyle/>
+              <a:p>
+                <a:pPr algn="ctr"/>
+                <a:endParaRPr kumimoji="1" lang="ja-JP" altLang="en-US"/>
+              </a:p>
+            </p:txBody>
+          </p:sp>
+          <p:sp>
+            <p:nvSpPr>
+              <p:cNvPr id="73" name="正方形/長方形 72">
+                <a:extLst>
+                  <a:ext uri="{FF2B5EF4-FFF2-40B4-BE49-F238E27FC236}">
+                    <a16:creationId xmlns:a16="http://schemas.microsoft.com/office/drawing/2014/main" id="{86103144-8718-524A-A948-8AB3063A810D}"/>
+                  </a:ext>
+                </a:extLst>
+              </p:cNvPr>
+              <p:cNvSpPr/>
+              <p:nvPr/>
+            </p:nvSpPr>
+            <p:spPr>
+              <a:xfrm>
+                <a:off x="1349835" y="1469565"/>
+                <a:ext cx="341494" cy="228602"/>
+              </a:xfrm>
+              <a:prstGeom prst="rect">
+                <a:avLst/>
+              </a:prstGeom>
+              <a:ln>
+                <a:noFill/>
+              </a:ln>
+            </p:spPr>
+            <p:style>
+              <a:lnRef idx="2">
+                <a:schemeClr val="dk1"/>
+              </a:lnRef>
+              <a:fillRef idx="1">
+                <a:schemeClr val="lt1"/>
+              </a:fillRef>
+              <a:effectRef idx="0">
+                <a:schemeClr val="dk1"/>
+              </a:effectRef>
+              <a:fontRef idx="minor">
+                <a:schemeClr val="dk1"/>
+              </a:fontRef>
+            </p:style>
+            <p:txBody>
+              <a:bodyPr rtlCol="0" anchor="ctr"/>
+              <a:lstStyle/>
+              <a:p>
+                <a:pPr algn="ctr"/>
+                <a:endParaRPr kumimoji="1" lang="ja-JP" altLang="en-US"/>
+              </a:p>
+            </p:txBody>
+          </p:sp>
+        </p:grpSp>
+        <p:sp>
+          <p:nvSpPr>
+            <p:cNvPr id="43" name="テキスト ボックス 42">
+              <a:extLst>
+                <a:ext uri="{FF2B5EF4-FFF2-40B4-BE49-F238E27FC236}">
+                  <a16:creationId xmlns:a16="http://schemas.microsoft.com/office/drawing/2014/main" id="{77958BBD-FE73-9A4A-9BEE-ED271088616E}"/>
+                </a:ext>
+              </a:extLst>
+            </p:cNvPr>
+            <p:cNvSpPr txBox="1"/>
+            <p:nvPr/>
+          </p:nvSpPr>
+          <p:spPr>
+            <a:xfrm>
+              <a:off x="1371610" y="1366548"/>
+              <a:ext cx="312906" cy="369332"/>
+            </a:xfrm>
+            <a:prstGeom prst="rect">
+              <a:avLst/>
+            </a:prstGeom>
+            <a:noFill/>
+            <a:ln>
+              <a:noFill/>
+            </a:ln>
+          </p:spPr>
+          <p:txBody>
+            <a:bodyPr wrap="none" rtlCol="0">
+              <a:spAutoFit/>
+            </a:bodyPr>
+            <a:lstStyle/>
+            <a:p>
+              <a:r>
+                <a:rPr lang="en-US" altLang="ja-JP" dirty="0">
+                  <a:latin typeface="Helvetica Neue" panose="02000503000000020004" pitchFamily="2" charset="0"/>
+                  <a:cs typeface="Helvetica Neue" panose="02000503000000020004" pitchFamily="2" charset="0"/>
+                </a:rPr>
+                <a:t>2</a:t>
+              </a:r>
+              <a:endParaRPr kumimoji="1" lang="ja-JP" altLang="en-US">
+                <a:latin typeface="Helvetica Neue" panose="02000503000000020004" pitchFamily="2" charset="0"/>
+                <a:cs typeface="Helvetica Neue" panose="02000503000000020004" pitchFamily="2" charset="0"/>
+              </a:endParaRPr>
+            </a:p>
+          </p:txBody>
+        </p:sp>
+        <p:sp>
+          <p:nvSpPr>
+            <p:cNvPr id="44" name="テキスト ボックス 43">
+              <a:extLst>
+                <a:ext uri="{FF2B5EF4-FFF2-40B4-BE49-F238E27FC236}">
+                  <a16:creationId xmlns:a16="http://schemas.microsoft.com/office/drawing/2014/main" id="{478D21D4-A5F7-8C49-A482-23F26F0DD931}"/>
+                </a:ext>
+              </a:extLst>
+            </p:cNvPr>
+            <p:cNvSpPr txBox="1"/>
+            <p:nvPr/>
+          </p:nvSpPr>
+          <p:spPr>
+            <a:xfrm>
+              <a:off x="2400309" y="1366548"/>
+              <a:ext cx="312906" cy="369332"/>
+            </a:xfrm>
+            <a:prstGeom prst="rect">
+              <a:avLst/>
+            </a:prstGeom>
+            <a:noFill/>
+            <a:ln>
+              <a:noFill/>
+            </a:ln>
+          </p:spPr>
+          <p:txBody>
+            <a:bodyPr wrap="none" rtlCol="0">
+              <a:spAutoFit/>
+            </a:bodyPr>
+            <a:lstStyle/>
+            <a:p>
+              <a:r>
+                <a:rPr kumimoji="1" lang="en-US" altLang="ja-JP" dirty="0">
+                  <a:latin typeface="Helvetica Neue" panose="02000503000000020004" pitchFamily="2" charset="0"/>
+                  <a:cs typeface="Helvetica Neue" panose="02000503000000020004" pitchFamily="2" charset="0"/>
+                </a:rPr>
+                <a:t>3</a:t>
+              </a:r>
+              <a:endParaRPr kumimoji="1" lang="ja-JP" altLang="en-US">
+                <a:latin typeface="Helvetica Neue" panose="02000503000000020004" pitchFamily="2" charset="0"/>
+                <a:cs typeface="Helvetica Neue" panose="02000503000000020004" pitchFamily="2" charset="0"/>
+              </a:endParaRPr>
+            </a:p>
+          </p:txBody>
+        </p:sp>
+        <p:sp>
+          <p:nvSpPr>
+            <p:cNvPr id="45" name="テキスト ボックス 44">
+              <a:extLst>
+                <a:ext uri="{FF2B5EF4-FFF2-40B4-BE49-F238E27FC236}">
+                  <a16:creationId xmlns:a16="http://schemas.microsoft.com/office/drawing/2014/main" id="{486051CB-9F03-A942-AA29-920028FDE9EC}"/>
+                </a:ext>
+              </a:extLst>
+            </p:cNvPr>
+            <p:cNvSpPr txBox="1"/>
+            <p:nvPr/>
+          </p:nvSpPr>
+          <p:spPr>
+            <a:xfrm>
+              <a:off x="3429009" y="1366548"/>
+              <a:ext cx="312906" cy="369332"/>
+            </a:xfrm>
+            <a:prstGeom prst="rect">
+              <a:avLst/>
+            </a:prstGeom>
+            <a:noFill/>
+            <a:ln>
+              <a:noFill/>
+            </a:ln>
+          </p:spPr>
+          <p:txBody>
+            <a:bodyPr wrap="none" rtlCol="0">
+              <a:spAutoFit/>
+            </a:bodyPr>
+            <a:lstStyle/>
+            <a:p>
+              <a:r>
+                <a:rPr lang="en-US" altLang="ja-JP" dirty="0">
+                  <a:latin typeface="Helvetica Neue" panose="02000503000000020004" pitchFamily="2" charset="0"/>
+                  <a:cs typeface="Helvetica Neue" panose="02000503000000020004" pitchFamily="2" charset="0"/>
+                </a:rPr>
+                <a:t>4</a:t>
+              </a:r>
+              <a:endParaRPr kumimoji="1" lang="ja-JP" altLang="en-US">
+                <a:latin typeface="Helvetica Neue" panose="02000503000000020004" pitchFamily="2" charset="0"/>
+                <a:cs typeface="Helvetica Neue" panose="02000503000000020004" pitchFamily="2" charset="0"/>
+              </a:endParaRPr>
+            </a:p>
+          </p:txBody>
+        </p:sp>
+        <p:sp>
+          <p:nvSpPr>
+            <p:cNvPr id="46" name="テキスト ボックス 45">
+              <a:extLst>
+                <a:ext uri="{FF2B5EF4-FFF2-40B4-BE49-F238E27FC236}">
+                  <a16:creationId xmlns:a16="http://schemas.microsoft.com/office/drawing/2014/main" id="{E4CC1670-5355-9044-A38F-80FCFB124C5E}"/>
+                </a:ext>
+              </a:extLst>
+            </p:cNvPr>
+            <p:cNvSpPr txBox="1"/>
+            <p:nvPr/>
+          </p:nvSpPr>
+          <p:spPr>
+            <a:xfrm>
+              <a:off x="1371608" y="2411574"/>
+              <a:ext cx="312906" cy="369332"/>
+            </a:xfrm>
+            <a:prstGeom prst="rect">
+              <a:avLst/>
+            </a:prstGeom>
+            <a:noFill/>
+            <a:ln>
+              <a:noFill/>
+            </a:ln>
+          </p:spPr>
+          <p:txBody>
+            <a:bodyPr wrap="none" rtlCol="0">
+              <a:spAutoFit/>
+            </a:bodyPr>
+            <a:lstStyle/>
+            <a:p>
+              <a:r>
+                <a:rPr lang="en-US" altLang="ja-JP" dirty="0">
+                  <a:latin typeface="Helvetica Neue" panose="02000503000000020004" pitchFamily="2" charset="0"/>
+                  <a:cs typeface="Helvetica Neue" panose="02000503000000020004" pitchFamily="2" charset="0"/>
+                </a:rPr>
+                <a:t>4</a:t>
+              </a:r>
+              <a:endParaRPr kumimoji="1" lang="ja-JP" altLang="en-US">
+                <a:latin typeface="Helvetica Neue" panose="02000503000000020004" pitchFamily="2" charset="0"/>
+                <a:cs typeface="Helvetica Neue" panose="02000503000000020004" pitchFamily="2" charset="0"/>
+              </a:endParaRPr>
+            </a:p>
+          </p:txBody>
+        </p:sp>
+        <p:sp>
+          <p:nvSpPr>
+            <p:cNvPr id="47" name="テキスト ボックス 46">
+              <a:extLst>
+                <a:ext uri="{FF2B5EF4-FFF2-40B4-BE49-F238E27FC236}">
+                  <a16:creationId xmlns:a16="http://schemas.microsoft.com/office/drawing/2014/main" id="{8BD1402E-497C-AD4C-A9D2-25E0C54401A4}"/>
+                </a:ext>
+              </a:extLst>
+            </p:cNvPr>
+            <p:cNvSpPr txBox="1"/>
+            <p:nvPr/>
+          </p:nvSpPr>
+          <p:spPr>
+            <a:xfrm>
+              <a:off x="2400307" y="2411574"/>
+              <a:ext cx="312906" cy="369332"/>
+            </a:xfrm>
+            <a:prstGeom prst="rect">
+              <a:avLst/>
+            </a:prstGeom>
+            <a:noFill/>
+            <a:ln>
+              <a:noFill/>
+            </a:ln>
+          </p:spPr>
+          <p:txBody>
+            <a:bodyPr wrap="none" rtlCol="0">
+              <a:spAutoFit/>
+            </a:bodyPr>
+            <a:lstStyle/>
+            <a:p>
+              <a:r>
+                <a:rPr kumimoji="1" lang="en-US" altLang="ja-JP" dirty="0">
+                  <a:latin typeface="Helvetica Neue" panose="02000503000000020004" pitchFamily="2" charset="0"/>
+                  <a:cs typeface="Helvetica Neue" panose="02000503000000020004" pitchFamily="2" charset="0"/>
+                </a:rPr>
+                <a:t>5</a:t>
+              </a:r>
+              <a:endParaRPr kumimoji="1" lang="ja-JP" altLang="en-US">
+                <a:latin typeface="Helvetica Neue" panose="02000503000000020004" pitchFamily="2" charset="0"/>
+                <a:cs typeface="Helvetica Neue" panose="02000503000000020004" pitchFamily="2" charset="0"/>
+              </a:endParaRPr>
+            </a:p>
+          </p:txBody>
+        </p:sp>
+        <p:sp>
+          <p:nvSpPr>
+            <p:cNvPr id="48" name="テキスト ボックス 47">
+              <a:extLst>
+                <a:ext uri="{FF2B5EF4-FFF2-40B4-BE49-F238E27FC236}">
+                  <a16:creationId xmlns:a16="http://schemas.microsoft.com/office/drawing/2014/main" id="{0F7921BB-EF82-C34E-BEBB-80AF729418DD}"/>
+                </a:ext>
+              </a:extLst>
+            </p:cNvPr>
+            <p:cNvSpPr txBox="1"/>
+            <p:nvPr/>
+          </p:nvSpPr>
+          <p:spPr>
+            <a:xfrm>
+              <a:off x="3429007" y="2411574"/>
+              <a:ext cx="312906" cy="369332"/>
+            </a:xfrm>
+            <a:prstGeom prst="rect">
+              <a:avLst/>
+            </a:prstGeom>
+            <a:noFill/>
+            <a:ln>
+              <a:noFill/>
+            </a:ln>
+          </p:spPr>
+          <p:txBody>
+            <a:bodyPr wrap="none" rtlCol="0">
+              <a:spAutoFit/>
+            </a:bodyPr>
+            <a:lstStyle/>
+            <a:p>
+              <a:r>
+                <a:rPr lang="en-US" altLang="ja-JP" dirty="0">
+                  <a:latin typeface="Helvetica Neue" panose="02000503000000020004" pitchFamily="2" charset="0"/>
+                  <a:cs typeface="Helvetica Neue" panose="02000503000000020004" pitchFamily="2" charset="0"/>
+                </a:rPr>
+                <a:t>6</a:t>
+              </a:r>
+              <a:endParaRPr kumimoji="1" lang="ja-JP" altLang="en-US">
+                <a:latin typeface="Helvetica Neue" panose="02000503000000020004" pitchFamily="2" charset="0"/>
+                <a:cs typeface="Helvetica Neue" panose="02000503000000020004" pitchFamily="2" charset="0"/>
+              </a:endParaRPr>
+            </a:p>
+          </p:txBody>
+        </p:sp>
+        <p:sp>
+          <p:nvSpPr>
+            <p:cNvPr id="49" name="テキスト ボックス 48">
+              <a:extLst>
+                <a:ext uri="{FF2B5EF4-FFF2-40B4-BE49-F238E27FC236}">
+                  <a16:creationId xmlns:a16="http://schemas.microsoft.com/office/drawing/2014/main" id="{F0C1842B-13C0-4344-B137-649FF52B61C8}"/>
+                </a:ext>
+              </a:extLst>
+            </p:cNvPr>
+            <p:cNvSpPr txBox="1"/>
+            <p:nvPr/>
+          </p:nvSpPr>
+          <p:spPr>
+            <a:xfrm>
+              <a:off x="1371609" y="3423947"/>
+              <a:ext cx="312906" cy="369332"/>
+            </a:xfrm>
+            <a:prstGeom prst="rect">
+              <a:avLst/>
+            </a:prstGeom>
+            <a:noFill/>
+            <a:ln>
+              <a:noFill/>
+            </a:ln>
+          </p:spPr>
+          <p:txBody>
+            <a:bodyPr wrap="none" rtlCol="0">
+              <a:spAutoFit/>
+            </a:bodyPr>
+            <a:lstStyle/>
+            <a:p>
+              <a:r>
+                <a:rPr lang="en-US" altLang="ja-JP" dirty="0">
+                  <a:latin typeface="Helvetica Neue" panose="02000503000000020004" pitchFamily="2" charset="0"/>
+                  <a:cs typeface="Helvetica Neue" panose="02000503000000020004" pitchFamily="2" charset="0"/>
+                </a:rPr>
+                <a:t>7</a:t>
+              </a:r>
+              <a:endParaRPr kumimoji="1" lang="ja-JP" altLang="en-US">
+                <a:latin typeface="Helvetica Neue" panose="02000503000000020004" pitchFamily="2" charset="0"/>
+                <a:cs typeface="Helvetica Neue" panose="02000503000000020004" pitchFamily="2" charset="0"/>
+              </a:endParaRPr>
+            </a:p>
+          </p:txBody>
+        </p:sp>
+        <p:sp>
+          <p:nvSpPr>
+            <p:cNvPr id="50" name="テキスト ボックス 49">
+              <a:extLst>
+                <a:ext uri="{FF2B5EF4-FFF2-40B4-BE49-F238E27FC236}">
+                  <a16:creationId xmlns:a16="http://schemas.microsoft.com/office/drawing/2014/main" id="{54501D17-D4BD-3140-B1C1-7C2ED311FBBA}"/>
+                </a:ext>
+              </a:extLst>
+            </p:cNvPr>
+            <p:cNvSpPr txBox="1"/>
+            <p:nvPr/>
+          </p:nvSpPr>
+          <p:spPr>
+            <a:xfrm>
+              <a:off x="2400308" y="3423947"/>
+              <a:ext cx="312906" cy="369332"/>
+            </a:xfrm>
+            <a:prstGeom prst="rect">
+              <a:avLst/>
+            </a:prstGeom>
+            <a:noFill/>
+            <a:ln>
+              <a:noFill/>
+            </a:ln>
+          </p:spPr>
+          <p:txBody>
+            <a:bodyPr wrap="none" rtlCol="0">
+              <a:spAutoFit/>
+            </a:bodyPr>
+            <a:lstStyle/>
+            <a:p>
+              <a:r>
+                <a:rPr lang="en-US" altLang="ja-JP" dirty="0">
+                  <a:latin typeface="Helvetica Neue" panose="02000503000000020004" pitchFamily="2" charset="0"/>
+                  <a:cs typeface="Helvetica Neue" panose="02000503000000020004" pitchFamily="2" charset="0"/>
+                </a:rPr>
+                <a:t>8</a:t>
+              </a:r>
+              <a:endParaRPr kumimoji="1" lang="ja-JP" altLang="en-US">
+                <a:latin typeface="Helvetica Neue" panose="02000503000000020004" pitchFamily="2" charset="0"/>
+                <a:cs typeface="Helvetica Neue" panose="02000503000000020004" pitchFamily="2" charset="0"/>
+              </a:endParaRPr>
+            </a:p>
+          </p:txBody>
+        </p:sp>
+        <p:sp>
+          <p:nvSpPr>
+            <p:cNvPr id="51" name="テキスト ボックス 50">
+              <a:extLst>
+                <a:ext uri="{FF2B5EF4-FFF2-40B4-BE49-F238E27FC236}">
+                  <a16:creationId xmlns:a16="http://schemas.microsoft.com/office/drawing/2014/main" id="{83FFAFD6-AE18-AF4D-9213-D138E5DC9B75}"/>
+                </a:ext>
+              </a:extLst>
+            </p:cNvPr>
+            <p:cNvSpPr txBox="1"/>
+            <p:nvPr/>
+          </p:nvSpPr>
+          <p:spPr>
+            <a:xfrm>
+              <a:off x="3429008" y="3423947"/>
+              <a:ext cx="312906" cy="369332"/>
+            </a:xfrm>
+            <a:prstGeom prst="rect">
+              <a:avLst/>
+            </a:prstGeom>
+            <a:noFill/>
+            <a:ln>
+              <a:noFill/>
+            </a:ln>
+          </p:spPr>
+          <p:txBody>
+            <a:bodyPr wrap="none" rtlCol="0">
+              <a:spAutoFit/>
+            </a:bodyPr>
+            <a:lstStyle/>
+            <a:p>
+              <a:r>
+                <a:rPr lang="en-US" altLang="ja-JP" dirty="0">
+                  <a:latin typeface="Helvetica Neue" panose="02000503000000020004" pitchFamily="2" charset="0"/>
+                  <a:cs typeface="Helvetica Neue" panose="02000503000000020004" pitchFamily="2" charset="0"/>
+                </a:rPr>
+                <a:t>9</a:t>
+              </a:r>
+              <a:endParaRPr kumimoji="1" lang="ja-JP" altLang="en-US">
+                <a:latin typeface="Helvetica Neue" panose="02000503000000020004" pitchFamily="2" charset="0"/>
+                <a:cs typeface="Helvetica Neue" panose="02000503000000020004" pitchFamily="2" charset="0"/>
+              </a:endParaRPr>
+            </a:p>
+          </p:txBody>
+        </p:sp>
+      </p:grpSp>
+      <p:grpSp>
+        <p:nvGrpSpPr>
+          <p:cNvPr id="74" name="グループ化 73">
+            <a:extLst>
+              <a:ext uri="{FF2B5EF4-FFF2-40B4-BE49-F238E27FC236}">
+                <a16:creationId xmlns:a16="http://schemas.microsoft.com/office/drawing/2014/main" id="{912B0D7A-B78E-7246-BAE1-3A40963F4ACF}"/>
+              </a:ext>
+            </a:extLst>
+          </p:cNvPr>
+          <p:cNvGrpSpPr/>
+          <p:nvPr/>
+        </p:nvGrpSpPr>
+        <p:grpSpPr>
+          <a:xfrm>
+            <a:off x="865061" y="2159848"/>
+            <a:ext cx="3064678" cy="2899019"/>
+            <a:chOff x="865065" y="1136588"/>
+            <a:chExt cx="3064678" cy="2899019"/>
+          </a:xfrm>
+        </p:grpSpPr>
+        <p:grpSp>
+          <p:nvGrpSpPr>
+            <p:cNvPr id="75" name="グループ化 74">
+              <a:extLst>
+                <a:ext uri="{FF2B5EF4-FFF2-40B4-BE49-F238E27FC236}">
+                  <a16:creationId xmlns:a16="http://schemas.microsoft.com/office/drawing/2014/main" id="{71508EA4-6B4E-8F4E-8A86-D50011AA4E04}"/>
+                </a:ext>
+              </a:extLst>
+            </p:cNvPr>
+            <p:cNvGrpSpPr/>
+            <p:nvPr/>
+          </p:nvGrpSpPr>
+          <p:grpSpPr>
+            <a:xfrm>
+              <a:off x="865065" y="1136588"/>
+              <a:ext cx="3064678" cy="2899019"/>
+              <a:chOff x="865065" y="1136588"/>
+              <a:chExt cx="3064678" cy="2899019"/>
+            </a:xfrm>
+          </p:grpSpPr>
+          <p:pic>
+            <p:nvPicPr>
+              <p:cNvPr id="85" name="図 84">
+                <a:extLst>
+                  <a:ext uri="{FF2B5EF4-FFF2-40B4-BE49-F238E27FC236}">
+                    <a16:creationId xmlns:a16="http://schemas.microsoft.com/office/drawing/2014/main" id="{BCFB8E02-5D8A-E648-BC4D-BF3F65FD8FB4}"/>
+                  </a:ext>
+                </a:extLst>
+              </p:cNvPr>
+              <p:cNvPicPr>
+                <a:picLocks noChangeAspect="1"/>
+              </p:cNvPicPr>
+              <p:nvPr/>
+            </p:nvPicPr>
+            <p:blipFill>
+              <a:blip r:embed="rId2"/>
+              <a:stretch>
+                <a:fillRect/>
+              </a:stretch>
+            </p:blipFill>
+            <p:spPr>
+              <a:xfrm>
+                <a:off x="865065" y="1136588"/>
+                <a:ext cx="3064678" cy="2899019"/>
+              </a:xfrm>
+              <a:prstGeom prst="rect">
+                <a:avLst/>
+              </a:prstGeom>
+              <a:ln>
+                <a:noFill/>
+              </a:ln>
+            </p:spPr>
+          </p:pic>
+          <p:sp>
+            <p:nvSpPr>
+              <p:cNvPr id="86" name="正方形/長方形 85">
+                <a:extLst>
+                  <a:ext uri="{FF2B5EF4-FFF2-40B4-BE49-F238E27FC236}">
+                    <a16:creationId xmlns:a16="http://schemas.microsoft.com/office/drawing/2014/main" id="{152A6AA9-0BE4-3A41-A13B-5C57978226E2}"/>
+                  </a:ext>
+                </a:extLst>
+              </p:cNvPr>
+              <p:cNvSpPr/>
+              <p:nvPr/>
+            </p:nvSpPr>
+            <p:spPr>
+              <a:xfrm>
+                <a:off x="3178630" y="1850571"/>
+                <a:ext cx="341494" cy="381001"/>
+              </a:xfrm>
+              <a:prstGeom prst="rect">
+                <a:avLst/>
+              </a:prstGeom>
+              <a:ln>
+                <a:noFill/>
+              </a:ln>
+            </p:spPr>
+            <p:style>
+              <a:lnRef idx="2">
+                <a:schemeClr val="dk1"/>
+              </a:lnRef>
+              <a:fillRef idx="1">
+                <a:schemeClr val="lt1"/>
+              </a:fillRef>
+              <a:effectRef idx="0">
+                <a:schemeClr val="dk1"/>
+              </a:effectRef>
+              <a:fontRef idx="minor">
+                <a:schemeClr val="dk1"/>
+              </a:fontRef>
+            </p:style>
+            <p:txBody>
+              <a:bodyPr rtlCol="0" anchor="ctr"/>
+              <a:lstStyle/>
+              <a:p>
+                <a:pPr algn="ctr"/>
+                <a:endParaRPr kumimoji="1" lang="ja-JP" altLang="en-US"/>
+              </a:p>
+            </p:txBody>
+          </p:sp>
+          <p:sp>
+            <p:nvSpPr>
+              <p:cNvPr id="87" name="正方形/長方形 86">
+                <a:extLst>
+                  <a:ext uri="{FF2B5EF4-FFF2-40B4-BE49-F238E27FC236}">
+                    <a16:creationId xmlns:a16="http://schemas.microsoft.com/office/drawing/2014/main" id="{8EE85361-9D0C-D74F-8DED-7B49B527309F}"/>
+                  </a:ext>
+                </a:extLst>
+              </p:cNvPr>
+              <p:cNvSpPr/>
+              <p:nvPr/>
+            </p:nvSpPr>
+            <p:spPr>
+              <a:xfrm>
+                <a:off x="2928260" y="2090057"/>
+                <a:ext cx="341494" cy="381001"/>
+              </a:xfrm>
+              <a:prstGeom prst="rect">
+                <a:avLst/>
+              </a:prstGeom>
+              <a:ln>
+                <a:noFill/>
+              </a:ln>
+            </p:spPr>
+            <p:style>
+              <a:lnRef idx="2">
+                <a:schemeClr val="dk1"/>
+              </a:lnRef>
+              <a:fillRef idx="1">
+                <a:schemeClr val="lt1"/>
+              </a:fillRef>
+              <a:effectRef idx="0">
+                <a:schemeClr val="dk1"/>
+              </a:effectRef>
+              <a:fontRef idx="minor">
+                <a:schemeClr val="dk1"/>
+              </a:fontRef>
+            </p:style>
+            <p:txBody>
+              <a:bodyPr rtlCol="0" anchor="ctr"/>
+              <a:lstStyle/>
+              <a:p>
+                <a:pPr algn="ctr"/>
+                <a:endParaRPr kumimoji="1" lang="ja-JP" altLang="en-US"/>
+              </a:p>
+            </p:txBody>
+          </p:sp>
+          <p:sp>
+            <p:nvSpPr>
+              <p:cNvPr id="88" name="正方形/長方形 87">
+                <a:extLst>
+                  <a:ext uri="{FF2B5EF4-FFF2-40B4-BE49-F238E27FC236}">
+                    <a16:creationId xmlns:a16="http://schemas.microsoft.com/office/drawing/2014/main" id="{6F316A87-D306-2040-B7A5-876E4185EC66}"/>
+                  </a:ext>
+                </a:extLst>
+              </p:cNvPr>
+              <p:cNvSpPr/>
+              <p:nvPr/>
+            </p:nvSpPr>
+            <p:spPr>
+              <a:xfrm>
+                <a:off x="3113318" y="2895599"/>
+                <a:ext cx="341494" cy="381001"/>
+              </a:xfrm>
+              <a:prstGeom prst="rect">
+                <a:avLst/>
+              </a:prstGeom>
+              <a:ln>
+                <a:noFill/>
+              </a:ln>
+            </p:spPr>
+            <p:style>
+              <a:lnRef idx="2">
+                <a:schemeClr val="dk1"/>
+              </a:lnRef>
+              <a:fillRef idx="1">
+                <a:schemeClr val="lt1"/>
+              </a:fillRef>
+              <a:effectRef idx="0">
+                <a:schemeClr val="dk1"/>
+              </a:effectRef>
+              <a:fontRef idx="minor">
+                <a:schemeClr val="dk1"/>
+              </a:fontRef>
+            </p:style>
+            <p:txBody>
+              <a:bodyPr rtlCol="0" anchor="ctr"/>
+              <a:lstStyle/>
+              <a:p>
+                <a:pPr algn="ctr"/>
+                <a:endParaRPr kumimoji="1" lang="ja-JP" altLang="en-US"/>
+              </a:p>
+            </p:txBody>
+          </p:sp>
+          <p:sp>
+            <p:nvSpPr>
+              <p:cNvPr id="89" name="正方形/長方形 88">
+                <a:extLst>
+                  <a:ext uri="{FF2B5EF4-FFF2-40B4-BE49-F238E27FC236}">
+                    <a16:creationId xmlns:a16="http://schemas.microsoft.com/office/drawing/2014/main" id="{FB426814-E3C8-F243-9512-5C75C35CF5A7}"/>
+                  </a:ext>
+                </a:extLst>
+              </p:cNvPr>
+              <p:cNvSpPr/>
+              <p:nvPr/>
+            </p:nvSpPr>
+            <p:spPr>
+              <a:xfrm>
+                <a:off x="2939145" y="3091543"/>
+                <a:ext cx="341494" cy="381001"/>
+              </a:xfrm>
+              <a:prstGeom prst="rect">
+                <a:avLst/>
+              </a:prstGeom>
+              <a:ln>
+                <a:noFill/>
+              </a:ln>
+            </p:spPr>
+            <p:style>
+              <a:lnRef idx="2">
+                <a:schemeClr val="dk1"/>
+              </a:lnRef>
+              <a:fillRef idx="1">
+                <a:schemeClr val="lt1"/>
+              </a:fillRef>
+              <a:effectRef idx="0">
+                <a:schemeClr val="dk1"/>
+              </a:effectRef>
+              <a:fontRef idx="minor">
+                <a:schemeClr val="dk1"/>
+              </a:fontRef>
+            </p:style>
+            <p:txBody>
+              <a:bodyPr rtlCol="0" anchor="ctr"/>
+              <a:lstStyle/>
+              <a:p>
+                <a:pPr algn="ctr"/>
+                <a:endParaRPr kumimoji="1" lang="ja-JP" altLang="en-US"/>
+              </a:p>
+            </p:txBody>
+          </p:sp>
+          <p:sp>
+            <p:nvSpPr>
+              <p:cNvPr id="90" name="正方形/長方形 89">
+                <a:extLst>
+                  <a:ext uri="{FF2B5EF4-FFF2-40B4-BE49-F238E27FC236}">
+                    <a16:creationId xmlns:a16="http://schemas.microsoft.com/office/drawing/2014/main" id="{F454C924-9175-764B-AC6A-C92F16A3CE26}"/>
+                  </a:ext>
+                </a:extLst>
+              </p:cNvPr>
+              <p:cNvSpPr/>
+              <p:nvPr/>
+            </p:nvSpPr>
+            <p:spPr>
+              <a:xfrm>
+                <a:off x="1883231" y="3113314"/>
+                <a:ext cx="341494" cy="381001"/>
+              </a:xfrm>
+              <a:prstGeom prst="rect">
+                <a:avLst/>
+              </a:prstGeom>
+              <a:ln>
+                <a:noFill/>
+              </a:ln>
+            </p:spPr>
+            <p:style>
+              <a:lnRef idx="2">
+                <a:schemeClr val="dk1"/>
+              </a:lnRef>
+              <a:fillRef idx="1">
+                <a:schemeClr val="lt1"/>
+              </a:fillRef>
+              <a:effectRef idx="0">
+                <a:schemeClr val="dk1"/>
+              </a:effectRef>
+              <a:fontRef idx="minor">
+                <a:schemeClr val="dk1"/>
+              </a:fontRef>
+            </p:style>
+            <p:txBody>
+              <a:bodyPr rtlCol="0" anchor="ctr"/>
+              <a:lstStyle/>
+              <a:p>
+                <a:pPr algn="ctr"/>
+                <a:endParaRPr kumimoji="1" lang="ja-JP" altLang="en-US"/>
+              </a:p>
+            </p:txBody>
+          </p:sp>
+          <p:sp>
+            <p:nvSpPr>
+              <p:cNvPr id="91" name="正方形/長方形 90">
+                <a:extLst>
+                  <a:ext uri="{FF2B5EF4-FFF2-40B4-BE49-F238E27FC236}">
+                    <a16:creationId xmlns:a16="http://schemas.microsoft.com/office/drawing/2014/main" id="{493A9E5F-EE8A-1747-89F1-BAC57A772FAA}"/>
+                  </a:ext>
+                </a:extLst>
+              </p:cNvPr>
+              <p:cNvSpPr/>
+              <p:nvPr/>
+            </p:nvSpPr>
+            <p:spPr>
+              <a:xfrm>
+                <a:off x="2100947" y="2917371"/>
+                <a:ext cx="341494" cy="381001"/>
+              </a:xfrm>
+              <a:prstGeom prst="rect">
+                <a:avLst/>
+              </a:prstGeom>
+              <a:ln>
+                <a:noFill/>
+              </a:ln>
+            </p:spPr>
+            <p:style>
+              <a:lnRef idx="2">
+                <a:schemeClr val="dk1"/>
+              </a:lnRef>
+              <a:fillRef idx="1">
+                <a:schemeClr val="lt1"/>
+              </a:fillRef>
+              <a:effectRef idx="0">
+                <a:schemeClr val="dk1"/>
+              </a:effectRef>
+              <a:fontRef idx="minor">
+                <a:schemeClr val="dk1"/>
+              </a:fontRef>
+            </p:style>
+            <p:txBody>
+              <a:bodyPr rtlCol="0" anchor="ctr"/>
+              <a:lstStyle/>
+              <a:p>
+                <a:pPr algn="ctr"/>
+                <a:endParaRPr kumimoji="1" lang="ja-JP" altLang="en-US"/>
+              </a:p>
+            </p:txBody>
+          </p:sp>
+          <p:sp>
+            <p:nvSpPr>
+              <p:cNvPr id="92" name="正方形/長方形 91">
+                <a:extLst>
+                  <a:ext uri="{FF2B5EF4-FFF2-40B4-BE49-F238E27FC236}">
+                    <a16:creationId xmlns:a16="http://schemas.microsoft.com/office/drawing/2014/main" id="{F6FE3ACD-1FD9-8743-8833-6F3D6192B1D2}"/>
+                  </a:ext>
+                </a:extLst>
+              </p:cNvPr>
+              <p:cNvSpPr/>
+              <p:nvPr/>
+            </p:nvSpPr>
+            <p:spPr>
+              <a:xfrm>
+                <a:off x="1132118" y="2939140"/>
+                <a:ext cx="341494" cy="381001"/>
+              </a:xfrm>
+              <a:prstGeom prst="rect">
+                <a:avLst/>
+              </a:prstGeom>
+              <a:ln>
+                <a:noFill/>
+              </a:ln>
+            </p:spPr>
+            <p:style>
+              <a:lnRef idx="2">
+                <a:schemeClr val="dk1"/>
+              </a:lnRef>
+              <a:fillRef idx="1">
+                <a:schemeClr val="lt1"/>
+              </a:fillRef>
+              <a:effectRef idx="0">
+                <a:schemeClr val="dk1"/>
+              </a:effectRef>
+              <a:fontRef idx="minor">
+                <a:schemeClr val="dk1"/>
+              </a:fontRef>
+            </p:style>
+            <p:txBody>
+              <a:bodyPr rtlCol="0" anchor="ctr"/>
+              <a:lstStyle/>
+              <a:p>
+                <a:pPr algn="ctr"/>
+                <a:endParaRPr kumimoji="1" lang="ja-JP" altLang="en-US"/>
+              </a:p>
+            </p:txBody>
+          </p:sp>
+          <p:sp>
+            <p:nvSpPr>
+              <p:cNvPr id="93" name="正方形/長方形 92">
+                <a:extLst>
+                  <a:ext uri="{FF2B5EF4-FFF2-40B4-BE49-F238E27FC236}">
+                    <a16:creationId xmlns:a16="http://schemas.microsoft.com/office/drawing/2014/main" id="{4106DB99-C5A7-A94B-98E4-92CDEED3DD97}"/>
+                  </a:ext>
+                </a:extLst>
+              </p:cNvPr>
+              <p:cNvSpPr/>
+              <p:nvPr/>
+            </p:nvSpPr>
+            <p:spPr>
+              <a:xfrm>
+                <a:off x="1121232" y="1872341"/>
+                <a:ext cx="341494" cy="381001"/>
+              </a:xfrm>
+              <a:prstGeom prst="rect">
+                <a:avLst/>
+              </a:prstGeom>
+              <a:ln>
+                <a:noFill/>
+              </a:ln>
+            </p:spPr>
+            <p:style>
+              <a:lnRef idx="2">
+                <a:schemeClr val="dk1"/>
+              </a:lnRef>
+              <a:fillRef idx="1">
+                <a:schemeClr val="lt1"/>
+              </a:fillRef>
+              <a:effectRef idx="0">
+                <a:schemeClr val="dk1"/>
+              </a:effectRef>
+              <a:fontRef idx="minor">
+                <a:schemeClr val="dk1"/>
+              </a:fontRef>
+            </p:style>
+            <p:txBody>
+              <a:bodyPr rtlCol="0" anchor="ctr"/>
+              <a:lstStyle/>
+              <a:p>
+                <a:pPr algn="ctr"/>
+                <a:endParaRPr kumimoji="1" lang="ja-JP" altLang="en-US"/>
+              </a:p>
+            </p:txBody>
+          </p:sp>
+          <p:sp>
+            <p:nvSpPr>
+              <p:cNvPr id="94" name="正方形/長方形 93">
+                <a:extLst>
+                  <a:ext uri="{FF2B5EF4-FFF2-40B4-BE49-F238E27FC236}">
+                    <a16:creationId xmlns:a16="http://schemas.microsoft.com/office/drawing/2014/main" id="{D4A29A9D-73D7-8441-ADED-D2B8295526CE}"/>
+                  </a:ext>
+                </a:extLst>
+              </p:cNvPr>
+              <p:cNvSpPr/>
+              <p:nvPr/>
+            </p:nvSpPr>
+            <p:spPr>
+              <a:xfrm>
+                <a:off x="1894117" y="2111829"/>
+                <a:ext cx="341494" cy="381001"/>
+              </a:xfrm>
+              <a:prstGeom prst="rect">
+                <a:avLst/>
+              </a:prstGeom>
+              <a:ln>
+                <a:noFill/>
+              </a:ln>
+            </p:spPr>
+            <p:style>
+              <a:lnRef idx="2">
+                <a:schemeClr val="dk1"/>
+              </a:lnRef>
+              <a:fillRef idx="1">
+                <a:schemeClr val="lt1"/>
+              </a:fillRef>
+              <a:effectRef idx="0">
+                <a:schemeClr val="dk1"/>
+              </a:effectRef>
+              <a:fontRef idx="minor">
+                <a:schemeClr val="dk1"/>
+              </a:fontRef>
+            </p:style>
+            <p:txBody>
+              <a:bodyPr rtlCol="0" anchor="ctr"/>
+              <a:lstStyle/>
+              <a:p>
+                <a:pPr algn="ctr"/>
+                <a:endParaRPr kumimoji="1" lang="ja-JP" altLang="en-US"/>
+              </a:p>
+            </p:txBody>
+          </p:sp>
+          <p:sp>
+            <p:nvSpPr>
+              <p:cNvPr id="95" name="正方形/長方形 94">
+                <a:extLst>
+                  <a:ext uri="{FF2B5EF4-FFF2-40B4-BE49-F238E27FC236}">
+                    <a16:creationId xmlns:a16="http://schemas.microsoft.com/office/drawing/2014/main" id="{35980192-F357-3547-B211-81C8667A8340}"/>
+                  </a:ext>
+                </a:extLst>
+              </p:cNvPr>
+              <p:cNvSpPr/>
+              <p:nvPr/>
+            </p:nvSpPr>
+            <p:spPr>
+              <a:xfrm>
+                <a:off x="2144491" y="1894113"/>
+                <a:ext cx="341494" cy="381001"/>
+              </a:xfrm>
+              <a:prstGeom prst="rect">
+                <a:avLst/>
+              </a:prstGeom>
+              <a:ln>
+                <a:noFill/>
+              </a:ln>
+            </p:spPr>
+            <p:style>
+              <a:lnRef idx="2">
+                <a:schemeClr val="dk1"/>
+              </a:lnRef>
+              <a:fillRef idx="1">
+                <a:schemeClr val="lt1"/>
+              </a:fillRef>
+              <a:effectRef idx="0">
+                <a:schemeClr val="dk1"/>
+              </a:effectRef>
+              <a:fontRef idx="minor">
+                <a:schemeClr val="dk1"/>
+              </a:fontRef>
+            </p:style>
+            <p:txBody>
+              <a:bodyPr rtlCol="0" anchor="ctr"/>
+              <a:lstStyle/>
+              <a:p>
+                <a:pPr algn="ctr"/>
+                <a:endParaRPr kumimoji="1" lang="ja-JP" altLang="en-US"/>
+              </a:p>
+            </p:txBody>
+          </p:sp>
+          <p:sp>
+            <p:nvSpPr>
+              <p:cNvPr id="96" name="正方形/長方形 95">
+                <a:extLst>
+                  <a:ext uri="{FF2B5EF4-FFF2-40B4-BE49-F238E27FC236}">
+                    <a16:creationId xmlns:a16="http://schemas.microsoft.com/office/drawing/2014/main" id="{6C673D69-AF41-104D-9E63-386E3B4983C0}"/>
+                  </a:ext>
+                </a:extLst>
+              </p:cNvPr>
+              <p:cNvSpPr/>
+              <p:nvPr/>
+            </p:nvSpPr>
+            <p:spPr>
+              <a:xfrm>
+                <a:off x="1915891" y="1251856"/>
+                <a:ext cx="341494" cy="228602"/>
+              </a:xfrm>
+              <a:prstGeom prst="rect">
+                <a:avLst/>
+              </a:prstGeom>
+              <a:ln>
+                <a:noFill/>
+              </a:ln>
+            </p:spPr>
+            <p:style>
+              <a:lnRef idx="2">
+                <a:schemeClr val="dk1"/>
+              </a:lnRef>
+              <a:fillRef idx="1">
+                <a:schemeClr val="lt1"/>
+              </a:fillRef>
+              <a:effectRef idx="0">
+                <a:schemeClr val="dk1"/>
+              </a:effectRef>
+              <a:fontRef idx="minor">
+                <a:schemeClr val="dk1"/>
+              </a:fontRef>
+            </p:style>
+            <p:txBody>
+              <a:bodyPr rtlCol="0" anchor="ctr"/>
+              <a:lstStyle/>
+              <a:p>
+                <a:pPr algn="ctr"/>
+                <a:endParaRPr kumimoji="1" lang="ja-JP" altLang="en-US"/>
+              </a:p>
+            </p:txBody>
+          </p:sp>
+          <p:sp>
+            <p:nvSpPr>
+              <p:cNvPr id="97" name="正方形/長方形 96">
+                <a:extLst>
+                  <a:ext uri="{FF2B5EF4-FFF2-40B4-BE49-F238E27FC236}">
+                    <a16:creationId xmlns:a16="http://schemas.microsoft.com/office/drawing/2014/main" id="{61283559-0E12-F140-9B9E-7AC0ADAA893D}"/>
+                  </a:ext>
+                </a:extLst>
+              </p:cNvPr>
+              <p:cNvSpPr/>
+              <p:nvPr/>
+            </p:nvSpPr>
+            <p:spPr>
+              <a:xfrm>
+                <a:off x="2928264" y="1262743"/>
+                <a:ext cx="341494" cy="228602"/>
+              </a:xfrm>
+              <a:prstGeom prst="rect">
+                <a:avLst/>
+              </a:prstGeom>
+              <a:ln>
+                <a:noFill/>
+              </a:ln>
+            </p:spPr>
+            <p:style>
+              <a:lnRef idx="2">
+                <a:schemeClr val="dk1"/>
+              </a:lnRef>
+              <a:fillRef idx="1">
+                <a:schemeClr val="lt1"/>
+              </a:fillRef>
+              <a:effectRef idx="0">
+                <a:schemeClr val="dk1"/>
+              </a:effectRef>
+              <a:fontRef idx="minor">
+                <a:schemeClr val="dk1"/>
+              </a:fontRef>
+            </p:style>
+            <p:txBody>
+              <a:bodyPr rtlCol="0" anchor="ctr"/>
+              <a:lstStyle/>
+              <a:p>
+                <a:pPr algn="ctr"/>
+                <a:endParaRPr kumimoji="1" lang="ja-JP" altLang="en-US"/>
+              </a:p>
+            </p:txBody>
+          </p:sp>
+          <p:sp>
+            <p:nvSpPr>
+              <p:cNvPr id="98" name="正方形/長方形 97">
+                <a:extLst>
+                  <a:ext uri="{FF2B5EF4-FFF2-40B4-BE49-F238E27FC236}">
+                    <a16:creationId xmlns:a16="http://schemas.microsoft.com/office/drawing/2014/main" id="{FBB5E00A-0A6D-0C4F-8A0F-ED566CFE50A0}"/>
+                  </a:ext>
+                </a:extLst>
+              </p:cNvPr>
+              <p:cNvSpPr/>
+              <p:nvPr/>
+            </p:nvSpPr>
+            <p:spPr>
+              <a:xfrm>
+                <a:off x="3407236" y="1447801"/>
+                <a:ext cx="341494" cy="228602"/>
+              </a:xfrm>
+              <a:prstGeom prst="rect">
+                <a:avLst/>
+              </a:prstGeom>
+              <a:ln>
+                <a:noFill/>
+              </a:ln>
+            </p:spPr>
+            <p:style>
+              <a:lnRef idx="2">
+                <a:schemeClr val="dk1"/>
+              </a:lnRef>
+              <a:fillRef idx="1">
+                <a:schemeClr val="lt1"/>
+              </a:fillRef>
+              <a:effectRef idx="0">
+                <a:schemeClr val="dk1"/>
+              </a:effectRef>
+              <a:fontRef idx="minor">
+                <a:schemeClr val="dk1"/>
+              </a:fontRef>
+            </p:style>
+            <p:txBody>
+              <a:bodyPr rtlCol="0" anchor="ctr"/>
+              <a:lstStyle/>
+              <a:p>
+                <a:pPr algn="ctr"/>
+                <a:endParaRPr kumimoji="1" lang="ja-JP" altLang="en-US"/>
+              </a:p>
+            </p:txBody>
+          </p:sp>
+          <p:sp>
+            <p:nvSpPr>
+              <p:cNvPr id="99" name="正方形/長方形 98">
+                <a:extLst>
+                  <a:ext uri="{FF2B5EF4-FFF2-40B4-BE49-F238E27FC236}">
+                    <a16:creationId xmlns:a16="http://schemas.microsoft.com/office/drawing/2014/main" id="{BFD70D7B-93B4-034F-9C22-8F5F2FA224F0}"/>
+                  </a:ext>
+                </a:extLst>
+              </p:cNvPr>
+              <p:cNvSpPr/>
+              <p:nvPr/>
+            </p:nvSpPr>
+            <p:spPr>
+              <a:xfrm>
+                <a:off x="3407236" y="2471061"/>
+                <a:ext cx="341494" cy="228602"/>
+              </a:xfrm>
+              <a:prstGeom prst="rect">
+                <a:avLst/>
+              </a:prstGeom>
+              <a:ln>
+                <a:noFill/>
+              </a:ln>
+            </p:spPr>
+            <p:style>
+              <a:lnRef idx="2">
+                <a:schemeClr val="dk1"/>
+              </a:lnRef>
+              <a:fillRef idx="1">
+                <a:schemeClr val="lt1"/>
+              </a:fillRef>
+              <a:effectRef idx="0">
+                <a:schemeClr val="dk1"/>
+              </a:effectRef>
+              <a:fontRef idx="minor">
+                <a:schemeClr val="dk1"/>
+              </a:fontRef>
+            </p:style>
+            <p:txBody>
+              <a:bodyPr rtlCol="0" anchor="ctr"/>
+              <a:lstStyle/>
+              <a:p>
+                <a:pPr algn="ctr"/>
+                <a:endParaRPr kumimoji="1" lang="ja-JP" altLang="en-US"/>
+              </a:p>
+            </p:txBody>
+          </p:sp>
+          <p:sp>
+            <p:nvSpPr>
+              <p:cNvPr id="100" name="正方形/長方形 99">
+                <a:extLst>
+                  <a:ext uri="{FF2B5EF4-FFF2-40B4-BE49-F238E27FC236}">
+                    <a16:creationId xmlns:a16="http://schemas.microsoft.com/office/drawing/2014/main" id="{76E38BA9-F8EB-A54D-9DE7-0402995F77D1}"/>
+                  </a:ext>
+                </a:extLst>
+              </p:cNvPr>
+              <p:cNvSpPr/>
+              <p:nvPr/>
+            </p:nvSpPr>
+            <p:spPr>
+              <a:xfrm>
+                <a:off x="3407235" y="3494316"/>
+                <a:ext cx="341494" cy="228602"/>
+              </a:xfrm>
+              <a:prstGeom prst="rect">
+                <a:avLst/>
+              </a:prstGeom>
+              <a:ln>
+                <a:noFill/>
+              </a:ln>
+            </p:spPr>
+            <p:style>
+              <a:lnRef idx="2">
+                <a:schemeClr val="dk1"/>
+              </a:lnRef>
+              <a:fillRef idx="1">
+                <a:schemeClr val="lt1"/>
+              </a:fillRef>
+              <a:effectRef idx="0">
+                <a:schemeClr val="dk1"/>
+              </a:effectRef>
+              <a:fontRef idx="minor">
+                <a:schemeClr val="dk1"/>
+              </a:fontRef>
+            </p:style>
+            <p:txBody>
+              <a:bodyPr rtlCol="0" anchor="ctr"/>
+              <a:lstStyle/>
+              <a:p>
+                <a:pPr algn="ctr"/>
+                <a:endParaRPr kumimoji="1" lang="ja-JP" altLang="en-US"/>
+              </a:p>
+            </p:txBody>
+          </p:sp>
+          <p:sp>
+            <p:nvSpPr>
+              <p:cNvPr id="101" name="正方形/長方形 100">
+                <a:extLst>
+                  <a:ext uri="{FF2B5EF4-FFF2-40B4-BE49-F238E27FC236}">
+                    <a16:creationId xmlns:a16="http://schemas.microsoft.com/office/drawing/2014/main" id="{9302F752-A6B8-C44C-8CA4-828B3091CF8E}"/>
+                  </a:ext>
+                </a:extLst>
+              </p:cNvPr>
+              <p:cNvSpPr/>
+              <p:nvPr/>
+            </p:nvSpPr>
+            <p:spPr>
+              <a:xfrm>
+                <a:off x="2362208" y="3505198"/>
+                <a:ext cx="341494" cy="228602"/>
+              </a:xfrm>
+              <a:prstGeom prst="rect">
+                <a:avLst/>
+              </a:prstGeom>
+              <a:ln>
+                <a:noFill/>
+              </a:ln>
+            </p:spPr>
+            <p:style>
+              <a:lnRef idx="2">
+                <a:schemeClr val="dk1"/>
+              </a:lnRef>
+              <a:fillRef idx="1">
+                <a:schemeClr val="lt1"/>
+              </a:fillRef>
+              <a:effectRef idx="0">
+                <a:schemeClr val="dk1"/>
+              </a:effectRef>
+              <a:fontRef idx="minor">
+                <a:schemeClr val="dk1"/>
+              </a:fontRef>
+            </p:style>
+            <p:txBody>
+              <a:bodyPr rtlCol="0" anchor="ctr"/>
+              <a:lstStyle/>
+              <a:p>
+                <a:pPr algn="ctr"/>
+                <a:endParaRPr kumimoji="1" lang="ja-JP" altLang="en-US"/>
+              </a:p>
+            </p:txBody>
+          </p:sp>
+          <p:sp>
+            <p:nvSpPr>
+              <p:cNvPr id="102" name="正方形/長方形 101">
+                <a:extLst>
+                  <a:ext uri="{FF2B5EF4-FFF2-40B4-BE49-F238E27FC236}">
+                    <a16:creationId xmlns:a16="http://schemas.microsoft.com/office/drawing/2014/main" id="{9D9DB2AA-9C8B-EE4F-BD8A-510795DFDB39}"/>
+                  </a:ext>
+                </a:extLst>
+              </p:cNvPr>
+              <p:cNvSpPr/>
+              <p:nvPr/>
+            </p:nvSpPr>
+            <p:spPr>
+              <a:xfrm>
+                <a:off x="1328066" y="3516084"/>
+                <a:ext cx="341494" cy="228602"/>
+              </a:xfrm>
+              <a:prstGeom prst="rect">
+                <a:avLst/>
+              </a:prstGeom>
+              <a:ln>
+                <a:noFill/>
+              </a:ln>
+            </p:spPr>
+            <p:style>
+              <a:lnRef idx="2">
+                <a:schemeClr val="dk1"/>
+              </a:lnRef>
+              <a:fillRef idx="1">
+                <a:schemeClr val="lt1"/>
+              </a:fillRef>
+              <a:effectRef idx="0">
+                <a:schemeClr val="dk1"/>
+              </a:effectRef>
+              <a:fontRef idx="minor">
+                <a:schemeClr val="dk1"/>
+              </a:fontRef>
+            </p:style>
+            <p:txBody>
+              <a:bodyPr rtlCol="0" anchor="ctr"/>
+              <a:lstStyle/>
+              <a:p>
+                <a:pPr algn="ctr"/>
+                <a:endParaRPr kumimoji="1" lang="ja-JP" altLang="en-US"/>
+              </a:p>
+            </p:txBody>
+          </p:sp>
+          <p:sp>
+            <p:nvSpPr>
+              <p:cNvPr id="103" name="正方形/長方形 102">
+                <a:extLst>
+                  <a:ext uri="{FF2B5EF4-FFF2-40B4-BE49-F238E27FC236}">
+                    <a16:creationId xmlns:a16="http://schemas.microsoft.com/office/drawing/2014/main" id="{9872EE97-191F-5345-8340-032E75E96CCB}"/>
+                  </a:ext>
+                </a:extLst>
+              </p:cNvPr>
+              <p:cNvSpPr/>
+              <p:nvPr/>
+            </p:nvSpPr>
+            <p:spPr>
+              <a:xfrm>
+                <a:off x="1338950" y="2481941"/>
+                <a:ext cx="341494" cy="228602"/>
+              </a:xfrm>
+              <a:prstGeom prst="rect">
+                <a:avLst/>
+              </a:prstGeom>
+              <a:ln>
+                <a:noFill/>
+              </a:ln>
+            </p:spPr>
+            <p:style>
+              <a:lnRef idx="2">
+                <a:schemeClr val="dk1"/>
+              </a:lnRef>
+              <a:fillRef idx="1">
+                <a:schemeClr val="lt1"/>
+              </a:fillRef>
+              <a:effectRef idx="0">
+                <a:schemeClr val="dk1"/>
+              </a:effectRef>
+              <a:fontRef idx="minor">
+                <a:schemeClr val="dk1"/>
+              </a:fontRef>
+            </p:style>
+            <p:txBody>
+              <a:bodyPr rtlCol="0" anchor="ctr"/>
+              <a:lstStyle/>
+              <a:p>
+                <a:pPr algn="ctr"/>
+                <a:endParaRPr kumimoji="1" lang="ja-JP" altLang="en-US"/>
+              </a:p>
+            </p:txBody>
+          </p:sp>
+          <p:sp>
+            <p:nvSpPr>
+              <p:cNvPr id="104" name="正方形/長方形 103">
+                <a:extLst>
+                  <a:ext uri="{FF2B5EF4-FFF2-40B4-BE49-F238E27FC236}">
+                    <a16:creationId xmlns:a16="http://schemas.microsoft.com/office/drawing/2014/main" id="{E0F9F777-A0AD-8949-B08A-33F2C5618F3D}"/>
+                  </a:ext>
+                </a:extLst>
+              </p:cNvPr>
+              <p:cNvSpPr/>
+              <p:nvPr/>
+            </p:nvSpPr>
+            <p:spPr>
+              <a:xfrm>
+                <a:off x="2373092" y="2481940"/>
+                <a:ext cx="341494" cy="228602"/>
+              </a:xfrm>
+              <a:prstGeom prst="rect">
+                <a:avLst/>
+              </a:prstGeom>
+              <a:ln>
+                <a:noFill/>
+              </a:ln>
+            </p:spPr>
+            <p:style>
+              <a:lnRef idx="2">
+                <a:schemeClr val="dk1"/>
+              </a:lnRef>
+              <a:fillRef idx="1">
+                <a:schemeClr val="lt1"/>
+              </a:fillRef>
+              <a:effectRef idx="0">
+                <a:schemeClr val="dk1"/>
+              </a:effectRef>
+              <a:fontRef idx="minor">
+                <a:schemeClr val="dk1"/>
+              </a:fontRef>
+            </p:style>
+            <p:txBody>
+              <a:bodyPr rtlCol="0" anchor="ctr"/>
+              <a:lstStyle/>
+              <a:p>
+                <a:pPr algn="ctr"/>
+                <a:endParaRPr kumimoji="1" lang="ja-JP" altLang="en-US"/>
+              </a:p>
+            </p:txBody>
+          </p:sp>
+          <p:sp>
+            <p:nvSpPr>
+              <p:cNvPr id="105" name="正方形/長方形 104">
+                <a:extLst>
+                  <a:ext uri="{FF2B5EF4-FFF2-40B4-BE49-F238E27FC236}">
+                    <a16:creationId xmlns:a16="http://schemas.microsoft.com/office/drawing/2014/main" id="{A2C23D55-5145-5A4D-94E7-370A57487F63}"/>
+                  </a:ext>
+                </a:extLst>
+              </p:cNvPr>
+              <p:cNvSpPr/>
+              <p:nvPr/>
+            </p:nvSpPr>
+            <p:spPr>
+              <a:xfrm>
+                <a:off x="2373091" y="1458683"/>
+                <a:ext cx="341494" cy="228602"/>
+              </a:xfrm>
+              <a:prstGeom prst="rect">
+                <a:avLst/>
+              </a:prstGeom>
+              <a:ln>
+                <a:noFill/>
+              </a:ln>
+            </p:spPr>
+            <p:style>
+              <a:lnRef idx="2">
+                <a:schemeClr val="dk1"/>
+              </a:lnRef>
+              <a:fillRef idx="1">
+                <a:schemeClr val="lt1"/>
+              </a:fillRef>
+              <a:effectRef idx="0">
+                <a:schemeClr val="dk1"/>
+              </a:effectRef>
+              <a:fontRef idx="minor">
+                <a:schemeClr val="dk1"/>
+              </a:fontRef>
+            </p:style>
+            <p:txBody>
+              <a:bodyPr rtlCol="0" anchor="ctr"/>
+              <a:lstStyle/>
+              <a:p>
+                <a:pPr algn="ctr"/>
+                <a:endParaRPr kumimoji="1" lang="ja-JP" altLang="en-US"/>
+              </a:p>
+            </p:txBody>
+          </p:sp>
+          <p:sp>
+            <p:nvSpPr>
+              <p:cNvPr id="106" name="正方形/長方形 105">
+                <a:extLst>
+                  <a:ext uri="{FF2B5EF4-FFF2-40B4-BE49-F238E27FC236}">
+                    <a16:creationId xmlns:a16="http://schemas.microsoft.com/office/drawing/2014/main" id="{C0FAD065-A30B-ED4F-B81C-AA86830F36F7}"/>
+                  </a:ext>
+                </a:extLst>
+              </p:cNvPr>
+              <p:cNvSpPr/>
+              <p:nvPr/>
+            </p:nvSpPr>
+            <p:spPr>
+              <a:xfrm>
+                <a:off x="1349835" y="1469565"/>
+                <a:ext cx="341494" cy="228602"/>
+              </a:xfrm>
+              <a:prstGeom prst="rect">
+                <a:avLst/>
+              </a:prstGeom>
+              <a:ln>
+                <a:noFill/>
+              </a:ln>
+            </p:spPr>
+            <p:style>
+              <a:lnRef idx="2">
+                <a:schemeClr val="dk1"/>
+              </a:lnRef>
+              <a:fillRef idx="1">
+                <a:schemeClr val="lt1"/>
+              </a:fillRef>
+              <a:effectRef idx="0">
+                <a:schemeClr val="dk1"/>
+              </a:effectRef>
+              <a:fontRef idx="minor">
+                <a:schemeClr val="dk1"/>
+              </a:fontRef>
+            </p:style>
+            <p:txBody>
+              <a:bodyPr rtlCol="0" anchor="ctr"/>
+              <a:lstStyle/>
+              <a:p>
+                <a:pPr algn="ctr"/>
+                <a:endParaRPr kumimoji="1" lang="ja-JP" altLang="en-US"/>
+              </a:p>
+            </p:txBody>
+          </p:sp>
+        </p:grpSp>
+        <p:sp>
+          <p:nvSpPr>
+            <p:cNvPr id="76" name="テキスト ボックス 75">
+              <a:extLst>
+                <a:ext uri="{FF2B5EF4-FFF2-40B4-BE49-F238E27FC236}">
+                  <a16:creationId xmlns:a16="http://schemas.microsoft.com/office/drawing/2014/main" id="{7946FA0C-0743-E745-96E3-3E6C40F862E9}"/>
+                </a:ext>
+              </a:extLst>
+            </p:cNvPr>
+            <p:cNvSpPr txBox="1"/>
+            <p:nvPr/>
+          </p:nvSpPr>
+          <p:spPr>
+            <a:xfrm>
+              <a:off x="1371610" y="1366548"/>
+              <a:ext cx="312906" cy="369332"/>
+            </a:xfrm>
+            <a:prstGeom prst="rect">
+              <a:avLst/>
+            </a:prstGeom>
+            <a:noFill/>
+            <a:ln>
+              <a:noFill/>
+            </a:ln>
+          </p:spPr>
+          <p:txBody>
+            <a:bodyPr wrap="none" rtlCol="0">
+              <a:spAutoFit/>
+            </a:bodyPr>
+            <a:lstStyle/>
+            <a:p>
+              <a:r>
+                <a:rPr lang="en-US" altLang="ja-JP" dirty="0">
+                  <a:latin typeface="Helvetica Neue" panose="02000503000000020004" pitchFamily="2" charset="0"/>
+                  <a:cs typeface="Helvetica Neue" panose="02000503000000020004" pitchFamily="2" charset="0"/>
+                </a:rPr>
+                <a:t>5</a:t>
+              </a:r>
+              <a:endParaRPr kumimoji="1" lang="ja-JP" altLang="en-US">
+                <a:latin typeface="Helvetica Neue" panose="02000503000000020004" pitchFamily="2" charset="0"/>
+                <a:cs typeface="Helvetica Neue" panose="02000503000000020004" pitchFamily="2" charset="0"/>
+              </a:endParaRPr>
+            </a:p>
+          </p:txBody>
+        </p:sp>
+        <p:sp>
+          <p:nvSpPr>
+            <p:cNvPr id="77" name="テキスト ボックス 76">
+              <a:extLst>
+                <a:ext uri="{FF2B5EF4-FFF2-40B4-BE49-F238E27FC236}">
+                  <a16:creationId xmlns:a16="http://schemas.microsoft.com/office/drawing/2014/main" id="{68D91BAC-67F3-9B49-BB6B-A1FA48D6C366}"/>
+                </a:ext>
+              </a:extLst>
+            </p:cNvPr>
+            <p:cNvSpPr txBox="1"/>
+            <p:nvPr/>
+          </p:nvSpPr>
+          <p:spPr>
+            <a:xfrm>
+              <a:off x="2400309" y="1366548"/>
+              <a:ext cx="312906" cy="369332"/>
+            </a:xfrm>
+            <a:prstGeom prst="rect">
+              <a:avLst/>
+            </a:prstGeom>
+            <a:noFill/>
+            <a:ln>
+              <a:noFill/>
+            </a:ln>
+          </p:spPr>
+          <p:txBody>
+            <a:bodyPr wrap="none" rtlCol="0">
+              <a:spAutoFit/>
+            </a:bodyPr>
+            <a:lstStyle/>
+            <a:p>
+              <a:r>
+                <a:rPr lang="en-US" altLang="ja-JP" dirty="0">
+                  <a:latin typeface="Helvetica Neue" panose="02000503000000020004" pitchFamily="2" charset="0"/>
+                  <a:cs typeface="Helvetica Neue" panose="02000503000000020004" pitchFamily="2" charset="0"/>
+                </a:rPr>
+                <a:t>2</a:t>
+              </a:r>
+              <a:endParaRPr kumimoji="1" lang="ja-JP" altLang="en-US">
+                <a:latin typeface="Helvetica Neue" panose="02000503000000020004" pitchFamily="2" charset="0"/>
+                <a:cs typeface="Helvetica Neue" panose="02000503000000020004" pitchFamily="2" charset="0"/>
+              </a:endParaRPr>
+            </a:p>
+          </p:txBody>
+        </p:sp>
+        <p:sp>
+          <p:nvSpPr>
+            <p:cNvPr id="78" name="テキスト ボックス 77">
+              <a:extLst>
+                <a:ext uri="{FF2B5EF4-FFF2-40B4-BE49-F238E27FC236}">
+                  <a16:creationId xmlns:a16="http://schemas.microsoft.com/office/drawing/2014/main" id="{6D078D7D-083C-0047-B3CD-7492EEF01A6C}"/>
+                </a:ext>
+              </a:extLst>
+            </p:cNvPr>
+            <p:cNvSpPr txBox="1"/>
+            <p:nvPr/>
+          </p:nvSpPr>
+          <p:spPr>
+            <a:xfrm>
+              <a:off x="3429009" y="1366548"/>
+              <a:ext cx="312906" cy="369332"/>
+            </a:xfrm>
+            <a:prstGeom prst="rect">
+              <a:avLst/>
+            </a:prstGeom>
+            <a:noFill/>
+            <a:ln>
+              <a:noFill/>
+            </a:ln>
+          </p:spPr>
+          <p:txBody>
+            <a:bodyPr wrap="none" rtlCol="0">
+              <a:spAutoFit/>
+            </a:bodyPr>
+            <a:lstStyle/>
+            <a:p>
+              <a:r>
+                <a:rPr kumimoji="1" lang="en-US" altLang="ja-JP" dirty="0">
+                  <a:latin typeface="Helvetica Neue" panose="02000503000000020004" pitchFamily="2" charset="0"/>
+                  <a:cs typeface="Helvetica Neue" panose="02000503000000020004" pitchFamily="2" charset="0"/>
+                </a:rPr>
+                <a:t>3</a:t>
+              </a:r>
+              <a:endParaRPr kumimoji="1" lang="ja-JP" altLang="en-US">
+                <a:latin typeface="Helvetica Neue" panose="02000503000000020004" pitchFamily="2" charset="0"/>
+                <a:cs typeface="Helvetica Neue" panose="02000503000000020004" pitchFamily="2" charset="0"/>
+              </a:endParaRPr>
+            </a:p>
+          </p:txBody>
+        </p:sp>
+        <p:sp>
+          <p:nvSpPr>
+            <p:cNvPr id="79" name="テキスト ボックス 78">
+              <a:extLst>
+                <a:ext uri="{FF2B5EF4-FFF2-40B4-BE49-F238E27FC236}">
+                  <a16:creationId xmlns:a16="http://schemas.microsoft.com/office/drawing/2014/main" id="{0A28BD35-3B0B-E94B-ACC2-996314617259}"/>
+                </a:ext>
+              </a:extLst>
+            </p:cNvPr>
+            <p:cNvSpPr txBox="1"/>
+            <p:nvPr/>
+          </p:nvSpPr>
+          <p:spPr>
+            <a:xfrm>
+              <a:off x="1371608" y="2411574"/>
+              <a:ext cx="312906" cy="369332"/>
+            </a:xfrm>
+            <a:prstGeom prst="rect">
+              <a:avLst/>
+            </a:prstGeom>
+            <a:noFill/>
+            <a:ln>
+              <a:noFill/>
+            </a:ln>
+          </p:spPr>
+          <p:txBody>
+            <a:bodyPr wrap="none" rtlCol="0">
+              <a:spAutoFit/>
+            </a:bodyPr>
+            <a:lstStyle/>
+            <a:p>
+              <a:r>
+                <a:rPr kumimoji="1" lang="en-US" altLang="ja-JP" dirty="0">
+                  <a:latin typeface="Helvetica Neue" panose="02000503000000020004" pitchFamily="2" charset="0"/>
+                  <a:cs typeface="Helvetica Neue" panose="02000503000000020004" pitchFamily="2" charset="0"/>
+                </a:rPr>
+                <a:t>9</a:t>
+              </a:r>
+              <a:endParaRPr kumimoji="1" lang="ja-JP" altLang="en-US">
+                <a:latin typeface="Helvetica Neue" panose="02000503000000020004" pitchFamily="2" charset="0"/>
+                <a:cs typeface="Helvetica Neue" panose="02000503000000020004" pitchFamily="2" charset="0"/>
+              </a:endParaRPr>
+            </a:p>
+          </p:txBody>
+        </p:sp>
+        <p:sp>
+          <p:nvSpPr>
+            <p:cNvPr id="80" name="テキスト ボックス 79">
+              <a:extLst>
+                <a:ext uri="{FF2B5EF4-FFF2-40B4-BE49-F238E27FC236}">
+                  <a16:creationId xmlns:a16="http://schemas.microsoft.com/office/drawing/2014/main" id="{22C34200-D881-FA49-A2D5-EA9D448447D5}"/>
+                </a:ext>
+              </a:extLst>
+            </p:cNvPr>
+            <p:cNvSpPr txBox="1"/>
+            <p:nvPr/>
+          </p:nvSpPr>
+          <p:spPr>
+            <a:xfrm>
+              <a:off x="2400307" y="2411574"/>
+              <a:ext cx="312906" cy="369332"/>
+            </a:xfrm>
+            <a:prstGeom prst="rect">
+              <a:avLst/>
+            </a:prstGeom>
+            <a:noFill/>
+            <a:ln>
+              <a:noFill/>
+            </a:ln>
+          </p:spPr>
+          <p:txBody>
+            <a:bodyPr wrap="none" rtlCol="0">
+              <a:spAutoFit/>
+            </a:bodyPr>
+            <a:lstStyle/>
+            <a:p>
+              <a:r>
+                <a:rPr kumimoji="1" lang="en-US" altLang="ja-JP" dirty="0">
+                  <a:latin typeface="Helvetica Neue" panose="02000503000000020004" pitchFamily="2" charset="0"/>
+                  <a:cs typeface="Helvetica Neue" panose="02000503000000020004" pitchFamily="2" charset="0"/>
+                </a:rPr>
+                <a:t>5</a:t>
+              </a:r>
+              <a:endParaRPr kumimoji="1" lang="ja-JP" altLang="en-US">
+                <a:latin typeface="Helvetica Neue" panose="02000503000000020004" pitchFamily="2" charset="0"/>
+                <a:cs typeface="Helvetica Neue" panose="02000503000000020004" pitchFamily="2" charset="0"/>
+              </a:endParaRPr>
+            </a:p>
+          </p:txBody>
+        </p:sp>
+        <p:sp>
+          <p:nvSpPr>
+            <p:cNvPr id="81" name="テキスト ボックス 80">
+              <a:extLst>
+                <a:ext uri="{FF2B5EF4-FFF2-40B4-BE49-F238E27FC236}">
+                  <a16:creationId xmlns:a16="http://schemas.microsoft.com/office/drawing/2014/main" id="{B3BA86B6-4538-B947-92DD-57FE30AE3945}"/>
+                </a:ext>
+              </a:extLst>
+            </p:cNvPr>
+            <p:cNvSpPr txBox="1"/>
+            <p:nvPr/>
+          </p:nvSpPr>
+          <p:spPr>
+            <a:xfrm>
+              <a:off x="3429007" y="2411574"/>
+              <a:ext cx="312906" cy="369332"/>
+            </a:xfrm>
+            <a:prstGeom prst="rect">
+              <a:avLst/>
+            </a:prstGeom>
+            <a:noFill/>
+            <a:ln>
+              <a:noFill/>
+            </a:ln>
+          </p:spPr>
+          <p:txBody>
+            <a:bodyPr wrap="none" rtlCol="0">
+              <a:spAutoFit/>
+            </a:bodyPr>
+            <a:lstStyle/>
+            <a:p>
+              <a:r>
+                <a:rPr lang="en-US" altLang="ja-JP" dirty="0">
+                  <a:latin typeface="Helvetica Neue" panose="02000503000000020004" pitchFamily="2" charset="0"/>
+                  <a:cs typeface="Helvetica Neue" panose="02000503000000020004" pitchFamily="2" charset="0"/>
+                </a:rPr>
+                <a:t>6</a:t>
+              </a:r>
+              <a:endParaRPr kumimoji="1" lang="ja-JP" altLang="en-US">
+                <a:latin typeface="Helvetica Neue" panose="02000503000000020004" pitchFamily="2" charset="0"/>
+                <a:cs typeface="Helvetica Neue" panose="02000503000000020004" pitchFamily="2" charset="0"/>
+              </a:endParaRPr>
+            </a:p>
+          </p:txBody>
+        </p:sp>
+        <p:sp>
+          <p:nvSpPr>
+            <p:cNvPr id="82" name="テキスト ボックス 81">
+              <a:extLst>
+                <a:ext uri="{FF2B5EF4-FFF2-40B4-BE49-F238E27FC236}">
+                  <a16:creationId xmlns:a16="http://schemas.microsoft.com/office/drawing/2014/main" id="{3A08E491-8892-FD4D-B823-5BC419ED669A}"/>
+                </a:ext>
+              </a:extLst>
+            </p:cNvPr>
+            <p:cNvSpPr txBox="1"/>
+            <p:nvPr/>
+          </p:nvSpPr>
+          <p:spPr>
+            <a:xfrm>
+              <a:off x="1317179" y="3423947"/>
+              <a:ext cx="441146" cy="369332"/>
+            </a:xfrm>
+            <a:prstGeom prst="rect">
+              <a:avLst/>
+            </a:prstGeom>
+            <a:noFill/>
+            <a:ln>
+              <a:noFill/>
+            </a:ln>
+          </p:spPr>
+          <p:txBody>
+            <a:bodyPr wrap="none" rtlCol="0">
+              <a:spAutoFit/>
+            </a:bodyPr>
+            <a:lstStyle/>
+            <a:p>
+              <a:r>
+                <a:rPr kumimoji="1" lang="en-US" altLang="ja-JP" dirty="0">
+                  <a:latin typeface="Helvetica Neue" panose="02000503000000020004" pitchFamily="2" charset="0"/>
+                  <a:cs typeface="Helvetica Neue" panose="02000503000000020004" pitchFamily="2" charset="0"/>
+                </a:rPr>
+                <a:t>13</a:t>
+              </a:r>
+              <a:endParaRPr kumimoji="1" lang="ja-JP" altLang="en-US">
+                <a:latin typeface="Helvetica Neue" panose="02000503000000020004" pitchFamily="2" charset="0"/>
+                <a:cs typeface="Helvetica Neue" panose="02000503000000020004" pitchFamily="2" charset="0"/>
+              </a:endParaRPr>
+            </a:p>
+          </p:txBody>
+        </p:sp>
+        <p:sp>
+          <p:nvSpPr>
+            <p:cNvPr id="83" name="テキスト ボックス 82">
+              <a:extLst>
+                <a:ext uri="{FF2B5EF4-FFF2-40B4-BE49-F238E27FC236}">
+                  <a16:creationId xmlns:a16="http://schemas.microsoft.com/office/drawing/2014/main" id="{C69C5460-BC49-E54F-936C-944E7857BA87}"/>
+                </a:ext>
+              </a:extLst>
+            </p:cNvPr>
+            <p:cNvSpPr txBox="1"/>
+            <p:nvPr/>
+          </p:nvSpPr>
+          <p:spPr>
+            <a:xfrm>
+              <a:off x="2400308" y="3423947"/>
+              <a:ext cx="312906" cy="369332"/>
+            </a:xfrm>
+            <a:prstGeom prst="rect">
+              <a:avLst/>
+            </a:prstGeom>
+            <a:noFill/>
+            <a:ln>
+              <a:noFill/>
+            </a:ln>
+          </p:spPr>
+          <p:txBody>
+            <a:bodyPr wrap="none" rtlCol="0">
+              <a:spAutoFit/>
+            </a:bodyPr>
+            <a:lstStyle/>
+            <a:p>
+              <a:r>
+                <a:rPr lang="en-US" altLang="ja-JP" dirty="0">
+                  <a:latin typeface="Helvetica Neue" panose="02000503000000020004" pitchFamily="2" charset="0"/>
+                  <a:cs typeface="Helvetica Neue" panose="02000503000000020004" pitchFamily="2" charset="0"/>
+                </a:rPr>
+                <a:t>8</a:t>
+              </a:r>
+              <a:endParaRPr kumimoji="1" lang="ja-JP" altLang="en-US">
+                <a:latin typeface="Helvetica Neue" panose="02000503000000020004" pitchFamily="2" charset="0"/>
+                <a:cs typeface="Helvetica Neue" panose="02000503000000020004" pitchFamily="2" charset="0"/>
+              </a:endParaRPr>
+            </a:p>
+          </p:txBody>
+        </p:sp>
+        <p:sp>
+          <p:nvSpPr>
+            <p:cNvPr id="84" name="テキスト ボックス 83">
+              <a:extLst>
+                <a:ext uri="{FF2B5EF4-FFF2-40B4-BE49-F238E27FC236}">
+                  <a16:creationId xmlns:a16="http://schemas.microsoft.com/office/drawing/2014/main" id="{6422E673-6208-814D-A0C6-FFA282E7BCE3}"/>
+                </a:ext>
+              </a:extLst>
+            </p:cNvPr>
+            <p:cNvSpPr txBox="1"/>
+            <p:nvPr/>
+          </p:nvSpPr>
+          <p:spPr>
+            <a:xfrm>
+              <a:off x="3429008" y="3423947"/>
+              <a:ext cx="312906" cy="369332"/>
+            </a:xfrm>
+            <a:prstGeom prst="rect">
+              <a:avLst/>
+            </a:prstGeom>
+            <a:noFill/>
+            <a:ln>
+              <a:noFill/>
+            </a:ln>
+          </p:spPr>
+          <p:txBody>
+            <a:bodyPr wrap="none" rtlCol="0">
+              <a:spAutoFit/>
+            </a:bodyPr>
+            <a:lstStyle/>
+            <a:p>
+              <a:r>
+                <a:rPr lang="en-US" altLang="ja-JP" dirty="0">
+                  <a:latin typeface="Helvetica Neue" panose="02000503000000020004" pitchFamily="2" charset="0"/>
+                  <a:cs typeface="Helvetica Neue" panose="02000503000000020004" pitchFamily="2" charset="0"/>
+                </a:rPr>
+                <a:t>9</a:t>
+              </a:r>
+              <a:endParaRPr kumimoji="1" lang="ja-JP" altLang="en-US">
+                <a:latin typeface="Helvetica Neue" panose="02000503000000020004" pitchFamily="2" charset="0"/>
+                <a:cs typeface="Helvetica Neue" panose="02000503000000020004" pitchFamily="2" charset="0"/>
+              </a:endParaRPr>
+            </a:p>
+          </p:txBody>
+        </p:sp>
+      </p:grpSp>
+      <p:grpSp>
+        <p:nvGrpSpPr>
+          <p:cNvPr id="107" name="グループ化 106">
+            <a:extLst>
+              <a:ext uri="{FF2B5EF4-FFF2-40B4-BE49-F238E27FC236}">
+                <a16:creationId xmlns:a16="http://schemas.microsoft.com/office/drawing/2014/main" id="{AE4DB932-393C-CB49-85B4-895AA39B4067}"/>
+              </a:ext>
+            </a:extLst>
+          </p:cNvPr>
+          <p:cNvGrpSpPr/>
+          <p:nvPr/>
+        </p:nvGrpSpPr>
+        <p:grpSpPr>
+          <a:xfrm>
+            <a:off x="1888316" y="2159844"/>
+            <a:ext cx="3064678" cy="2899019"/>
+            <a:chOff x="865065" y="1136588"/>
+            <a:chExt cx="3064678" cy="2899019"/>
+          </a:xfrm>
+        </p:grpSpPr>
+        <p:grpSp>
+          <p:nvGrpSpPr>
+            <p:cNvPr id="108" name="グループ化 107">
+              <a:extLst>
+                <a:ext uri="{FF2B5EF4-FFF2-40B4-BE49-F238E27FC236}">
+                  <a16:creationId xmlns:a16="http://schemas.microsoft.com/office/drawing/2014/main" id="{1B4E8BA0-986C-4B47-B13A-9552F4F94C88}"/>
+                </a:ext>
+              </a:extLst>
+            </p:cNvPr>
+            <p:cNvGrpSpPr/>
+            <p:nvPr/>
+          </p:nvGrpSpPr>
+          <p:grpSpPr>
+            <a:xfrm>
+              <a:off x="865065" y="1136588"/>
+              <a:ext cx="3064678" cy="2899019"/>
+              <a:chOff x="865065" y="1136588"/>
+              <a:chExt cx="3064678" cy="2899019"/>
+            </a:xfrm>
+          </p:grpSpPr>
+          <p:pic>
+            <p:nvPicPr>
+              <p:cNvPr id="118" name="図 117">
+                <a:extLst>
+                  <a:ext uri="{FF2B5EF4-FFF2-40B4-BE49-F238E27FC236}">
+                    <a16:creationId xmlns:a16="http://schemas.microsoft.com/office/drawing/2014/main" id="{C2CDB88F-4BEC-E744-9EA3-23211174538E}"/>
+                  </a:ext>
+                </a:extLst>
+              </p:cNvPr>
+              <p:cNvPicPr>
+                <a:picLocks noChangeAspect="1"/>
+              </p:cNvPicPr>
+              <p:nvPr/>
+            </p:nvPicPr>
+            <p:blipFill>
+              <a:blip r:embed="rId2"/>
+              <a:stretch>
+                <a:fillRect/>
+              </a:stretch>
+            </p:blipFill>
+            <p:spPr>
+              <a:xfrm>
+                <a:off x="865065" y="1136588"/>
+                <a:ext cx="3064678" cy="2899019"/>
+              </a:xfrm>
+              <a:prstGeom prst="rect">
+                <a:avLst/>
+              </a:prstGeom>
+              <a:ln>
+                <a:noFill/>
+              </a:ln>
+            </p:spPr>
+          </p:pic>
+          <p:sp>
+            <p:nvSpPr>
+              <p:cNvPr id="119" name="正方形/長方形 118">
+                <a:extLst>
+                  <a:ext uri="{FF2B5EF4-FFF2-40B4-BE49-F238E27FC236}">
+                    <a16:creationId xmlns:a16="http://schemas.microsoft.com/office/drawing/2014/main" id="{CBC38B1E-3815-7D49-93F1-C7455EC49411}"/>
+                  </a:ext>
+                </a:extLst>
+              </p:cNvPr>
+              <p:cNvSpPr/>
+              <p:nvPr/>
+            </p:nvSpPr>
+            <p:spPr>
+              <a:xfrm>
+                <a:off x="3178630" y="1850571"/>
+                <a:ext cx="341494" cy="381001"/>
+              </a:xfrm>
+              <a:prstGeom prst="rect">
+                <a:avLst/>
+              </a:prstGeom>
+              <a:ln>
+                <a:noFill/>
+              </a:ln>
+            </p:spPr>
+            <p:style>
+              <a:lnRef idx="2">
+                <a:schemeClr val="dk1"/>
+              </a:lnRef>
+              <a:fillRef idx="1">
+                <a:schemeClr val="lt1"/>
+              </a:fillRef>
+              <a:effectRef idx="0">
+                <a:schemeClr val="dk1"/>
+              </a:effectRef>
+              <a:fontRef idx="minor">
+                <a:schemeClr val="dk1"/>
+              </a:fontRef>
+            </p:style>
+            <p:txBody>
+              <a:bodyPr rtlCol="0" anchor="ctr"/>
+              <a:lstStyle/>
+              <a:p>
+                <a:pPr algn="ctr"/>
+                <a:endParaRPr kumimoji="1" lang="ja-JP" altLang="en-US"/>
+              </a:p>
+            </p:txBody>
+          </p:sp>
+          <p:sp>
+            <p:nvSpPr>
+              <p:cNvPr id="120" name="正方形/長方形 119">
+                <a:extLst>
+                  <a:ext uri="{FF2B5EF4-FFF2-40B4-BE49-F238E27FC236}">
+                    <a16:creationId xmlns:a16="http://schemas.microsoft.com/office/drawing/2014/main" id="{F179AEE7-698F-F84B-BA47-D3440006DE45}"/>
+                  </a:ext>
+                </a:extLst>
+              </p:cNvPr>
+              <p:cNvSpPr/>
+              <p:nvPr/>
+            </p:nvSpPr>
+            <p:spPr>
+              <a:xfrm>
+                <a:off x="2928260" y="2090057"/>
+                <a:ext cx="341494" cy="381001"/>
+              </a:xfrm>
+              <a:prstGeom prst="rect">
+                <a:avLst/>
+              </a:prstGeom>
+              <a:ln>
+                <a:noFill/>
+              </a:ln>
+            </p:spPr>
+            <p:style>
+              <a:lnRef idx="2">
+                <a:schemeClr val="dk1"/>
+              </a:lnRef>
+              <a:fillRef idx="1">
+                <a:schemeClr val="lt1"/>
+              </a:fillRef>
+              <a:effectRef idx="0">
+                <a:schemeClr val="dk1"/>
+              </a:effectRef>
+              <a:fontRef idx="minor">
+                <a:schemeClr val="dk1"/>
+              </a:fontRef>
+            </p:style>
+            <p:txBody>
+              <a:bodyPr rtlCol="0" anchor="ctr"/>
+              <a:lstStyle/>
+              <a:p>
+                <a:pPr algn="ctr"/>
+                <a:endParaRPr kumimoji="1" lang="ja-JP" altLang="en-US"/>
+              </a:p>
+            </p:txBody>
+          </p:sp>
+          <p:sp>
+            <p:nvSpPr>
+              <p:cNvPr id="121" name="正方形/長方形 120">
+                <a:extLst>
+                  <a:ext uri="{FF2B5EF4-FFF2-40B4-BE49-F238E27FC236}">
+                    <a16:creationId xmlns:a16="http://schemas.microsoft.com/office/drawing/2014/main" id="{F2A34971-AC5C-CF47-BCF6-C618DB4DAF40}"/>
+                  </a:ext>
+                </a:extLst>
+              </p:cNvPr>
+              <p:cNvSpPr/>
+              <p:nvPr/>
+            </p:nvSpPr>
+            <p:spPr>
+              <a:xfrm>
+                <a:off x="3113318" y="2895599"/>
+                <a:ext cx="341494" cy="381001"/>
+              </a:xfrm>
+              <a:prstGeom prst="rect">
+                <a:avLst/>
+              </a:prstGeom>
+              <a:ln>
+                <a:noFill/>
+              </a:ln>
+            </p:spPr>
+            <p:style>
+              <a:lnRef idx="2">
+                <a:schemeClr val="dk1"/>
+              </a:lnRef>
+              <a:fillRef idx="1">
+                <a:schemeClr val="lt1"/>
+              </a:fillRef>
+              <a:effectRef idx="0">
+                <a:schemeClr val="dk1"/>
+              </a:effectRef>
+              <a:fontRef idx="minor">
+                <a:schemeClr val="dk1"/>
+              </a:fontRef>
+            </p:style>
+            <p:txBody>
+              <a:bodyPr rtlCol="0" anchor="ctr"/>
+              <a:lstStyle/>
+              <a:p>
+                <a:pPr algn="ctr"/>
+                <a:endParaRPr kumimoji="1" lang="ja-JP" altLang="en-US"/>
+              </a:p>
+            </p:txBody>
+          </p:sp>
+          <p:sp>
+            <p:nvSpPr>
+              <p:cNvPr id="122" name="正方形/長方形 121">
+                <a:extLst>
+                  <a:ext uri="{FF2B5EF4-FFF2-40B4-BE49-F238E27FC236}">
+                    <a16:creationId xmlns:a16="http://schemas.microsoft.com/office/drawing/2014/main" id="{0F7BE136-40F2-1445-A208-AB94300924E8}"/>
+                  </a:ext>
+                </a:extLst>
+              </p:cNvPr>
+              <p:cNvSpPr/>
+              <p:nvPr/>
+            </p:nvSpPr>
+            <p:spPr>
+              <a:xfrm>
+                <a:off x="2939145" y="3091543"/>
+                <a:ext cx="341494" cy="381001"/>
+              </a:xfrm>
+              <a:prstGeom prst="rect">
+                <a:avLst/>
+              </a:prstGeom>
+              <a:ln>
+                <a:noFill/>
+              </a:ln>
+            </p:spPr>
+            <p:style>
+              <a:lnRef idx="2">
+                <a:schemeClr val="dk1"/>
+              </a:lnRef>
+              <a:fillRef idx="1">
+                <a:schemeClr val="lt1"/>
+              </a:fillRef>
+              <a:effectRef idx="0">
+                <a:schemeClr val="dk1"/>
+              </a:effectRef>
+              <a:fontRef idx="minor">
+                <a:schemeClr val="dk1"/>
+              </a:fontRef>
+            </p:style>
+            <p:txBody>
+              <a:bodyPr rtlCol="0" anchor="ctr"/>
+              <a:lstStyle/>
+              <a:p>
+                <a:pPr algn="ctr"/>
+                <a:endParaRPr kumimoji="1" lang="ja-JP" altLang="en-US"/>
+              </a:p>
+            </p:txBody>
+          </p:sp>
+          <p:sp>
+            <p:nvSpPr>
+              <p:cNvPr id="123" name="正方形/長方形 122">
+                <a:extLst>
+                  <a:ext uri="{FF2B5EF4-FFF2-40B4-BE49-F238E27FC236}">
+                    <a16:creationId xmlns:a16="http://schemas.microsoft.com/office/drawing/2014/main" id="{FF811587-F6B0-FA41-914A-F33D8E143176}"/>
+                  </a:ext>
+                </a:extLst>
+              </p:cNvPr>
+              <p:cNvSpPr/>
+              <p:nvPr/>
+            </p:nvSpPr>
+            <p:spPr>
+              <a:xfrm>
+                <a:off x="1883231" y="3113314"/>
+                <a:ext cx="341494" cy="381001"/>
+              </a:xfrm>
+              <a:prstGeom prst="rect">
+                <a:avLst/>
+              </a:prstGeom>
+              <a:ln>
+                <a:noFill/>
+              </a:ln>
+            </p:spPr>
+            <p:style>
+              <a:lnRef idx="2">
+                <a:schemeClr val="dk1"/>
+              </a:lnRef>
+              <a:fillRef idx="1">
+                <a:schemeClr val="lt1"/>
+              </a:fillRef>
+              <a:effectRef idx="0">
+                <a:schemeClr val="dk1"/>
+              </a:effectRef>
+              <a:fontRef idx="minor">
+                <a:schemeClr val="dk1"/>
+              </a:fontRef>
+            </p:style>
+            <p:txBody>
+              <a:bodyPr rtlCol="0" anchor="ctr"/>
+              <a:lstStyle/>
+              <a:p>
+                <a:pPr algn="ctr"/>
+                <a:endParaRPr kumimoji="1" lang="ja-JP" altLang="en-US"/>
+              </a:p>
+            </p:txBody>
+          </p:sp>
+          <p:sp>
+            <p:nvSpPr>
+              <p:cNvPr id="124" name="正方形/長方形 123">
+                <a:extLst>
+                  <a:ext uri="{FF2B5EF4-FFF2-40B4-BE49-F238E27FC236}">
+                    <a16:creationId xmlns:a16="http://schemas.microsoft.com/office/drawing/2014/main" id="{42B02694-51A1-2340-B4E5-86324676D6F7}"/>
+                  </a:ext>
+                </a:extLst>
+              </p:cNvPr>
+              <p:cNvSpPr/>
+              <p:nvPr/>
+            </p:nvSpPr>
+            <p:spPr>
+              <a:xfrm>
+                <a:off x="2100947" y="2917371"/>
+                <a:ext cx="341494" cy="381001"/>
+              </a:xfrm>
+              <a:prstGeom prst="rect">
+                <a:avLst/>
+              </a:prstGeom>
+              <a:ln>
+                <a:noFill/>
+              </a:ln>
+            </p:spPr>
+            <p:style>
+              <a:lnRef idx="2">
+                <a:schemeClr val="dk1"/>
+              </a:lnRef>
+              <a:fillRef idx="1">
+                <a:schemeClr val="lt1"/>
+              </a:fillRef>
+              <a:effectRef idx="0">
+                <a:schemeClr val="dk1"/>
+              </a:effectRef>
+              <a:fontRef idx="minor">
+                <a:schemeClr val="dk1"/>
+              </a:fontRef>
+            </p:style>
+            <p:txBody>
+              <a:bodyPr rtlCol="0" anchor="ctr"/>
+              <a:lstStyle/>
+              <a:p>
+                <a:pPr algn="ctr"/>
+                <a:endParaRPr kumimoji="1" lang="ja-JP" altLang="en-US"/>
+              </a:p>
+            </p:txBody>
+          </p:sp>
+          <p:sp>
+            <p:nvSpPr>
+              <p:cNvPr id="125" name="正方形/長方形 124">
+                <a:extLst>
+                  <a:ext uri="{FF2B5EF4-FFF2-40B4-BE49-F238E27FC236}">
+                    <a16:creationId xmlns:a16="http://schemas.microsoft.com/office/drawing/2014/main" id="{6B162C8B-4868-7D4C-B27A-BE5511747518}"/>
+                  </a:ext>
+                </a:extLst>
+              </p:cNvPr>
+              <p:cNvSpPr/>
+              <p:nvPr/>
+            </p:nvSpPr>
+            <p:spPr>
+              <a:xfrm>
+                <a:off x="1132118" y="2939140"/>
+                <a:ext cx="341494" cy="381001"/>
+              </a:xfrm>
+              <a:prstGeom prst="rect">
+                <a:avLst/>
+              </a:prstGeom>
+              <a:ln>
+                <a:noFill/>
+              </a:ln>
+            </p:spPr>
+            <p:style>
+              <a:lnRef idx="2">
+                <a:schemeClr val="dk1"/>
+              </a:lnRef>
+              <a:fillRef idx="1">
+                <a:schemeClr val="lt1"/>
+              </a:fillRef>
+              <a:effectRef idx="0">
+                <a:schemeClr val="dk1"/>
+              </a:effectRef>
+              <a:fontRef idx="minor">
+                <a:schemeClr val="dk1"/>
+              </a:fontRef>
+            </p:style>
+            <p:txBody>
+              <a:bodyPr rtlCol="0" anchor="ctr"/>
+              <a:lstStyle/>
+              <a:p>
+                <a:pPr algn="ctr"/>
+                <a:endParaRPr kumimoji="1" lang="ja-JP" altLang="en-US"/>
+              </a:p>
+            </p:txBody>
+          </p:sp>
+          <p:sp>
+            <p:nvSpPr>
+              <p:cNvPr id="126" name="正方形/長方形 125">
+                <a:extLst>
+                  <a:ext uri="{FF2B5EF4-FFF2-40B4-BE49-F238E27FC236}">
+                    <a16:creationId xmlns:a16="http://schemas.microsoft.com/office/drawing/2014/main" id="{B48980ED-A3D5-DD46-9205-912BABFA413E}"/>
+                  </a:ext>
+                </a:extLst>
+              </p:cNvPr>
+              <p:cNvSpPr/>
+              <p:nvPr/>
+            </p:nvSpPr>
+            <p:spPr>
+              <a:xfrm>
+                <a:off x="1121232" y="1872341"/>
+                <a:ext cx="341494" cy="381001"/>
+              </a:xfrm>
+              <a:prstGeom prst="rect">
+                <a:avLst/>
+              </a:prstGeom>
+              <a:ln>
+                <a:noFill/>
+              </a:ln>
+            </p:spPr>
+            <p:style>
+              <a:lnRef idx="2">
+                <a:schemeClr val="dk1"/>
+              </a:lnRef>
+              <a:fillRef idx="1">
+                <a:schemeClr val="lt1"/>
+              </a:fillRef>
+              <a:effectRef idx="0">
+                <a:schemeClr val="dk1"/>
+              </a:effectRef>
+              <a:fontRef idx="minor">
+                <a:schemeClr val="dk1"/>
+              </a:fontRef>
+            </p:style>
+            <p:txBody>
+              <a:bodyPr rtlCol="0" anchor="ctr"/>
+              <a:lstStyle/>
+              <a:p>
+                <a:pPr algn="ctr"/>
+                <a:endParaRPr kumimoji="1" lang="ja-JP" altLang="en-US"/>
+              </a:p>
+            </p:txBody>
+          </p:sp>
+          <p:sp>
+            <p:nvSpPr>
+              <p:cNvPr id="127" name="正方形/長方形 126">
+                <a:extLst>
+                  <a:ext uri="{FF2B5EF4-FFF2-40B4-BE49-F238E27FC236}">
+                    <a16:creationId xmlns:a16="http://schemas.microsoft.com/office/drawing/2014/main" id="{C436A806-78DC-F541-AFD4-1E9B10DEB1C5}"/>
+                  </a:ext>
+                </a:extLst>
+              </p:cNvPr>
+              <p:cNvSpPr/>
+              <p:nvPr/>
+            </p:nvSpPr>
+            <p:spPr>
+              <a:xfrm>
+                <a:off x="1894117" y="2111829"/>
+                <a:ext cx="341494" cy="381001"/>
+              </a:xfrm>
+              <a:prstGeom prst="rect">
+                <a:avLst/>
+              </a:prstGeom>
+              <a:ln>
+                <a:noFill/>
+              </a:ln>
+            </p:spPr>
+            <p:style>
+              <a:lnRef idx="2">
+                <a:schemeClr val="dk1"/>
+              </a:lnRef>
+              <a:fillRef idx="1">
+                <a:schemeClr val="lt1"/>
+              </a:fillRef>
+              <a:effectRef idx="0">
+                <a:schemeClr val="dk1"/>
+              </a:effectRef>
+              <a:fontRef idx="minor">
+                <a:schemeClr val="dk1"/>
+              </a:fontRef>
+            </p:style>
+            <p:txBody>
+              <a:bodyPr rtlCol="0" anchor="ctr"/>
+              <a:lstStyle/>
+              <a:p>
+                <a:pPr algn="ctr"/>
+                <a:endParaRPr kumimoji="1" lang="ja-JP" altLang="en-US"/>
+              </a:p>
+            </p:txBody>
+          </p:sp>
+          <p:sp>
+            <p:nvSpPr>
+              <p:cNvPr id="128" name="正方形/長方形 127">
+                <a:extLst>
+                  <a:ext uri="{FF2B5EF4-FFF2-40B4-BE49-F238E27FC236}">
+                    <a16:creationId xmlns:a16="http://schemas.microsoft.com/office/drawing/2014/main" id="{BD3D3E4C-4DAC-9642-9B64-2387C8ABFE2C}"/>
+                  </a:ext>
+                </a:extLst>
+              </p:cNvPr>
+              <p:cNvSpPr/>
+              <p:nvPr/>
+            </p:nvSpPr>
+            <p:spPr>
+              <a:xfrm>
+                <a:off x="2144491" y="1894113"/>
+                <a:ext cx="341494" cy="381001"/>
+              </a:xfrm>
+              <a:prstGeom prst="rect">
+                <a:avLst/>
+              </a:prstGeom>
+              <a:ln>
+                <a:noFill/>
+              </a:ln>
+            </p:spPr>
+            <p:style>
+              <a:lnRef idx="2">
+                <a:schemeClr val="dk1"/>
+              </a:lnRef>
+              <a:fillRef idx="1">
+                <a:schemeClr val="lt1"/>
+              </a:fillRef>
+              <a:effectRef idx="0">
+                <a:schemeClr val="dk1"/>
+              </a:effectRef>
+              <a:fontRef idx="minor">
+                <a:schemeClr val="dk1"/>
+              </a:fontRef>
+            </p:style>
+            <p:txBody>
+              <a:bodyPr rtlCol="0" anchor="ctr"/>
+              <a:lstStyle/>
+              <a:p>
+                <a:pPr algn="ctr"/>
+                <a:endParaRPr kumimoji="1" lang="ja-JP" altLang="en-US"/>
+              </a:p>
+            </p:txBody>
+          </p:sp>
+          <p:sp>
+            <p:nvSpPr>
+              <p:cNvPr id="129" name="正方形/長方形 128">
+                <a:extLst>
+                  <a:ext uri="{FF2B5EF4-FFF2-40B4-BE49-F238E27FC236}">
+                    <a16:creationId xmlns:a16="http://schemas.microsoft.com/office/drawing/2014/main" id="{5DDDE5AC-C60B-EA42-8267-E72776A37430}"/>
+                  </a:ext>
+                </a:extLst>
+              </p:cNvPr>
+              <p:cNvSpPr/>
+              <p:nvPr/>
+            </p:nvSpPr>
+            <p:spPr>
+              <a:xfrm>
+                <a:off x="1915891" y="1251856"/>
+                <a:ext cx="341494" cy="228602"/>
+              </a:xfrm>
+              <a:prstGeom prst="rect">
+                <a:avLst/>
+              </a:prstGeom>
+              <a:ln>
+                <a:noFill/>
+              </a:ln>
+            </p:spPr>
+            <p:style>
+              <a:lnRef idx="2">
+                <a:schemeClr val="dk1"/>
+              </a:lnRef>
+              <a:fillRef idx="1">
+                <a:schemeClr val="lt1"/>
+              </a:fillRef>
+              <a:effectRef idx="0">
+                <a:schemeClr val="dk1"/>
+              </a:effectRef>
+              <a:fontRef idx="minor">
+                <a:schemeClr val="dk1"/>
+              </a:fontRef>
+            </p:style>
+            <p:txBody>
+              <a:bodyPr rtlCol="0" anchor="ctr"/>
+              <a:lstStyle/>
+              <a:p>
+                <a:pPr algn="ctr"/>
+                <a:endParaRPr kumimoji="1" lang="ja-JP" altLang="en-US"/>
+              </a:p>
+            </p:txBody>
+          </p:sp>
+          <p:sp>
+            <p:nvSpPr>
+              <p:cNvPr id="130" name="正方形/長方形 129">
+                <a:extLst>
+                  <a:ext uri="{FF2B5EF4-FFF2-40B4-BE49-F238E27FC236}">
+                    <a16:creationId xmlns:a16="http://schemas.microsoft.com/office/drawing/2014/main" id="{A3DC417E-127C-6E49-BD14-9A97905963DC}"/>
+                  </a:ext>
+                </a:extLst>
+              </p:cNvPr>
+              <p:cNvSpPr/>
+              <p:nvPr/>
+            </p:nvSpPr>
+            <p:spPr>
+              <a:xfrm>
+                <a:off x="2928264" y="1262743"/>
+                <a:ext cx="341494" cy="228602"/>
+              </a:xfrm>
+              <a:prstGeom prst="rect">
+                <a:avLst/>
+              </a:prstGeom>
+              <a:ln>
+                <a:noFill/>
+              </a:ln>
+            </p:spPr>
+            <p:style>
+              <a:lnRef idx="2">
+                <a:schemeClr val="dk1"/>
+              </a:lnRef>
+              <a:fillRef idx="1">
+                <a:schemeClr val="lt1"/>
+              </a:fillRef>
+              <a:effectRef idx="0">
+                <a:schemeClr val="dk1"/>
+              </a:effectRef>
+              <a:fontRef idx="minor">
+                <a:schemeClr val="dk1"/>
+              </a:fontRef>
+            </p:style>
+            <p:txBody>
+              <a:bodyPr rtlCol="0" anchor="ctr"/>
+              <a:lstStyle/>
+              <a:p>
+                <a:pPr algn="ctr"/>
+                <a:endParaRPr kumimoji="1" lang="ja-JP" altLang="en-US"/>
+              </a:p>
+            </p:txBody>
+          </p:sp>
+          <p:sp>
+            <p:nvSpPr>
+              <p:cNvPr id="131" name="正方形/長方形 130">
+                <a:extLst>
+                  <a:ext uri="{FF2B5EF4-FFF2-40B4-BE49-F238E27FC236}">
+                    <a16:creationId xmlns:a16="http://schemas.microsoft.com/office/drawing/2014/main" id="{F9E59042-7C1E-8D48-987C-8085F48F82A6}"/>
+                  </a:ext>
+                </a:extLst>
+              </p:cNvPr>
+              <p:cNvSpPr/>
+              <p:nvPr/>
+            </p:nvSpPr>
+            <p:spPr>
+              <a:xfrm>
+                <a:off x="3407236" y="1447801"/>
+                <a:ext cx="341494" cy="228602"/>
+              </a:xfrm>
+              <a:prstGeom prst="rect">
+                <a:avLst/>
+              </a:prstGeom>
+              <a:ln>
+                <a:noFill/>
+              </a:ln>
+            </p:spPr>
+            <p:style>
+              <a:lnRef idx="2">
+                <a:schemeClr val="dk1"/>
+              </a:lnRef>
+              <a:fillRef idx="1">
+                <a:schemeClr val="lt1"/>
+              </a:fillRef>
+              <a:effectRef idx="0">
+                <a:schemeClr val="dk1"/>
+              </a:effectRef>
+              <a:fontRef idx="minor">
+                <a:schemeClr val="dk1"/>
+              </a:fontRef>
+            </p:style>
+            <p:txBody>
+              <a:bodyPr rtlCol="0" anchor="ctr"/>
+              <a:lstStyle/>
+              <a:p>
+                <a:pPr algn="ctr"/>
+                <a:endParaRPr kumimoji="1" lang="ja-JP" altLang="en-US"/>
+              </a:p>
+            </p:txBody>
+          </p:sp>
+          <p:sp>
+            <p:nvSpPr>
+              <p:cNvPr id="132" name="正方形/長方形 131">
+                <a:extLst>
+                  <a:ext uri="{FF2B5EF4-FFF2-40B4-BE49-F238E27FC236}">
+                    <a16:creationId xmlns:a16="http://schemas.microsoft.com/office/drawing/2014/main" id="{2DD29F8B-12C3-6141-89B0-FD6E77FA2890}"/>
+                  </a:ext>
+                </a:extLst>
+              </p:cNvPr>
+              <p:cNvSpPr/>
+              <p:nvPr/>
+            </p:nvSpPr>
+            <p:spPr>
+              <a:xfrm>
+                <a:off x="3407236" y="2471061"/>
+                <a:ext cx="341494" cy="228602"/>
+              </a:xfrm>
+              <a:prstGeom prst="rect">
+                <a:avLst/>
+              </a:prstGeom>
+              <a:ln>
+                <a:noFill/>
+              </a:ln>
+            </p:spPr>
+            <p:style>
+              <a:lnRef idx="2">
+                <a:schemeClr val="dk1"/>
+              </a:lnRef>
+              <a:fillRef idx="1">
+                <a:schemeClr val="lt1"/>
+              </a:fillRef>
+              <a:effectRef idx="0">
+                <a:schemeClr val="dk1"/>
+              </a:effectRef>
+              <a:fontRef idx="minor">
+                <a:schemeClr val="dk1"/>
+              </a:fontRef>
+            </p:style>
+            <p:txBody>
+              <a:bodyPr rtlCol="0" anchor="ctr"/>
+              <a:lstStyle/>
+              <a:p>
+                <a:pPr algn="ctr"/>
+                <a:endParaRPr kumimoji="1" lang="ja-JP" altLang="en-US"/>
+              </a:p>
+            </p:txBody>
+          </p:sp>
+          <p:sp>
+            <p:nvSpPr>
+              <p:cNvPr id="133" name="正方形/長方形 132">
+                <a:extLst>
+                  <a:ext uri="{FF2B5EF4-FFF2-40B4-BE49-F238E27FC236}">
+                    <a16:creationId xmlns:a16="http://schemas.microsoft.com/office/drawing/2014/main" id="{3659BF91-9D2E-C142-A111-DA79384382B6}"/>
+                  </a:ext>
+                </a:extLst>
+              </p:cNvPr>
+              <p:cNvSpPr/>
+              <p:nvPr/>
+            </p:nvSpPr>
+            <p:spPr>
+              <a:xfrm>
+                <a:off x="3407235" y="3494316"/>
+                <a:ext cx="341494" cy="228602"/>
+              </a:xfrm>
+              <a:prstGeom prst="rect">
+                <a:avLst/>
+              </a:prstGeom>
+              <a:ln>
+                <a:noFill/>
+              </a:ln>
+            </p:spPr>
+            <p:style>
+              <a:lnRef idx="2">
+                <a:schemeClr val="dk1"/>
+              </a:lnRef>
+              <a:fillRef idx="1">
+                <a:schemeClr val="lt1"/>
+              </a:fillRef>
+              <a:effectRef idx="0">
+                <a:schemeClr val="dk1"/>
+              </a:effectRef>
+              <a:fontRef idx="minor">
+                <a:schemeClr val="dk1"/>
+              </a:fontRef>
+            </p:style>
+            <p:txBody>
+              <a:bodyPr rtlCol="0" anchor="ctr"/>
+              <a:lstStyle/>
+              <a:p>
+                <a:pPr algn="ctr"/>
+                <a:endParaRPr kumimoji="1" lang="ja-JP" altLang="en-US"/>
+              </a:p>
+            </p:txBody>
+          </p:sp>
+          <p:sp>
+            <p:nvSpPr>
+              <p:cNvPr id="134" name="正方形/長方形 133">
+                <a:extLst>
+                  <a:ext uri="{FF2B5EF4-FFF2-40B4-BE49-F238E27FC236}">
+                    <a16:creationId xmlns:a16="http://schemas.microsoft.com/office/drawing/2014/main" id="{B678791D-D6AC-3C4E-8429-C6E03B259983}"/>
+                  </a:ext>
+                </a:extLst>
+              </p:cNvPr>
+              <p:cNvSpPr/>
+              <p:nvPr/>
+            </p:nvSpPr>
+            <p:spPr>
+              <a:xfrm>
+                <a:off x="2362208" y="3505198"/>
+                <a:ext cx="341494" cy="228602"/>
+              </a:xfrm>
+              <a:prstGeom prst="rect">
+                <a:avLst/>
+              </a:prstGeom>
+              <a:ln>
+                <a:noFill/>
+              </a:ln>
+            </p:spPr>
+            <p:style>
+              <a:lnRef idx="2">
+                <a:schemeClr val="dk1"/>
+              </a:lnRef>
+              <a:fillRef idx="1">
+                <a:schemeClr val="lt1"/>
+              </a:fillRef>
+              <a:effectRef idx="0">
+                <a:schemeClr val="dk1"/>
+              </a:effectRef>
+              <a:fontRef idx="minor">
+                <a:schemeClr val="dk1"/>
+              </a:fontRef>
+            </p:style>
+            <p:txBody>
+              <a:bodyPr rtlCol="0" anchor="ctr"/>
+              <a:lstStyle/>
+              <a:p>
+                <a:pPr algn="ctr"/>
+                <a:endParaRPr kumimoji="1" lang="ja-JP" altLang="en-US"/>
+              </a:p>
+            </p:txBody>
+          </p:sp>
+          <p:sp>
+            <p:nvSpPr>
+              <p:cNvPr id="135" name="正方形/長方形 134">
+                <a:extLst>
+                  <a:ext uri="{FF2B5EF4-FFF2-40B4-BE49-F238E27FC236}">
+                    <a16:creationId xmlns:a16="http://schemas.microsoft.com/office/drawing/2014/main" id="{2E06E799-7D65-BA45-8D2C-E83CE22D92B9}"/>
+                  </a:ext>
+                </a:extLst>
+              </p:cNvPr>
+              <p:cNvSpPr/>
+              <p:nvPr/>
+            </p:nvSpPr>
+            <p:spPr>
+              <a:xfrm>
+                <a:off x="1328066" y="3516084"/>
+                <a:ext cx="341494" cy="228602"/>
+              </a:xfrm>
+              <a:prstGeom prst="rect">
+                <a:avLst/>
+              </a:prstGeom>
+              <a:ln>
+                <a:noFill/>
+              </a:ln>
+            </p:spPr>
+            <p:style>
+              <a:lnRef idx="2">
+                <a:schemeClr val="dk1"/>
+              </a:lnRef>
+              <a:fillRef idx="1">
+                <a:schemeClr val="lt1"/>
+              </a:fillRef>
+              <a:effectRef idx="0">
+                <a:schemeClr val="dk1"/>
+              </a:effectRef>
+              <a:fontRef idx="minor">
+                <a:schemeClr val="dk1"/>
+              </a:fontRef>
+            </p:style>
+            <p:txBody>
+              <a:bodyPr rtlCol="0" anchor="ctr"/>
+              <a:lstStyle/>
+              <a:p>
+                <a:pPr algn="ctr"/>
+                <a:endParaRPr kumimoji="1" lang="ja-JP" altLang="en-US"/>
+              </a:p>
+            </p:txBody>
+          </p:sp>
+          <p:sp>
+            <p:nvSpPr>
+              <p:cNvPr id="136" name="正方形/長方形 135">
+                <a:extLst>
+                  <a:ext uri="{FF2B5EF4-FFF2-40B4-BE49-F238E27FC236}">
+                    <a16:creationId xmlns:a16="http://schemas.microsoft.com/office/drawing/2014/main" id="{63A78ED5-B1B4-1E40-8C95-D41542CD8F14}"/>
+                  </a:ext>
+                </a:extLst>
+              </p:cNvPr>
+              <p:cNvSpPr/>
+              <p:nvPr/>
+            </p:nvSpPr>
+            <p:spPr>
+              <a:xfrm>
+                <a:off x="1338950" y="2481941"/>
+                <a:ext cx="341494" cy="228602"/>
+              </a:xfrm>
+              <a:prstGeom prst="rect">
+                <a:avLst/>
+              </a:prstGeom>
+              <a:ln>
+                <a:noFill/>
+              </a:ln>
+            </p:spPr>
+            <p:style>
+              <a:lnRef idx="2">
+                <a:schemeClr val="dk1"/>
+              </a:lnRef>
+              <a:fillRef idx="1">
+                <a:schemeClr val="lt1"/>
+              </a:fillRef>
+              <a:effectRef idx="0">
+                <a:schemeClr val="dk1"/>
+              </a:effectRef>
+              <a:fontRef idx="minor">
+                <a:schemeClr val="dk1"/>
+              </a:fontRef>
+            </p:style>
+            <p:txBody>
+              <a:bodyPr rtlCol="0" anchor="ctr"/>
+              <a:lstStyle/>
+              <a:p>
+                <a:pPr algn="ctr"/>
+                <a:endParaRPr kumimoji="1" lang="ja-JP" altLang="en-US"/>
+              </a:p>
+            </p:txBody>
+          </p:sp>
+          <p:sp>
+            <p:nvSpPr>
+              <p:cNvPr id="137" name="正方形/長方形 136">
+                <a:extLst>
+                  <a:ext uri="{FF2B5EF4-FFF2-40B4-BE49-F238E27FC236}">
+                    <a16:creationId xmlns:a16="http://schemas.microsoft.com/office/drawing/2014/main" id="{88E83D5D-3379-994C-B96E-07F1FC9A407C}"/>
+                  </a:ext>
+                </a:extLst>
+              </p:cNvPr>
+              <p:cNvSpPr/>
+              <p:nvPr/>
+            </p:nvSpPr>
+            <p:spPr>
+              <a:xfrm>
+                <a:off x="2373092" y="2481940"/>
+                <a:ext cx="341494" cy="228602"/>
+              </a:xfrm>
+              <a:prstGeom prst="rect">
+                <a:avLst/>
+              </a:prstGeom>
+              <a:ln>
+                <a:noFill/>
+              </a:ln>
+            </p:spPr>
+            <p:style>
+              <a:lnRef idx="2">
+                <a:schemeClr val="dk1"/>
+              </a:lnRef>
+              <a:fillRef idx="1">
+                <a:schemeClr val="lt1"/>
+              </a:fillRef>
+              <a:effectRef idx="0">
+                <a:schemeClr val="dk1"/>
+              </a:effectRef>
+              <a:fontRef idx="minor">
+                <a:schemeClr val="dk1"/>
+              </a:fontRef>
+            </p:style>
+            <p:txBody>
+              <a:bodyPr rtlCol="0" anchor="ctr"/>
+              <a:lstStyle/>
+              <a:p>
+                <a:pPr algn="ctr"/>
+                <a:endParaRPr kumimoji="1" lang="ja-JP" altLang="en-US"/>
+              </a:p>
+            </p:txBody>
+          </p:sp>
+          <p:sp>
+            <p:nvSpPr>
+              <p:cNvPr id="138" name="正方形/長方形 137">
+                <a:extLst>
+                  <a:ext uri="{FF2B5EF4-FFF2-40B4-BE49-F238E27FC236}">
+                    <a16:creationId xmlns:a16="http://schemas.microsoft.com/office/drawing/2014/main" id="{2C43A50B-B9E4-5349-9821-AB0E8B287BF1}"/>
+                  </a:ext>
+                </a:extLst>
+              </p:cNvPr>
+              <p:cNvSpPr/>
+              <p:nvPr/>
+            </p:nvSpPr>
+            <p:spPr>
+              <a:xfrm>
+                <a:off x="2373091" y="1458683"/>
+                <a:ext cx="341494" cy="228602"/>
+              </a:xfrm>
+              <a:prstGeom prst="rect">
+                <a:avLst/>
+              </a:prstGeom>
+              <a:ln>
+                <a:noFill/>
+              </a:ln>
+            </p:spPr>
+            <p:style>
+              <a:lnRef idx="2">
+                <a:schemeClr val="dk1"/>
+              </a:lnRef>
+              <a:fillRef idx="1">
+                <a:schemeClr val="lt1"/>
+              </a:fillRef>
+              <a:effectRef idx="0">
+                <a:schemeClr val="dk1"/>
+              </a:effectRef>
+              <a:fontRef idx="minor">
+                <a:schemeClr val="dk1"/>
+              </a:fontRef>
+            </p:style>
+            <p:txBody>
+              <a:bodyPr rtlCol="0" anchor="ctr"/>
+              <a:lstStyle/>
+              <a:p>
+                <a:pPr algn="ctr"/>
+                <a:endParaRPr kumimoji="1" lang="ja-JP" altLang="en-US"/>
+              </a:p>
+            </p:txBody>
+          </p:sp>
+          <p:sp>
+            <p:nvSpPr>
+              <p:cNvPr id="139" name="正方形/長方形 138">
+                <a:extLst>
+                  <a:ext uri="{FF2B5EF4-FFF2-40B4-BE49-F238E27FC236}">
+                    <a16:creationId xmlns:a16="http://schemas.microsoft.com/office/drawing/2014/main" id="{95BA0A0D-A043-1A40-91E1-3F8F6F1E3D5F}"/>
+                  </a:ext>
+                </a:extLst>
+              </p:cNvPr>
+              <p:cNvSpPr/>
+              <p:nvPr/>
+            </p:nvSpPr>
+            <p:spPr>
+              <a:xfrm>
+                <a:off x="1349835" y="1469565"/>
+                <a:ext cx="341494" cy="228602"/>
+              </a:xfrm>
+              <a:prstGeom prst="rect">
+                <a:avLst/>
+              </a:prstGeom>
+              <a:ln>
+                <a:noFill/>
+              </a:ln>
+            </p:spPr>
+            <p:style>
+              <a:lnRef idx="2">
+                <a:schemeClr val="dk1"/>
+              </a:lnRef>
+              <a:fillRef idx="1">
+                <a:schemeClr val="lt1"/>
+              </a:fillRef>
+              <a:effectRef idx="0">
+                <a:schemeClr val="dk1"/>
+              </a:effectRef>
+              <a:fontRef idx="minor">
+                <a:schemeClr val="dk1"/>
+              </a:fontRef>
+            </p:style>
+            <p:txBody>
+              <a:bodyPr rtlCol="0" anchor="ctr"/>
+              <a:lstStyle/>
+              <a:p>
+                <a:pPr algn="ctr"/>
+                <a:endParaRPr kumimoji="1" lang="ja-JP" altLang="en-US"/>
+              </a:p>
+            </p:txBody>
+          </p:sp>
+        </p:grpSp>
+        <p:sp>
+          <p:nvSpPr>
+            <p:cNvPr id="109" name="テキスト ボックス 108">
+              <a:extLst>
+                <a:ext uri="{FF2B5EF4-FFF2-40B4-BE49-F238E27FC236}">
+                  <a16:creationId xmlns:a16="http://schemas.microsoft.com/office/drawing/2014/main" id="{08DCFF76-13D1-A747-81AF-67F09BCC0B0B}"/>
+                </a:ext>
+              </a:extLst>
+            </p:cNvPr>
+            <p:cNvSpPr txBox="1"/>
+            <p:nvPr/>
+          </p:nvSpPr>
+          <p:spPr>
+            <a:xfrm>
+              <a:off x="1371610" y="1366548"/>
+              <a:ext cx="312906" cy="369332"/>
+            </a:xfrm>
+            <a:prstGeom prst="rect">
+              <a:avLst/>
+            </a:prstGeom>
+            <a:noFill/>
+            <a:ln>
+              <a:noFill/>
+            </a:ln>
+          </p:spPr>
+          <p:txBody>
+            <a:bodyPr wrap="none" rtlCol="0">
+              <a:spAutoFit/>
+            </a:bodyPr>
+            <a:lstStyle/>
+            <a:p>
+              <a:r>
+                <a:rPr lang="en-US" altLang="ja-JP" dirty="0">
+                  <a:latin typeface="Helvetica Neue" panose="02000503000000020004" pitchFamily="2" charset="0"/>
+                  <a:cs typeface="Helvetica Neue" panose="02000503000000020004" pitchFamily="2" charset="0"/>
+                </a:rPr>
+                <a:t>6</a:t>
+              </a:r>
+              <a:endParaRPr kumimoji="1" lang="ja-JP" altLang="en-US">
+                <a:latin typeface="Helvetica Neue" panose="02000503000000020004" pitchFamily="2" charset="0"/>
+                <a:cs typeface="Helvetica Neue" panose="02000503000000020004" pitchFamily="2" charset="0"/>
+              </a:endParaRPr>
+            </a:p>
+          </p:txBody>
+        </p:sp>
+        <p:sp>
+          <p:nvSpPr>
+            <p:cNvPr id="110" name="テキスト ボックス 109">
+              <a:extLst>
+                <a:ext uri="{FF2B5EF4-FFF2-40B4-BE49-F238E27FC236}">
+                  <a16:creationId xmlns:a16="http://schemas.microsoft.com/office/drawing/2014/main" id="{E108B90B-D14E-D349-AF1E-58C18C497651}"/>
+                </a:ext>
+              </a:extLst>
+            </p:cNvPr>
+            <p:cNvSpPr txBox="1"/>
+            <p:nvPr/>
+          </p:nvSpPr>
+          <p:spPr>
+            <a:xfrm>
+              <a:off x="2400309" y="1366548"/>
+              <a:ext cx="312906" cy="369332"/>
+            </a:xfrm>
+            <a:prstGeom prst="rect">
+              <a:avLst/>
+            </a:prstGeom>
+            <a:noFill/>
+            <a:ln>
+              <a:noFill/>
+            </a:ln>
+          </p:spPr>
+          <p:txBody>
+            <a:bodyPr wrap="none" rtlCol="0">
+              <a:spAutoFit/>
+            </a:bodyPr>
+            <a:lstStyle/>
+            <a:p>
+              <a:r>
+                <a:rPr kumimoji="1" lang="en-US" altLang="ja-JP" dirty="0">
+                  <a:latin typeface="Helvetica Neue" panose="02000503000000020004" pitchFamily="2" charset="0"/>
+                  <a:cs typeface="Helvetica Neue" panose="02000503000000020004" pitchFamily="2" charset="0"/>
+                </a:rPr>
+                <a:t>7</a:t>
+              </a:r>
+              <a:endParaRPr kumimoji="1" lang="ja-JP" altLang="en-US">
+                <a:latin typeface="Helvetica Neue" panose="02000503000000020004" pitchFamily="2" charset="0"/>
+                <a:cs typeface="Helvetica Neue" panose="02000503000000020004" pitchFamily="2" charset="0"/>
+              </a:endParaRPr>
+            </a:p>
+          </p:txBody>
+        </p:sp>
+        <p:sp>
+          <p:nvSpPr>
+            <p:cNvPr id="111" name="テキスト ボックス 110">
+              <a:extLst>
+                <a:ext uri="{FF2B5EF4-FFF2-40B4-BE49-F238E27FC236}">
+                  <a16:creationId xmlns:a16="http://schemas.microsoft.com/office/drawing/2014/main" id="{D93A51FA-2023-5E4F-9F1B-F83EAAD201F1}"/>
+                </a:ext>
+              </a:extLst>
+            </p:cNvPr>
+            <p:cNvSpPr txBox="1"/>
+            <p:nvPr/>
+          </p:nvSpPr>
+          <p:spPr>
+            <a:xfrm>
+              <a:off x="3429009" y="1366548"/>
+              <a:ext cx="312906" cy="369332"/>
+            </a:xfrm>
+            <a:prstGeom prst="rect">
+              <a:avLst/>
+            </a:prstGeom>
+            <a:noFill/>
+            <a:ln>
+              <a:noFill/>
+            </a:ln>
+          </p:spPr>
+          <p:txBody>
+            <a:bodyPr wrap="none" rtlCol="0">
+              <a:spAutoFit/>
+            </a:bodyPr>
+            <a:lstStyle/>
+            <a:p>
+              <a:r>
+                <a:rPr lang="en-US" altLang="ja-JP" dirty="0">
+                  <a:latin typeface="Helvetica Neue" panose="02000503000000020004" pitchFamily="2" charset="0"/>
+                  <a:cs typeface="Helvetica Neue" panose="02000503000000020004" pitchFamily="2" charset="0"/>
+                </a:rPr>
+                <a:t>8</a:t>
+              </a:r>
+              <a:endParaRPr kumimoji="1" lang="ja-JP" altLang="en-US">
+                <a:latin typeface="Helvetica Neue" panose="02000503000000020004" pitchFamily="2" charset="0"/>
+                <a:cs typeface="Helvetica Neue" panose="02000503000000020004" pitchFamily="2" charset="0"/>
+              </a:endParaRPr>
+            </a:p>
+          </p:txBody>
+        </p:sp>
+        <p:sp>
+          <p:nvSpPr>
+            <p:cNvPr id="112" name="テキスト ボックス 111">
+              <a:extLst>
+                <a:ext uri="{FF2B5EF4-FFF2-40B4-BE49-F238E27FC236}">
+                  <a16:creationId xmlns:a16="http://schemas.microsoft.com/office/drawing/2014/main" id="{1B03DF62-B201-024C-8FB2-E1FD64110426}"/>
+                </a:ext>
+              </a:extLst>
+            </p:cNvPr>
+            <p:cNvSpPr txBox="1"/>
+            <p:nvPr/>
+          </p:nvSpPr>
+          <p:spPr>
+            <a:xfrm>
+              <a:off x="1306292" y="2411574"/>
+              <a:ext cx="441146" cy="369332"/>
+            </a:xfrm>
+            <a:prstGeom prst="rect">
+              <a:avLst/>
+            </a:prstGeom>
+            <a:noFill/>
+            <a:ln>
+              <a:noFill/>
+            </a:ln>
+          </p:spPr>
+          <p:txBody>
+            <a:bodyPr wrap="none" rtlCol="0">
+              <a:spAutoFit/>
+            </a:bodyPr>
+            <a:lstStyle/>
+            <a:p>
+              <a:r>
+                <a:rPr kumimoji="1" lang="en-US" altLang="ja-JP" dirty="0">
+                  <a:latin typeface="Helvetica Neue" panose="02000503000000020004" pitchFamily="2" charset="0"/>
+                  <a:cs typeface="Helvetica Neue" panose="02000503000000020004" pitchFamily="2" charset="0"/>
+                </a:rPr>
+                <a:t>10</a:t>
+              </a:r>
+              <a:endParaRPr kumimoji="1" lang="ja-JP" altLang="en-US">
+                <a:latin typeface="Helvetica Neue" panose="02000503000000020004" pitchFamily="2" charset="0"/>
+                <a:cs typeface="Helvetica Neue" panose="02000503000000020004" pitchFamily="2" charset="0"/>
+              </a:endParaRPr>
+            </a:p>
+          </p:txBody>
+        </p:sp>
+        <p:sp>
+          <p:nvSpPr>
+            <p:cNvPr id="113" name="テキスト ボックス 112">
+              <a:extLst>
+                <a:ext uri="{FF2B5EF4-FFF2-40B4-BE49-F238E27FC236}">
+                  <a16:creationId xmlns:a16="http://schemas.microsoft.com/office/drawing/2014/main" id="{DF28ABC6-E832-8144-B187-EB3255F89DD0}"/>
+                </a:ext>
+              </a:extLst>
+            </p:cNvPr>
+            <p:cNvSpPr txBox="1"/>
+            <p:nvPr/>
+          </p:nvSpPr>
+          <p:spPr>
+            <a:xfrm>
+              <a:off x="2334992" y="2411574"/>
+              <a:ext cx="441146" cy="369332"/>
+            </a:xfrm>
+            <a:prstGeom prst="rect">
+              <a:avLst/>
+            </a:prstGeom>
+            <a:noFill/>
+            <a:ln>
+              <a:noFill/>
+            </a:ln>
+          </p:spPr>
+          <p:txBody>
+            <a:bodyPr wrap="none" rtlCol="0">
+              <a:spAutoFit/>
+            </a:bodyPr>
+            <a:lstStyle/>
+            <a:p>
+              <a:r>
+                <a:rPr lang="en-US" altLang="ja-JP" dirty="0">
+                  <a:latin typeface="Helvetica Neue" panose="02000503000000020004" pitchFamily="2" charset="0"/>
+                  <a:cs typeface="Helvetica Neue" panose="02000503000000020004" pitchFamily="2" charset="0"/>
+                </a:rPr>
+                <a:t>11</a:t>
+              </a:r>
+              <a:endParaRPr kumimoji="1" lang="ja-JP" altLang="en-US">
+                <a:latin typeface="Helvetica Neue" panose="02000503000000020004" pitchFamily="2" charset="0"/>
+                <a:cs typeface="Helvetica Neue" panose="02000503000000020004" pitchFamily="2" charset="0"/>
+              </a:endParaRPr>
+            </a:p>
+          </p:txBody>
+        </p:sp>
+        <p:sp>
+          <p:nvSpPr>
+            <p:cNvPr id="114" name="テキスト ボックス 113">
+              <a:extLst>
+                <a:ext uri="{FF2B5EF4-FFF2-40B4-BE49-F238E27FC236}">
+                  <a16:creationId xmlns:a16="http://schemas.microsoft.com/office/drawing/2014/main" id="{EB28425F-28BF-224A-A0BC-56617B72BCA0}"/>
+                </a:ext>
+              </a:extLst>
+            </p:cNvPr>
+            <p:cNvSpPr txBox="1"/>
+            <p:nvPr/>
+          </p:nvSpPr>
+          <p:spPr>
+            <a:xfrm>
+              <a:off x="3374577" y="2411574"/>
+              <a:ext cx="441146" cy="369332"/>
+            </a:xfrm>
+            <a:prstGeom prst="rect">
+              <a:avLst/>
+            </a:prstGeom>
+            <a:noFill/>
+            <a:ln>
+              <a:noFill/>
+            </a:ln>
+          </p:spPr>
+          <p:txBody>
+            <a:bodyPr wrap="none" rtlCol="0">
+              <a:spAutoFit/>
+            </a:bodyPr>
+            <a:lstStyle/>
+            <a:p>
+              <a:pPr algn="ctr"/>
+              <a:r>
+                <a:rPr kumimoji="1" lang="en-US" altLang="ja-JP" dirty="0">
+                  <a:latin typeface="Helvetica Neue" panose="02000503000000020004" pitchFamily="2" charset="0"/>
+                  <a:cs typeface="Helvetica Neue" panose="02000503000000020004" pitchFamily="2" charset="0"/>
+                </a:rPr>
+                <a:t>12</a:t>
+              </a:r>
+              <a:endParaRPr kumimoji="1" lang="ja-JP" altLang="en-US">
+                <a:latin typeface="Helvetica Neue" panose="02000503000000020004" pitchFamily="2" charset="0"/>
+                <a:cs typeface="Helvetica Neue" panose="02000503000000020004" pitchFamily="2" charset="0"/>
+              </a:endParaRPr>
+            </a:p>
+          </p:txBody>
+        </p:sp>
+        <p:sp>
+          <p:nvSpPr>
+            <p:cNvPr id="115" name="テキスト ボックス 114">
+              <a:extLst>
+                <a:ext uri="{FF2B5EF4-FFF2-40B4-BE49-F238E27FC236}">
+                  <a16:creationId xmlns:a16="http://schemas.microsoft.com/office/drawing/2014/main" id="{E54BBACD-A3C8-4D41-81F5-EDCBCBFBEB0F}"/>
+                </a:ext>
+              </a:extLst>
+            </p:cNvPr>
+            <p:cNvSpPr txBox="1"/>
+            <p:nvPr/>
+          </p:nvSpPr>
+          <p:spPr>
+            <a:xfrm>
+              <a:off x="1317179" y="3423947"/>
+              <a:ext cx="441146" cy="369332"/>
+            </a:xfrm>
+            <a:prstGeom prst="rect">
+              <a:avLst/>
+            </a:prstGeom>
+            <a:noFill/>
+            <a:ln>
+              <a:noFill/>
+            </a:ln>
+          </p:spPr>
+          <p:txBody>
+            <a:bodyPr wrap="none" rtlCol="0">
+              <a:spAutoFit/>
+            </a:bodyPr>
+            <a:lstStyle/>
+            <a:p>
+              <a:r>
+                <a:rPr kumimoji="1" lang="en-US" altLang="ja-JP" dirty="0">
+                  <a:latin typeface="Helvetica Neue" panose="02000503000000020004" pitchFamily="2" charset="0"/>
+                  <a:cs typeface="Helvetica Neue" panose="02000503000000020004" pitchFamily="2" charset="0"/>
+                </a:rPr>
+                <a:t>14</a:t>
+              </a:r>
+              <a:endParaRPr kumimoji="1" lang="ja-JP" altLang="en-US">
+                <a:latin typeface="Helvetica Neue" panose="02000503000000020004" pitchFamily="2" charset="0"/>
+                <a:cs typeface="Helvetica Neue" panose="02000503000000020004" pitchFamily="2" charset="0"/>
+              </a:endParaRPr>
+            </a:p>
+          </p:txBody>
+        </p:sp>
+        <p:sp>
+          <p:nvSpPr>
+            <p:cNvPr id="116" name="テキスト ボックス 115">
+              <a:extLst>
+                <a:ext uri="{FF2B5EF4-FFF2-40B4-BE49-F238E27FC236}">
+                  <a16:creationId xmlns:a16="http://schemas.microsoft.com/office/drawing/2014/main" id="{C081275C-989D-B542-B3BA-F512DBA7471D}"/>
+                </a:ext>
+              </a:extLst>
+            </p:cNvPr>
+            <p:cNvSpPr txBox="1"/>
+            <p:nvPr/>
+          </p:nvSpPr>
+          <p:spPr>
+            <a:xfrm>
+              <a:off x="2345878" y="3423947"/>
+              <a:ext cx="441146" cy="369332"/>
+            </a:xfrm>
+            <a:prstGeom prst="rect">
+              <a:avLst/>
+            </a:prstGeom>
+            <a:noFill/>
+            <a:ln>
+              <a:noFill/>
+            </a:ln>
+          </p:spPr>
+          <p:txBody>
+            <a:bodyPr wrap="none" rtlCol="0">
+              <a:spAutoFit/>
+            </a:bodyPr>
+            <a:lstStyle/>
+            <a:p>
+              <a:r>
+                <a:rPr kumimoji="1" lang="en-US" altLang="ja-JP" dirty="0">
+                  <a:latin typeface="Helvetica Neue" panose="02000503000000020004" pitchFamily="2" charset="0"/>
+                  <a:cs typeface="Helvetica Neue" panose="02000503000000020004" pitchFamily="2" charset="0"/>
+                </a:rPr>
+                <a:t>15</a:t>
+              </a:r>
+              <a:endParaRPr kumimoji="1" lang="ja-JP" altLang="en-US">
+                <a:latin typeface="Helvetica Neue" panose="02000503000000020004" pitchFamily="2" charset="0"/>
+                <a:cs typeface="Helvetica Neue" panose="02000503000000020004" pitchFamily="2" charset="0"/>
+              </a:endParaRPr>
+            </a:p>
+          </p:txBody>
+        </p:sp>
+        <p:sp>
+          <p:nvSpPr>
+            <p:cNvPr id="117" name="テキスト ボックス 116">
+              <a:extLst>
+                <a:ext uri="{FF2B5EF4-FFF2-40B4-BE49-F238E27FC236}">
+                  <a16:creationId xmlns:a16="http://schemas.microsoft.com/office/drawing/2014/main" id="{17DF8692-9FD5-9A46-934C-D8AD2F1E814D}"/>
+                </a:ext>
+              </a:extLst>
+            </p:cNvPr>
+            <p:cNvSpPr txBox="1"/>
+            <p:nvPr/>
+          </p:nvSpPr>
+          <p:spPr>
+            <a:xfrm>
+              <a:off x="3363692" y="3423947"/>
+              <a:ext cx="441146" cy="369332"/>
+            </a:xfrm>
+            <a:prstGeom prst="rect">
+              <a:avLst/>
+            </a:prstGeom>
+            <a:noFill/>
+            <a:ln>
+              <a:noFill/>
+            </a:ln>
+          </p:spPr>
+          <p:txBody>
+            <a:bodyPr wrap="none" rtlCol="0">
+              <a:spAutoFit/>
+            </a:bodyPr>
+            <a:lstStyle/>
+            <a:p>
+              <a:r>
+                <a:rPr kumimoji="1" lang="en-US" altLang="ja-JP" dirty="0">
+                  <a:latin typeface="Helvetica Neue" panose="02000503000000020004" pitchFamily="2" charset="0"/>
+                  <a:cs typeface="Helvetica Neue" panose="02000503000000020004" pitchFamily="2" charset="0"/>
+                </a:rPr>
+                <a:t>16</a:t>
+              </a:r>
+              <a:endParaRPr kumimoji="1" lang="ja-JP" altLang="en-US">
+                <a:latin typeface="Helvetica Neue" panose="02000503000000020004" pitchFamily="2" charset="0"/>
+                <a:cs typeface="Helvetica Neue" panose="02000503000000020004" pitchFamily="2" charset="0"/>
+              </a:endParaRPr>
+            </a:p>
+          </p:txBody>
+        </p:sp>
+      </p:grpSp>
+    </p:spTree>
+    <p:extLst>
+      <p:ext uri="{BB962C8B-B14F-4D97-AF65-F5344CB8AC3E}">
+        <p14:creationId xmlns:p14="http://schemas.microsoft.com/office/powerpoint/2010/main" val="1750761276"/>
+      </p:ext>
+    </p:extLst>
+  </p:cSld>
+  <p:clrMapOvr>
+    <a:masterClrMapping/>
+  </p:clrMapOvr>
+</p:sld>
+</file>
+
+<file path=ppt/slides/slide8.xml><?xml version="1.0" encoding="utf-8"?>
+<p:sld xmlns:a="http://schemas.openxmlformats.org/drawingml/2006/main" xmlns:r="http://schemas.openxmlformats.org/officeDocument/2006/relationships" xmlns:p="http://schemas.openxmlformats.org/presentationml/2006/main">
+  <p:cSld>
+    <p:spTree>
+      <p:nvGrpSpPr>
+        <p:cNvPr id="1" name=""/>
+        <p:cNvGrpSpPr/>
+        <p:nvPr/>
+      </p:nvGrpSpPr>
+      <p:grpSpPr>
+        <a:xfrm>
+          <a:off x="0" y="0"/>
+          <a:ext cx="0" cy="0"/>
+          <a:chOff x="0" y="0"/>
+          <a:chExt cx="0" cy="0"/>
+        </a:xfrm>
+      </p:grpSpPr>
       <p:pic>
         <p:nvPicPr>
           <p:cNvPr id="4" name="図 3">
             <a:extLst>
               <a:ext uri="{FF2B5EF4-FFF2-40B4-BE49-F238E27FC236}">
-                <a16:creationId xmlns:a16="http://schemas.microsoft.com/office/drawing/2014/main" id="{CB66CE68-FC53-6148-91D3-A52134B73C34}"/>
+                <a16:creationId xmlns:a16="http://schemas.microsoft.com/office/drawing/2014/main" id="{22222A42-E1B3-2245-B847-BC154346DA0E}"/>
               </a:ext>
             </a:extLst>
           </p:cNvPr>
@@ -14851,1052 +22374,48 @@
         </p:blipFill>
         <p:spPr>
           <a:xfrm>
-            <a:off x="865065" y="1136588"/>
-            <a:ext cx="3064678" cy="2899019"/>
+            <a:off x="842736" y="623207"/>
+            <a:ext cx="4432300" cy="2933700"/>
           </a:xfrm>
           <a:prstGeom prst="rect">
             <a:avLst/>
           </a:prstGeom>
-          <a:ln>
-            <a:solidFill>
-              <a:schemeClr val="bg1"/>
-            </a:solidFill>
-          </a:ln>
         </p:spPr>
       </p:pic>
-      <p:sp>
-        <p:nvSpPr>
-          <p:cNvPr id="5" name="正方形/長方形 4">
+      <p:pic>
+        <p:nvPicPr>
+          <p:cNvPr id="5" name="図 4">
             <a:extLst>
               <a:ext uri="{FF2B5EF4-FFF2-40B4-BE49-F238E27FC236}">
-                <a16:creationId xmlns:a16="http://schemas.microsoft.com/office/drawing/2014/main" id="{D4E7D1E6-DFAC-8F41-AD09-1C39B77B6E95}"/>
+                <a16:creationId xmlns:a16="http://schemas.microsoft.com/office/drawing/2014/main" id="{03F139F2-3787-2448-8863-0C66D3690565}"/>
               </a:ext>
             </a:extLst>
           </p:cNvPr>
-          <p:cNvSpPr/>
+          <p:cNvPicPr>
+            <a:picLocks noChangeAspect="1"/>
+          </p:cNvPicPr>
           <p:nvPr/>
-        </p:nvSpPr>
+        </p:nvPicPr>
+        <p:blipFill>
+          <a:blip r:embed="rId3"/>
+          <a:stretch>
+            <a:fillRect/>
+          </a:stretch>
+        </p:blipFill>
         <p:spPr>
           <a:xfrm>
-            <a:off x="3178630" y="1850571"/>
-            <a:ext cx="341494" cy="381001"/>
+            <a:off x="5893707" y="623207"/>
+            <a:ext cx="4432300" cy="2933700"/>
           </a:xfrm>
           <a:prstGeom prst="rect">
             <a:avLst/>
           </a:prstGeom>
-          <a:ln>
-            <a:solidFill>
-              <a:schemeClr val="bg1"/>
-            </a:solidFill>
-          </a:ln>
         </p:spPr>
-        <p:style>
-          <a:lnRef idx="2">
-            <a:schemeClr val="dk1"/>
-          </a:lnRef>
-          <a:fillRef idx="1">
-            <a:schemeClr val="lt1"/>
-          </a:fillRef>
-          <a:effectRef idx="0">
-            <a:schemeClr val="dk1"/>
-          </a:effectRef>
-          <a:fontRef idx="minor">
-            <a:schemeClr val="dk1"/>
-          </a:fontRef>
-        </p:style>
-        <p:txBody>
-          <a:bodyPr rtlCol="0" anchor="ctr"/>
-          <a:lstStyle/>
-          <a:p>
-            <a:pPr algn="ctr"/>
-            <a:endParaRPr kumimoji="1" lang="ja-JP" altLang="en-US"/>
-          </a:p>
-        </p:txBody>
-      </p:sp>
-      <p:sp>
-        <p:nvSpPr>
-          <p:cNvPr id="6" name="正方形/長方形 5">
-            <a:extLst>
-              <a:ext uri="{FF2B5EF4-FFF2-40B4-BE49-F238E27FC236}">
-                <a16:creationId xmlns:a16="http://schemas.microsoft.com/office/drawing/2014/main" id="{F0B0E861-2D5A-054E-8DB5-4D3000DDA197}"/>
-              </a:ext>
-            </a:extLst>
-          </p:cNvPr>
-          <p:cNvSpPr/>
-          <p:nvPr/>
-        </p:nvSpPr>
-        <p:spPr>
-          <a:xfrm>
-            <a:off x="2928260" y="2090057"/>
-            <a:ext cx="341494" cy="381001"/>
-          </a:xfrm>
-          <a:prstGeom prst="rect">
-            <a:avLst/>
-          </a:prstGeom>
-          <a:ln>
-            <a:solidFill>
-              <a:schemeClr val="bg1"/>
-            </a:solidFill>
-          </a:ln>
-        </p:spPr>
-        <p:style>
-          <a:lnRef idx="2">
-            <a:schemeClr val="dk1"/>
-          </a:lnRef>
-          <a:fillRef idx="1">
-            <a:schemeClr val="lt1"/>
-          </a:fillRef>
-          <a:effectRef idx="0">
-            <a:schemeClr val="dk1"/>
-          </a:effectRef>
-          <a:fontRef idx="minor">
-            <a:schemeClr val="dk1"/>
-          </a:fontRef>
-        </p:style>
-        <p:txBody>
-          <a:bodyPr rtlCol="0" anchor="ctr"/>
-          <a:lstStyle/>
-          <a:p>
-            <a:pPr algn="ctr"/>
-            <a:endParaRPr kumimoji="1" lang="ja-JP" altLang="en-US"/>
-          </a:p>
-        </p:txBody>
-      </p:sp>
-      <p:sp>
-        <p:nvSpPr>
-          <p:cNvPr id="7" name="正方形/長方形 6">
-            <a:extLst>
-              <a:ext uri="{FF2B5EF4-FFF2-40B4-BE49-F238E27FC236}">
-                <a16:creationId xmlns:a16="http://schemas.microsoft.com/office/drawing/2014/main" id="{96BDE18A-B905-EC42-AFAA-E912FE368A3F}"/>
-              </a:ext>
-            </a:extLst>
-          </p:cNvPr>
-          <p:cNvSpPr/>
-          <p:nvPr/>
-        </p:nvSpPr>
-        <p:spPr>
-          <a:xfrm>
-            <a:off x="3113318" y="2895599"/>
-            <a:ext cx="341494" cy="381001"/>
-          </a:xfrm>
-          <a:prstGeom prst="rect">
-            <a:avLst/>
-          </a:prstGeom>
-          <a:ln>
-            <a:solidFill>
-              <a:schemeClr val="bg1"/>
-            </a:solidFill>
-          </a:ln>
-        </p:spPr>
-        <p:style>
-          <a:lnRef idx="2">
-            <a:schemeClr val="dk1"/>
-          </a:lnRef>
-          <a:fillRef idx="1">
-            <a:schemeClr val="lt1"/>
-          </a:fillRef>
-          <a:effectRef idx="0">
-            <a:schemeClr val="dk1"/>
-          </a:effectRef>
-          <a:fontRef idx="minor">
-            <a:schemeClr val="dk1"/>
-          </a:fontRef>
-        </p:style>
-        <p:txBody>
-          <a:bodyPr rtlCol="0" anchor="ctr"/>
-          <a:lstStyle/>
-          <a:p>
-            <a:pPr algn="ctr"/>
-            <a:endParaRPr kumimoji="1" lang="ja-JP" altLang="en-US"/>
-          </a:p>
-        </p:txBody>
-      </p:sp>
-      <p:sp>
-        <p:nvSpPr>
-          <p:cNvPr id="8" name="正方形/長方形 7">
-            <a:extLst>
-              <a:ext uri="{FF2B5EF4-FFF2-40B4-BE49-F238E27FC236}">
-                <a16:creationId xmlns:a16="http://schemas.microsoft.com/office/drawing/2014/main" id="{488B708D-40BB-C046-A9DD-5E3E12378EE3}"/>
-              </a:ext>
-            </a:extLst>
-          </p:cNvPr>
-          <p:cNvSpPr/>
-          <p:nvPr/>
-        </p:nvSpPr>
-        <p:spPr>
-          <a:xfrm>
-            <a:off x="2939145" y="3091543"/>
-            <a:ext cx="341494" cy="381001"/>
-          </a:xfrm>
-          <a:prstGeom prst="rect">
-            <a:avLst/>
-          </a:prstGeom>
-          <a:ln>
-            <a:solidFill>
-              <a:schemeClr val="bg1"/>
-            </a:solidFill>
-          </a:ln>
-        </p:spPr>
-        <p:style>
-          <a:lnRef idx="2">
-            <a:schemeClr val="dk1"/>
-          </a:lnRef>
-          <a:fillRef idx="1">
-            <a:schemeClr val="lt1"/>
-          </a:fillRef>
-          <a:effectRef idx="0">
-            <a:schemeClr val="dk1"/>
-          </a:effectRef>
-          <a:fontRef idx="minor">
-            <a:schemeClr val="dk1"/>
-          </a:fontRef>
-        </p:style>
-        <p:txBody>
-          <a:bodyPr rtlCol="0" anchor="ctr"/>
-          <a:lstStyle/>
-          <a:p>
-            <a:pPr algn="ctr"/>
-            <a:endParaRPr kumimoji="1" lang="ja-JP" altLang="en-US"/>
-          </a:p>
-        </p:txBody>
-      </p:sp>
-      <p:sp>
-        <p:nvSpPr>
-          <p:cNvPr id="9" name="正方形/長方形 8">
-            <a:extLst>
-              <a:ext uri="{FF2B5EF4-FFF2-40B4-BE49-F238E27FC236}">
-                <a16:creationId xmlns:a16="http://schemas.microsoft.com/office/drawing/2014/main" id="{F5985C02-E44B-B348-89F8-114C42EC0787}"/>
-              </a:ext>
-            </a:extLst>
-          </p:cNvPr>
-          <p:cNvSpPr/>
-          <p:nvPr/>
-        </p:nvSpPr>
-        <p:spPr>
-          <a:xfrm>
-            <a:off x="1883231" y="3113314"/>
-            <a:ext cx="341494" cy="381001"/>
-          </a:xfrm>
-          <a:prstGeom prst="rect">
-            <a:avLst/>
-          </a:prstGeom>
-          <a:ln>
-            <a:solidFill>
-              <a:schemeClr val="bg1"/>
-            </a:solidFill>
-          </a:ln>
-        </p:spPr>
-        <p:style>
-          <a:lnRef idx="2">
-            <a:schemeClr val="dk1"/>
-          </a:lnRef>
-          <a:fillRef idx="1">
-            <a:schemeClr val="lt1"/>
-          </a:fillRef>
-          <a:effectRef idx="0">
-            <a:schemeClr val="dk1"/>
-          </a:effectRef>
-          <a:fontRef idx="minor">
-            <a:schemeClr val="dk1"/>
-          </a:fontRef>
-        </p:style>
-        <p:txBody>
-          <a:bodyPr rtlCol="0" anchor="ctr"/>
-          <a:lstStyle/>
-          <a:p>
-            <a:pPr algn="ctr"/>
-            <a:endParaRPr kumimoji="1" lang="ja-JP" altLang="en-US"/>
-          </a:p>
-        </p:txBody>
-      </p:sp>
-      <p:sp>
-        <p:nvSpPr>
-          <p:cNvPr id="10" name="正方形/長方形 9">
-            <a:extLst>
-              <a:ext uri="{FF2B5EF4-FFF2-40B4-BE49-F238E27FC236}">
-                <a16:creationId xmlns:a16="http://schemas.microsoft.com/office/drawing/2014/main" id="{04D447BC-F470-514B-8473-7BB7B2B54980}"/>
-              </a:ext>
-            </a:extLst>
-          </p:cNvPr>
-          <p:cNvSpPr/>
-          <p:nvPr/>
-        </p:nvSpPr>
-        <p:spPr>
-          <a:xfrm>
-            <a:off x="2100947" y="2917371"/>
-            <a:ext cx="341494" cy="381001"/>
-          </a:xfrm>
-          <a:prstGeom prst="rect">
-            <a:avLst/>
-          </a:prstGeom>
-          <a:ln>
-            <a:solidFill>
-              <a:schemeClr val="bg1"/>
-            </a:solidFill>
-          </a:ln>
-        </p:spPr>
-        <p:style>
-          <a:lnRef idx="2">
-            <a:schemeClr val="dk1"/>
-          </a:lnRef>
-          <a:fillRef idx="1">
-            <a:schemeClr val="lt1"/>
-          </a:fillRef>
-          <a:effectRef idx="0">
-            <a:schemeClr val="dk1"/>
-          </a:effectRef>
-          <a:fontRef idx="minor">
-            <a:schemeClr val="dk1"/>
-          </a:fontRef>
-        </p:style>
-        <p:txBody>
-          <a:bodyPr rtlCol="0" anchor="ctr"/>
-          <a:lstStyle/>
-          <a:p>
-            <a:pPr algn="ctr"/>
-            <a:endParaRPr kumimoji="1" lang="ja-JP" altLang="en-US"/>
-          </a:p>
-        </p:txBody>
-      </p:sp>
-      <p:sp>
-        <p:nvSpPr>
-          <p:cNvPr id="11" name="正方形/長方形 10">
-            <a:extLst>
-              <a:ext uri="{FF2B5EF4-FFF2-40B4-BE49-F238E27FC236}">
-                <a16:creationId xmlns:a16="http://schemas.microsoft.com/office/drawing/2014/main" id="{26DBAFA1-43F7-8B48-B019-6ABBAA554E84}"/>
-              </a:ext>
-            </a:extLst>
-          </p:cNvPr>
-          <p:cNvSpPr/>
-          <p:nvPr/>
-        </p:nvSpPr>
-        <p:spPr>
-          <a:xfrm>
-            <a:off x="1132118" y="2939140"/>
-            <a:ext cx="341494" cy="381001"/>
-          </a:xfrm>
-          <a:prstGeom prst="rect">
-            <a:avLst/>
-          </a:prstGeom>
-          <a:ln>
-            <a:solidFill>
-              <a:schemeClr val="bg1"/>
-            </a:solidFill>
-          </a:ln>
-        </p:spPr>
-        <p:style>
-          <a:lnRef idx="2">
-            <a:schemeClr val="dk1"/>
-          </a:lnRef>
-          <a:fillRef idx="1">
-            <a:schemeClr val="lt1"/>
-          </a:fillRef>
-          <a:effectRef idx="0">
-            <a:schemeClr val="dk1"/>
-          </a:effectRef>
-          <a:fontRef idx="minor">
-            <a:schemeClr val="dk1"/>
-          </a:fontRef>
-        </p:style>
-        <p:txBody>
-          <a:bodyPr rtlCol="0" anchor="ctr"/>
-          <a:lstStyle/>
-          <a:p>
-            <a:pPr algn="ctr"/>
-            <a:endParaRPr kumimoji="1" lang="ja-JP" altLang="en-US"/>
-          </a:p>
-        </p:txBody>
-      </p:sp>
-      <p:sp>
-        <p:nvSpPr>
-          <p:cNvPr id="12" name="正方形/長方形 11">
-            <a:extLst>
-              <a:ext uri="{FF2B5EF4-FFF2-40B4-BE49-F238E27FC236}">
-                <a16:creationId xmlns:a16="http://schemas.microsoft.com/office/drawing/2014/main" id="{F2BB11C3-2B4E-DA44-BB3F-160FA4A121EF}"/>
-              </a:ext>
-            </a:extLst>
-          </p:cNvPr>
-          <p:cNvSpPr/>
-          <p:nvPr/>
-        </p:nvSpPr>
-        <p:spPr>
-          <a:xfrm>
-            <a:off x="1121232" y="1872341"/>
-            <a:ext cx="341494" cy="381001"/>
-          </a:xfrm>
-          <a:prstGeom prst="rect">
-            <a:avLst/>
-          </a:prstGeom>
-          <a:ln>
-            <a:solidFill>
-              <a:schemeClr val="bg1"/>
-            </a:solidFill>
-          </a:ln>
-        </p:spPr>
-        <p:style>
-          <a:lnRef idx="2">
-            <a:schemeClr val="dk1"/>
-          </a:lnRef>
-          <a:fillRef idx="1">
-            <a:schemeClr val="lt1"/>
-          </a:fillRef>
-          <a:effectRef idx="0">
-            <a:schemeClr val="dk1"/>
-          </a:effectRef>
-          <a:fontRef idx="minor">
-            <a:schemeClr val="dk1"/>
-          </a:fontRef>
-        </p:style>
-        <p:txBody>
-          <a:bodyPr rtlCol="0" anchor="ctr"/>
-          <a:lstStyle/>
-          <a:p>
-            <a:pPr algn="ctr"/>
-            <a:endParaRPr kumimoji="1" lang="ja-JP" altLang="en-US"/>
-          </a:p>
-        </p:txBody>
-      </p:sp>
-      <p:sp>
-        <p:nvSpPr>
-          <p:cNvPr id="13" name="正方形/長方形 12">
-            <a:extLst>
-              <a:ext uri="{FF2B5EF4-FFF2-40B4-BE49-F238E27FC236}">
-                <a16:creationId xmlns:a16="http://schemas.microsoft.com/office/drawing/2014/main" id="{7B9EBFD1-0785-9D4C-BC39-4AF9CB1B932C}"/>
-              </a:ext>
-            </a:extLst>
-          </p:cNvPr>
-          <p:cNvSpPr/>
-          <p:nvPr/>
-        </p:nvSpPr>
-        <p:spPr>
-          <a:xfrm>
-            <a:off x="1894117" y="2111829"/>
-            <a:ext cx="341494" cy="381001"/>
-          </a:xfrm>
-          <a:prstGeom prst="rect">
-            <a:avLst/>
-          </a:prstGeom>
-          <a:ln>
-            <a:solidFill>
-              <a:schemeClr val="bg1"/>
-            </a:solidFill>
-          </a:ln>
-        </p:spPr>
-        <p:style>
-          <a:lnRef idx="2">
-            <a:schemeClr val="dk1"/>
-          </a:lnRef>
-          <a:fillRef idx="1">
-            <a:schemeClr val="lt1"/>
-          </a:fillRef>
-          <a:effectRef idx="0">
-            <a:schemeClr val="dk1"/>
-          </a:effectRef>
-          <a:fontRef idx="minor">
-            <a:schemeClr val="dk1"/>
-          </a:fontRef>
-        </p:style>
-        <p:txBody>
-          <a:bodyPr rtlCol="0" anchor="ctr"/>
-          <a:lstStyle/>
-          <a:p>
-            <a:pPr algn="ctr"/>
-            <a:endParaRPr kumimoji="1" lang="ja-JP" altLang="en-US"/>
-          </a:p>
-        </p:txBody>
-      </p:sp>
-      <p:sp>
-        <p:nvSpPr>
-          <p:cNvPr id="14" name="正方形/長方形 13">
-            <a:extLst>
-              <a:ext uri="{FF2B5EF4-FFF2-40B4-BE49-F238E27FC236}">
-                <a16:creationId xmlns:a16="http://schemas.microsoft.com/office/drawing/2014/main" id="{DAF2F57B-8361-8544-AD85-5E71F59E4F61}"/>
-              </a:ext>
-            </a:extLst>
-          </p:cNvPr>
-          <p:cNvSpPr/>
-          <p:nvPr/>
-        </p:nvSpPr>
-        <p:spPr>
-          <a:xfrm>
-            <a:off x="2144491" y="1894113"/>
-            <a:ext cx="341494" cy="381001"/>
-          </a:xfrm>
-          <a:prstGeom prst="rect">
-            <a:avLst/>
-          </a:prstGeom>
-          <a:ln>
-            <a:solidFill>
-              <a:schemeClr val="bg1"/>
-            </a:solidFill>
-          </a:ln>
-        </p:spPr>
-        <p:style>
-          <a:lnRef idx="2">
-            <a:schemeClr val="dk1"/>
-          </a:lnRef>
-          <a:fillRef idx="1">
-            <a:schemeClr val="lt1"/>
-          </a:fillRef>
-          <a:effectRef idx="0">
-            <a:schemeClr val="dk1"/>
-          </a:effectRef>
-          <a:fontRef idx="minor">
-            <a:schemeClr val="dk1"/>
-          </a:fontRef>
-        </p:style>
-        <p:txBody>
-          <a:bodyPr rtlCol="0" anchor="ctr"/>
-          <a:lstStyle/>
-          <a:p>
-            <a:pPr algn="ctr"/>
-            <a:endParaRPr kumimoji="1" lang="ja-JP" altLang="en-US"/>
-          </a:p>
-        </p:txBody>
-      </p:sp>
-      <p:sp>
-        <p:nvSpPr>
-          <p:cNvPr id="15" name="正方形/長方形 14">
-            <a:extLst>
-              <a:ext uri="{FF2B5EF4-FFF2-40B4-BE49-F238E27FC236}">
-                <a16:creationId xmlns:a16="http://schemas.microsoft.com/office/drawing/2014/main" id="{EA10337C-B43D-0F4F-9D8D-99EBEF026240}"/>
-              </a:ext>
-            </a:extLst>
-          </p:cNvPr>
-          <p:cNvSpPr/>
-          <p:nvPr/>
-        </p:nvSpPr>
-        <p:spPr>
-          <a:xfrm>
-            <a:off x="1915891" y="1251856"/>
-            <a:ext cx="341494" cy="228602"/>
-          </a:xfrm>
-          <a:prstGeom prst="rect">
-            <a:avLst/>
-          </a:prstGeom>
-          <a:ln>
-            <a:solidFill>
-              <a:schemeClr val="bg1"/>
-            </a:solidFill>
-          </a:ln>
-        </p:spPr>
-        <p:style>
-          <a:lnRef idx="2">
-            <a:schemeClr val="dk1"/>
-          </a:lnRef>
-          <a:fillRef idx="1">
-            <a:schemeClr val="lt1"/>
-          </a:fillRef>
-          <a:effectRef idx="0">
-            <a:schemeClr val="dk1"/>
-          </a:effectRef>
-          <a:fontRef idx="minor">
-            <a:schemeClr val="dk1"/>
-          </a:fontRef>
-        </p:style>
-        <p:txBody>
-          <a:bodyPr rtlCol="0" anchor="ctr"/>
-          <a:lstStyle/>
-          <a:p>
-            <a:pPr algn="ctr"/>
-            <a:endParaRPr kumimoji="1" lang="ja-JP" altLang="en-US"/>
-          </a:p>
-        </p:txBody>
-      </p:sp>
-      <p:sp>
-        <p:nvSpPr>
-          <p:cNvPr id="16" name="正方形/長方形 15">
-            <a:extLst>
-              <a:ext uri="{FF2B5EF4-FFF2-40B4-BE49-F238E27FC236}">
-                <a16:creationId xmlns:a16="http://schemas.microsoft.com/office/drawing/2014/main" id="{CB642A3E-C774-D442-A53F-69BFAEC7D02D}"/>
-              </a:ext>
-            </a:extLst>
-          </p:cNvPr>
-          <p:cNvSpPr/>
-          <p:nvPr/>
-        </p:nvSpPr>
-        <p:spPr>
-          <a:xfrm>
-            <a:off x="2928264" y="1262743"/>
-            <a:ext cx="341494" cy="228602"/>
-          </a:xfrm>
-          <a:prstGeom prst="rect">
-            <a:avLst/>
-          </a:prstGeom>
-          <a:ln>
-            <a:solidFill>
-              <a:schemeClr val="bg1"/>
-            </a:solidFill>
-          </a:ln>
-        </p:spPr>
-        <p:style>
-          <a:lnRef idx="2">
-            <a:schemeClr val="dk1"/>
-          </a:lnRef>
-          <a:fillRef idx="1">
-            <a:schemeClr val="lt1"/>
-          </a:fillRef>
-          <a:effectRef idx="0">
-            <a:schemeClr val="dk1"/>
-          </a:effectRef>
-          <a:fontRef idx="minor">
-            <a:schemeClr val="dk1"/>
-          </a:fontRef>
-        </p:style>
-        <p:txBody>
-          <a:bodyPr rtlCol="0" anchor="ctr"/>
-          <a:lstStyle/>
-          <a:p>
-            <a:pPr algn="ctr"/>
-            <a:endParaRPr kumimoji="1" lang="ja-JP" altLang="en-US"/>
-          </a:p>
-        </p:txBody>
-      </p:sp>
-      <p:sp>
-        <p:nvSpPr>
-          <p:cNvPr id="17" name="正方形/長方形 16">
-            <a:extLst>
-              <a:ext uri="{FF2B5EF4-FFF2-40B4-BE49-F238E27FC236}">
-                <a16:creationId xmlns:a16="http://schemas.microsoft.com/office/drawing/2014/main" id="{97118905-6BF9-0945-A5E9-E186F88A1C94}"/>
-              </a:ext>
-            </a:extLst>
-          </p:cNvPr>
-          <p:cNvSpPr/>
-          <p:nvPr/>
-        </p:nvSpPr>
-        <p:spPr>
-          <a:xfrm>
-            <a:off x="3407236" y="1447801"/>
-            <a:ext cx="341494" cy="228602"/>
-          </a:xfrm>
-          <a:prstGeom prst="rect">
-            <a:avLst/>
-          </a:prstGeom>
-          <a:ln>
-            <a:solidFill>
-              <a:schemeClr val="bg1"/>
-            </a:solidFill>
-          </a:ln>
-        </p:spPr>
-        <p:style>
-          <a:lnRef idx="2">
-            <a:schemeClr val="dk1"/>
-          </a:lnRef>
-          <a:fillRef idx="1">
-            <a:schemeClr val="lt1"/>
-          </a:fillRef>
-          <a:effectRef idx="0">
-            <a:schemeClr val="dk1"/>
-          </a:effectRef>
-          <a:fontRef idx="minor">
-            <a:schemeClr val="dk1"/>
-          </a:fontRef>
-        </p:style>
-        <p:txBody>
-          <a:bodyPr rtlCol="0" anchor="ctr"/>
-          <a:lstStyle/>
-          <a:p>
-            <a:pPr algn="ctr"/>
-            <a:endParaRPr kumimoji="1" lang="ja-JP" altLang="en-US"/>
-          </a:p>
-        </p:txBody>
-      </p:sp>
-      <p:sp>
-        <p:nvSpPr>
-          <p:cNvPr id="18" name="正方形/長方形 17">
-            <a:extLst>
-              <a:ext uri="{FF2B5EF4-FFF2-40B4-BE49-F238E27FC236}">
-                <a16:creationId xmlns:a16="http://schemas.microsoft.com/office/drawing/2014/main" id="{E592CB71-5244-2F49-8A1B-6327530D2991}"/>
-              </a:ext>
-            </a:extLst>
-          </p:cNvPr>
-          <p:cNvSpPr/>
-          <p:nvPr/>
-        </p:nvSpPr>
-        <p:spPr>
-          <a:xfrm>
-            <a:off x="3407236" y="2471061"/>
-            <a:ext cx="341494" cy="228602"/>
-          </a:xfrm>
-          <a:prstGeom prst="rect">
-            <a:avLst/>
-          </a:prstGeom>
-          <a:ln>
-            <a:solidFill>
-              <a:schemeClr val="bg1"/>
-            </a:solidFill>
-          </a:ln>
-        </p:spPr>
-        <p:style>
-          <a:lnRef idx="2">
-            <a:schemeClr val="dk1"/>
-          </a:lnRef>
-          <a:fillRef idx="1">
-            <a:schemeClr val="lt1"/>
-          </a:fillRef>
-          <a:effectRef idx="0">
-            <a:schemeClr val="dk1"/>
-          </a:effectRef>
-          <a:fontRef idx="minor">
-            <a:schemeClr val="dk1"/>
-          </a:fontRef>
-        </p:style>
-        <p:txBody>
-          <a:bodyPr rtlCol="0" anchor="ctr"/>
-          <a:lstStyle/>
-          <a:p>
-            <a:pPr algn="ctr"/>
-            <a:endParaRPr kumimoji="1" lang="ja-JP" altLang="en-US"/>
-          </a:p>
-        </p:txBody>
-      </p:sp>
-      <p:sp>
-        <p:nvSpPr>
-          <p:cNvPr id="19" name="正方形/長方形 18">
-            <a:extLst>
-              <a:ext uri="{FF2B5EF4-FFF2-40B4-BE49-F238E27FC236}">
-                <a16:creationId xmlns:a16="http://schemas.microsoft.com/office/drawing/2014/main" id="{34EE1712-2649-2640-9A0A-ECC2E7C72F88}"/>
-              </a:ext>
-            </a:extLst>
-          </p:cNvPr>
-          <p:cNvSpPr/>
-          <p:nvPr/>
-        </p:nvSpPr>
-        <p:spPr>
-          <a:xfrm>
-            <a:off x="3407235" y="3494316"/>
-            <a:ext cx="341494" cy="228602"/>
-          </a:xfrm>
-          <a:prstGeom prst="rect">
-            <a:avLst/>
-          </a:prstGeom>
-          <a:ln>
-            <a:solidFill>
-              <a:schemeClr val="bg1"/>
-            </a:solidFill>
-          </a:ln>
-        </p:spPr>
-        <p:style>
-          <a:lnRef idx="2">
-            <a:schemeClr val="dk1"/>
-          </a:lnRef>
-          <a:fillRef idx="1">
-            <a:schemeClr val="lt1"/>
-          </a:fillRef>
-          <a:effectRef idx="0">
-            <a:schemeClr val="dk1"/>
-          </a:effectRef>
-          <a:fontRef idx="minor">
-            <a:schemeClr val="dk1"/>
-          </a:fontRef>
-        </p:style>
-        <p:txBody>
-          <a:bodyPr rtlCol="0" anchor="ctr"/>
-          <a:lstStyle/>
-          <a:p>
-            <a:pPr algn="ctr"/>
-            <a:endParaRPr kumimoji="1" lang="ja-JP" altLang="en-US"/>
-          </a:p>
-        </p:txBody>
-      </p:sp>
-      <p:sp>
-        <p:nvSpPr>
-          <p:cNvPr id="20" name="正方形/長方形 19">
-            <a:extLst>
-              <a:ext uri="{FF2B5EF4-FFF2-40B4-BE49-F238E27FC236}">
-                <a16:creationId xmlns:a16="http://schemas.microsoft.com/office/drawing/2014/main" id="{2C929BD5-6A6E-1E41-A21A-DE37BC59E996}"/>
-              </a:ext>
-            </a:extLst>
-          </p:cNvPr>
-          <p:cNvSpPr/>
-          <p:nvPr/>
-        </p:nvSpPr>
-        <p:spPr>
-          <a:xfrm>
-            <a:off x="2362208" y="3505198"/>
-            <a:ext cx="341494" cy="228602"/>
-          </a:xfrm>
-          <a:prstGeom prst="rect">
-            <a:avLst/>
-          </a:prstGeom>
-          <a:ln>
-            <a:solidFill>
-              <a:schemeClr val="bg1"/>
-            </a:solidFill>
-          </a:ln>
-        </p:spPr>
-        <p:style>
-          <a:lnRef idx="2">
-            <a:schemeClr val="dk1"/>
-          </a:lnRef>
-          <a:fillRef idx="1">
-            <a:schemeClr val="lt1"/>
-          </a:fillRef>
-          <a:effectRef idx="0">
-            <a:schemeClr val="dk1"/>
-          </a:effectRef>
-          <a:fontRef idx="minor">
-            <a:schemeClr val="dk1"/>
-          </a:fontRef>
-        </p:style>
-        <p:txBody>
-          <a:bodyPr rtlCol="0" anchor="ctr"/>
-          <a:lstStyle/>
-          <a:p>
-            <a:pPr algn="ctr"/>
-            <a:endParaRPr kumimoji="1" lang="ja-JP" altLang="en-US"/>
-          </a:p>
-        </p:txBody>
-      </p:sp>
-      <p:sp>
-        <p:nvSpPr>
-          <p:cNvPr id="21" name="正方形/長方形 20">
-            <a:extLst>
-              <a:ext uri="{FF2B5EF4-FFF2-40B4-BE49-F238E27FC236}">
-                <a16:creationId xmlns:a16="http://schemas.microsoft.com/office/drawing/2014/main" id="{372C471B-0929-DB4F-886B-ABCF2FA73DC8}"/>
-              </a:ext>
-            </a:extLst>
-          </p:cNvPr>
-          <p:cNvSpPr/>
-          <p:nvPr/>
-        </p:nvSpPr>
-        <p:spPr>
-          <a:xfrm>
-            <a:off x="1328066" y="3516084"/>
-            <a:ext cx="341494" cy="228602"/>
-          </a:xfrm>
-          <a:prstGeom prst="rect">
-            <a:avLst/>
-          </a:prstGeom>
-          <a:ln>
-            <a:solidFill>
-              <a:schemeClr val="bg1"/>
-            </a:solidFill>
-          </a:ln>
-        </p:spPr>
-        <p:style>
-          <a:lnRef idx="2">
-            <a:schemeClr val="dk1"/>
-          </a:lnRef>
-          <a:fillRef idx="1">
-            <a:schemeClr val="lt1"/>
-          </a:fillRef>
-          <a:effectRef idx="0">
-            <a:schemeClr val="dk1"/>
-          </a:effectRef>
-          <a:fontRef idx="minor">
-            <a:schemeClr val="dk1"/>
-          </a:fontRef>
-        </p:style>
-        <p:txBody>
-          <a:bodyPr rtlCol="0" anchor="ctr"/>
-          <a:lstStyle/>
-          <a:p>
-            <a:pPr algn="ctr"/>
-            <a:endParaRPr kumimoji="1" lang="ja-JP" altLang="en-US"/>
-          </a:p>
-        </p:txBody>
-      </p:sp>
-      <p:sp>
-        <p:nvSpPr>
-          <p:cNvPr id="22" name="正方形/長方形 21">
-            <a:extLst>
-              <a:ext uri="{FF2B5EF4-FFF2-40B4-BE49-F238E27FC236}">
-                <a16:creationId xmlns:a16="http://schemas.microsoft.com/office/drawing/2014/main" id="{594C6FB9-A8E5-8F4B-ACF3-DC95ED0D7FA2}"/>
-              </a:ext>
-            </a:extLst>
-          </p:cNvPr>
-          <p:cNvSpPr/>
-          <p:nvPr/>
-        </p:nvSpPr>
-        <p:spPr>
-          <a:xfrm>
-            <a:off x="1338950" y="2481941"/>
-            <a:ext cx="341494" cy="228602"/>
-          </a:xfrm>
-          <a:prstGeom prst="rect">
-            <a:avLst/>
-          </a:prstGeom>
-          <a:ln>
-            <a:solidFill>
-              <a:schemeClr val="bg1"/>
-            </a:solidFill>
-          </a:ln>
-        </p:spPr>
-        <p:style>
-          <a:lnRef idx="2">
-            <a:schemeClr val="dk1"/>
-          </a:lnRef>
-          <a:fillRef idx="1">
-            <a:schemeClr val="lt1"/>
-          </a:fillRef>
-          <a:effectRef idx="0">
-            <a:schemeClr val="dk1"/>
-          </a:effectRef>
-          <a:fontRef idx="minor">
-            <a:schemeClr val="dk1"/>
-          </a:fontRef>
-        </p:style>
-        <p:txBody>
-          <a:bodyPr rtlCol="0" anchor="ctr"/>
-          <a:lstStyle/>
-          <a:p>
-            <a:pPr algn="ctr"/>
-            <a:endParaRPr kumimoji="1" lang="ja-JP" altLang="en-US"/>
-          </a:p>
-        </p:txBody>
-      </p:sp>
-      <p:sp>
-        <p:nvSpPr>
-          <p:cNvPr id="23" name="正方形/長方形 22">
-            <a:extLst>
-              <a:ext uri="{FF2B5EF4-FFF2-40B4-BE49-F238E27FC236}">
-                <a16:creationId xmlns:a16="http://schemas.microsoft.com/office/drawing/2014/main" id="{34D27F45-6360-3243-A0BF-611E5EB61857}"/>
-              </a:ext>
-            </a:extLst>
-          </p:cNvPr>
-          <p:cNvSpPr/>
-          <p:nvPr/>
-        </p:nvSpPr>
-        <p:spPr>
-          <a:xfrm>
-            <a:off x="2373092" y="2481940"/>
-            <a:ext cx="341494" cy="228602"/>
-          </a:xfrm>
-          <a:prstGeom prst="rect">
-            <a:avLst/>
-          </a:prstGeom>
-          <a:ln>
-            <a:solidFill>
-              <a:schemeClr val="bg1"/>
-            </a:solidFill>
-          </a:ln>
-        </p:spPr>
-        <p:style>
-          <a:lnRef idx="2">
-            <a:schemeClr val="dk1"/>
-          </a:lnRef>
-          <a:fillRef idx="1">
-            <a:schemeClr val="lt1"/>
-          </a:fillRef>
-          <a:effectRef idx="0">
-            <a:schemeClr val="dk1"/>
-          </a:effectRef>
-          <a:fontRef idx="minor">
-            <a:schemeClr val="dk1"/>
-          </a:fontRef>
-        </p:style>
-        <p:txBody>
-          <a:bodyPr rtlCol="0" anchor="ctr"/>
-          <a:lstStyle/>
-          <a:p>
-            <a:pPr algn="ctr"/>
-            <a:endParaRPr kumimoji="1" lang="ja-JP" altLang="en-US"/>
-          </a:p>
-        </p:txBody>
-      </p:sp>
-      <p:sp>
-        <p:nvSpPr>
-          <p:cNvPr id="24" name="正方形/長方形 23">
-            <a:extLst>
-              <a:ext uri="{FF2B5EF4-FFF2-40B4-BE49-F238E27FC236}">
-                <a16:creationId xmlns:a16="http://schemas.microsoft.com/office/drawing/2014/main" id="{D7F7CA8C-9614-DD4A-AB07-30090412F3C6}"/>
-              </a:ext>
-            </a:extLst>
-          </p:cNvPr>
-          <p:cNvSpPr/>
-          <p:nvPr/>
-        </p:nvSpPr>
-        <p:spPr>
-          <a:xfrm>
-            <a:off x="2373091" y="1458683"/>
-            <a:ext cx="341494" cy="228602"/>
-          </a:xfrm>
-          <a:prstGeom prst="rect">
-            <a:avLst/>
-          </a:prstGeom>
-          <a:ln>
-            <a:solidFill>
-              <a:schemeClr val="bg1"/>
-            </a:solidFill>
-          </a:ln>
-        </p:spPr>
-        <p:style>
-          <a:lnRef idx="2">
-            <a:schemeClr val="dk1"/>
-          </a:lnRef>
-          <a:fillRef idx="1">
-            <a:schemeClr val="lt1"/>
-          </a:fillRef>
-          <a:effectRef idx="0">
-            <a:schemeClr val="dk1"/>
-          </a:effectRef>
-          <a:fontRef idx="minor">
-            <a:schemeClr val="dk1"/>
-          </a:fontRef>
-        </p:style>
-        <p:txBody>
-          <a:bodyPr rtlCol="0" anchor="ctr"/>
-          <a:lstStyle/>
-          <a:p>
-            <a:pPr algn="ctr"/>
-            <a:endParaRPr kumimoji="1" lang="ja-JP" altLang="en-US"/>
-          </a:p>
-        </p:txBody>
-      </p:sp>
-      <p:sp>
-        <p:nvSpPr>
-          <p:cNvPr id="25" name="正方形/長方形 24">
-            <a:extLst>
-              <a:ext uri="{FF2B5EF4-FFF2-40B4-BE49-F238E27FC236}">
-                <a16:creationId xmlns:a16="http://schemas.microsoft.com/office/drawing/2014/main" id="{04632BE6-AA55-7045-BC8F-29B8824D47FB}"/>
-              </a:ext>
-            </a:extLst>
-          </p:cNvPr>
-          <p:cNvSpPr/>
-          <p:nvPr/>
-        </p:nvSpPr>
-        <p:spPr>
-          <a:xfrm>
-            <a:off x="1349835" y="1469565"/>
-            <a:ext cx="341494" cy="228602"/>
-          </a:xfrm>
-          <a:prstGeom prst="rect">
-            <a:avLst/>
-          </a:prstGeom>
-          <a:ln>
-            <a:solidFill>
-              <a:schemeClr val="bg1"/>
-            </a:solidFill>
-          </a:ln>
-        </p:spPr>
-        <p:style>
-          <a:lnRef idx="2">
-            <a:schemeClr val="dk1"/>
-          </a:lnRef>
-          <a:fillRef idx="1">
-            <a:schemeClr val="lt1"/>
-          </a:fillRef>
-          <a:effectRef idx="0">
-            <a:schemeClr val="dk1"/>
-          </a:effectRef>
-          <a:fontRef idx="minor">
-            <a:schemeClr val="dk1"/>
-          </a:fontRef>
-        </p:style>
-        <p:txBody>
-          <a:bodyPr rtlCol="0" anchor="ctr"/>
-          <a:lstStyle/>
-          <a:p>
-            <a:pPr algn="ctr"/>
-            <a:endParaRPr kumimoji="1" lang="ja-JP" altLang="en-US"/>
-          </a:p>
-        </p:txBody>
-      </p:sp>
+      </p:pic>
     </p:spTree>
     <p:extLst>
       <p:ext uri="{BB962C8B-B14F-4D97-AF65-F5344CB8AC3E}">
-        <p14:creationId xmlns:p14="http://schemas.microsoft.com/office/powerpoint/2010/main" val="2254092849"/>
+        <p14:creationId xmlns:p14="http://schemas.microsoft.com/office/powerpoint/2010/main" val="3715389851"/>
       </p:ext>
     </p:extLst>
   </p:cSld>
